--- a/templates/template_remote_gesture_help.pptx
+++ b/templates/template_remote_gesture_help.pptx
@@ -5,7 +5,7 @@
     <p:sldMasterId id="2147483648" r:id="rId1"/>
   </p:sldMasterIdLst>
   <p:notesMasterIdLst>
-    <p:notesMasterId r:id="rId14"/>
+    <p:notesMasterId r:id="rId19"/>
   </p:notesMasterIdLst>
   <p:sldIdLst>
     <p:sldId id="256" r:id="rId2"/>
@@ -19,7 +19,12 @@
     <p:sldId id="265" r:id="rId10"/>
     <p:sldId id="266" r:id="rId11"/>
     <p:sldId id="267" r:id="rId12"/>
-    <p:sldId id="268" r:id="rId13"/>
+    <p:sldId id="270" r:id="rId13"/>
+    <p:sldId id="271" r:id="rId14"/>
+    <p:sldId id="272" r:id="rId15"/>
+    <p:sldId id="273" r:id="rId16"/>
+    <p:sldId id="274" r:id="rId17"/>
+    <p:sldId id="275" r:id="rId18"/>
   </p:sldIdLst>
   <p:sldSz cx="12192000" cy="6858000"/>
   <p:notesSz cx="6858000" cy="9144000"/>
@@ -175,7 +180,7 @@
             </a:lvl1pPr>
           </a:lstStyle>
           <a:p>
-            <a:endParaRPr lang="de-DE"/>
+            <a:endParaRPr lang="de-DE" dirty="0"/>
           </a:p>
         </p:txBody>
       </p:sp>
@@ -208,9 +213,9 @@
           <a:p>
             <a:fld id="{C467503C-7ACA-414C-BA84-ABF7618DE663}" type="datetimeFigureOut">
               <a:rPr lang="de-DE" smtClean="0"/>
-              <a:t>05.06.21</a:t>
+              <a:t>09.04.22</a:t>
             </a:fld>
-            <a:endParaRPr lang="de-DE"/>
+            <a:endParaRPr lang="de-DE" dirty="0"/>
           </a:p>
         </p:txBody>
       </p:sp>
@@ -243,7 +248,7 @@
           <a:bodyPr vert="horz" lIns="91440" tIns="45720" rIns="91440" bIns="45720" rtlCol="0" anchor="ctr"/>
           <a:lstStyle/>
           <a:p>
-            <a:endParaRPr lang="de-DE"/>
+            <a:endParaRPr lang="de-DE" dirty="0"/>
           </a:p>
         </p:txBody>
       </p:sp>
@@ -308,7 +313,7 @@
             </a:lvl1pPr>
           </a:lstStyle>
           <a:p>
-            <a:endParaRPr lang="de-DE"/>
+            <a:endParaRPr lang="de-DE" dirty="0"/>
           </a:p>
         </p:txBody>
       </p:sp>
@@ -343,7 +348,7 @@
               <a:rPr lang="de-DE" smtClean="0"/>
               <a:t>‹Nr.›</a:t>
             </a:fld>
-            <a:endParaRPr lang="de-DE"/>
+            <a:endParaRPr lang="de-DE" dirty="0"/>
           </a:p>
         </p:txBody>
       </p:sp>
@@ -517,7 +522,7 @@
               <a:rPr lang="de-DE" smtClean="0"/>
               <a:t>1</a:t>
             </a:fld>
-            <a:endParaRPr lang="de-DE"/>
+            <a:endParaRPr lang="de-DE" dirty="0"/>
           </a:p>
         </p:txBody>
       </p:sp>
@@ -601,7 +606,7 @@
               <a:rPr lang="de-DE" smtClean="0"/>
               <a:t>10</a:t>
             </a:fld>
-            <a:endParaRPr lang="de-DE"/>
+            <a:endParaRPr lang="de-DE" dirty="0"/>
           </a:p>
         </p:txBody>
       </p:sp>
@@ -685,7 +690,7 @@
               <a:rPr lang="de-DE" smtClean="0"/>
               <a:t>11</a:t>
             </a:fld>
-            <a:endParaRPr lang="de-DE"/>
+            <a:endParaRPr lang="de-DE" dirty="0"/>
           </a:p>
         </p:txBody>
       </p:sp>
@@ -769,14 +774,434 @@
               <a:rPr lang="de-DE" smtClean="0"/>
               <a:t>12</a:t>
             </a:fld>
-            <a:endParaRPr lang="de-DE"/>
+            <a:endParaRPr lang="de-DE" dirty="0"/>
           </a:p>
         </p:txBody>
       </p:sp>
     </p:spTree>
     <p:extLst>
       <p:ext uri="{BB962C8B-B14F-4D97-AF65-F5344CB8AC3E}">
-        <p14:creationId xmlns:p14="http://schemas.microsoft.com/office/powerpoint/2010/main" val="543813044"/>
+        <p14:creationId xmlns:p14="http://schemas.microsoft.com/office/powerpoint/2010/main" val="1883181631"/>
+      </p:ext>
+    </p:extLst>
+  </p:cSld>
+  <p:clrMapOvr>
+    <a:masterClrMapping/>
+  </p:clrMapOvr>
+</p:notes>
+</file>
+
+<file path=ppt/notesSlides/notesSlide13.xml><?xml version="1.0" encoding="utf-8"?>
+<p:notes xmlns:a="http://schemas.openxmlformats.org/drawingml/2006/main" xmlns:r="http://schemas.openxmlformats.org/officeDocument/2006/relationships" xmlns:p="http://schemas.openxmlformats.org/presentationml/2006/main">
+  <p:cSld>
+    <p:spTree>
+      <p:nvGrpSpPr>
+        <p:cNvPr id="1" name=""/>
+        <p:cNvGrpSpPr/>
+        <p:nvPr/>
+      </p:nvGrpSpPr>
+      <p:grpSpPr>
+        <a:xfrm>
+          <a:off x="0" y="0"/>
+          <a:ext cx="0" cy="0"/>
+          <a:chOff x="0" y="0"/>
+          <a:chExt cx="0" cy="0"/>
+        </a:xfrm>
+      </p:grpSpPr>
+      <p:sp>
+        <p:nvSpPr>
+          <p:cNvPr id="2" name="Folienbildplatzhalter 1"/>
+          <p:cNvSpPr>
+            <a:spLocks noGrp="1" noRot="1" noChangeAspect="1"/>
+          </p:cNvSpPr>
+          <p:nvPr>
+            <p:ph type="sldImg"/>
+          </p:nvPr>
+        </p:nvSpPr>
+        <p:spPr/>
+      </p:sp>
+      <p:sp>
+        <p:nvSpPr>
+          <p:cNvPr id="3" name="Notizenplatzhalter 2"/>
+          <p:cNvSpPr>
+            <a:spLocks noGrp="1"/>
+          </p:cNvSpPr>
+          <p:nvPr>
+            <p:ph type="body" idx="1"/>
+          </p:nvPr>
+        </p:nvSpPr>
+        <p:spPr/>
+        <p:txBody>
+          <a:bodyPr/>
+          <a:lstStyle/>
+          <a:p>
+            <a:endParaRPr lang="de-DE" dirty="0"/>
+          </a:p>
+        </p:txBody>
+      </p:sp>
+      <p:sp>
+        <p:nvSpPr>
+          <p:cNvPr id="4" name="Foliennummernplatzhalter 3"/>
+          <p:cNvSpPr>
+            <a:spLocks noGrp="1"/>
+          </p:cNvSpPr>
+          <p:nvPr>
+            <p:ph type="sldNum" sz="quarter" idx="5"/>
+          </p:nvPr>
+        </p:nvSpPr>
+        <p:spPr/>
+        <p:txBody>
+          <a:bodyPr/>
+          <a:lstStyle/>
+          <a:p>
+            <a:fld id="{50532DF2-BD7B-4842-8854-AEEE12A9E7DD}" type="slidenum">
+              <a:rPr lang="de-DE" smtClean="0"/>
+              <a:t>13</a:t>
+            </a:fld>
+            <a:endParaRPr lang="de-DE" dirty="0"/>
+          </a:p>
+        </p:txBody>
+      </p:sp>
+    </p:spTree>
+    <p:extLst>
+      <p:ext uri="{BB962C8B-B14F-4D97-AF65-F5344CB8AC3E}">
+        <p14:creationId xmlns:p14="http://schemas.microsoft.com/office/powerpoint/2010/main" val="3567930159"/>
+      </p:ext>
+    </p:extLst>
+  </p:cSld>
+  <p:clrMapOvr>
+    <a:masterClrMapping/>
+  </p:clrMapOvr>
+</p:notes>
+</file>
+
+<file path=ppt/notesSlides/notesSlide14.xml><?xml version="1.0" encoding="utf-8"?>
+<p:notes xmlns:a="http://schemas.openxmlformats.org/drawingml/2006/main" xmlns:r="http://schemas.openxmlformats.org/officeDocument/2006/relationships" xmlns:p="http://schemas.openxmlformats.org/presentationml/2006/main">
+  <p:cSld>
+    <p:spTree>
+      <p:nvGrpSpPr>
+        <p:cNvPr id="1" name=""/>
+        <p:cNvGrpSpPr/>
+        <p:nvPr/>
+      </p:nvGrpSpPr>
+      <p:grpSpPr>
+        <a:xfrm>
+          <a:off x="0" y="0"/>
+          <a:ext cx="0" cy="0"/>
+          <a:chOff x="0" y="0"/>
+          <a:chExt cx="0" cy="0"/>
+        </a:xfrm>
+      </p:grpSpPr>
+      <p:sp>
+        <p:nvSpPr>
+          <p:cNvPr id="2" name="Folienbildplatzhalter 1"/>
+          <p:cNvSpPr>
+            <a:spLocks noGrp="1" noRot="1" noChangeAspect="1"/>
+          </p:cNvSpPr>
+          <p:nvPr>
+            <p:ph type="sldImg"/>
+          </p:nvPr>
+        </p:nvSpPr>
+        <p:spPr/>
+      </p:sp>
+      <p:sp>
+        <p:nvSpPr>
+          <p:cNvPr id="3" name="Notizenplatzhalter 2"/>
+          <p:cNvSpPr>
+            <a:spLocks noGrp="1"/>
+          </p:cNvSpPr>
+          <p:nvPr>
+            <p:ph type="body" idx="1"/>
+          </p:nvPr>
+        </p:nvSpPr>
+        <p:spPr/>
+        <p:txBody>
+          <a:bodyPr/>
+          <a:lstStyle/>
+          <a:p>
+            <a:endParaRPr lang="de-DE" dirty="0"/>
+          </a:p>
+        </p:txBody>
+      </p:sp>
+      <p:sp>
+        <p:nvSpPr>
+          <p:cNvPr id="4" name="Foliennummernplatzhalter 3"/>
+          <p:cNvSpPr>
+            <a:spLocks noGrp="1"/>
+          </p:cNvSpPr>
+          <p:nvPr>
+            <p:ph type="sldNum" sz="quarter" idx="5"/>
+          </p:nvPr>
+        </p:nvSpPr>
+        <p:spPr/>
+        <p:txBody>
+          <a:bodyPr/>
+          <a:lstStyle/>
+          <a:p>
+            <a:fld id="{50532DF2-BD7B-4842-8854-AEEE12A9E7DD}" type="slidenum">
+              <a:rPr lang="de-DE" smtClean="0"/>
+              <a:t>14</a:t>
+            </a:fld>
+            <a:endParaRPr lang="de-DE" dirty="0"/>
+          </a:p>
+        </p:txBody>
+      </p:sp>
+    </p:spTree>
+    <p:extLst>
+      <p:ext uri="{BB962C8B-B14F-4D97-AF65-F5344CB8AC3E}">
+        <p14:creationId xmlns:p14="http://schemas.microsoft.com/office/powerpoint/2010/main" val="1663135371"/>
+      </p:ext>
+    </p:extLst>
+  </p:cSld>
+  <p:clrMapOvr>
+    <a:masterClrMapping/>
+  </p:clrMapOvr>
+</p:notes>
+</file>
+
+<file path=ppt/notesSlides/notesSlide15.xml><?xml version="1.0" encoding="utf-8"?>
+<p:notes xmlns:a="http://schemas.openxmlformats.org/drawingml/2006/main" xmlns:r="http://schemas.openxmlformats.org/officeDocument/2006/relationships" xmlns:p="http://schemas.openxmlformats.org/presentationml/2006/main">
+  <p:cSld>
+    <p:spTree>
+      <p:nvGrpSpPr>
+        <p:cNvPr id="1" name=""/>
+        <p:cNvGrpSpPr/>
+        <p:nvPr/>
+      </p:nvGrpSpPr>
+      <p:grpSpPr>
+        <a:xfrm>
+          <a:off x="0" y="0"/>
+          <a:ext cx="0" cy="0"/>
+          <a:chOff x="0" y="0"/>
+          <a:chExt cx="0" cy="0"/>
+        </a:xfrm>
+      </p:grpSpPr>
+      <p:sp>
+        <p:nvSpPr>
+          <p:cNvPr id="2" name="Folienbildplatzhalter 1"/>
+          <p:cNvSpPr>
+            <a:spLocks noGrp="1" noRot="1" noChangeAspect="1"/>
+          </p:cNvSpPr>
+          <p:nvPr>
+            <p:ph type="sldImg"/>
+          </p:nvPr>
+        </p:nvSpPr>
+        <p:spPr/>
+      </p:sp>
+      <p:sp>
+        <p:nvSpPr>
+          <p:cNvPr id="3" name="Notizenplatzhalter 2"/>
+          <p:cNvSpPr>
+            <a:spLocks noGrp="1"/>
+          </p:cNvSpPr>
+          <p:nvPr>
+            <p:ph type="body" idx="1"/>
+          </p:nvPr>
+        </p:nvSpPr>
+        <p:spPr/>
+        <p:txBody>
+          <a:bodyPr/>
+          <a:lstStyle/>
+          <a:p>
+            <a:endParaRPr lang="de-DE" dirty="0"/>
+          </a:p>
+        </p:txBody>
+      </p:sp>
+      <p:sp>
+        <p:nvSpPr>
+          <p:cNvPr id="4" name="Foliennummernplatzhalter 3"/>
+          <p:cNvSpPr>
+            <a:spLocks noGrp="1"/>
+          </p:cNvSpPr>
+          <p:nvPr>
+            <p:ph type="sldNum" sz="quarter" idx="5"/>
+          </p:nvPr>
+        </p:nvSpPr>
+        <p:spPr/>
+        <p:txBody>
+          <a:bodyPr/>
+          <a:lstStyle/>
+          <a:p>
+            <a:fld id="{50532DF2-BD7B-4842-8854-AEEE12A9E7DD}" type="slidenum">
+              <a:rPr lang="de-DE" smtClean="0"/>
+              <a:t>15</a:t>
+            </a:fld>
+            <a:endParaRPr lang="de-DE" dirty="0"/>
+          </a:p>
+        </p:txBody>
+      </p:sp>
+    </p:spTree>
+    <p:extLst>
+      <p:ext uri="{BB962C8B-B14F-4D97-AF65-F5344CB8AC3E}">
+        <p14:creationId xmlns:p14="http://schemas.microsoft.com/office/powerpoint/2010/main" val="1366377200"/>
+      </p:ext>
+    </p:extLst>
+  </p:cSld>
+  <p:clrMapOvr>
+    <a:masterClrMapping/>
+  </p:clrMapOvr>
+</p:notes>
+</file>
+
+<file path=ppt/notesSlides/notesSlide16.xml><?xml version="1.0" encoding="utf-8"?>
+<p:notes xmlns:a="http://schemas.openxmlformats.org/drawingml/2006/main" xmlns:r="http://schemas.openxmlformats.org/officeDocument/2006/relationships" xmlns:p="http://schemas.openxmlformats.org/presentationml/2006/main">
+  <p:cSld>
+    <p:spTree>
+      <p:nvGrpSpPr>
+        <p:cNvPr id="1" name=""/>
+        <p:cNvGrpSpPr/>
+        <p:nvPr/>
+      </p:nvGrpSpPr>
+      <p:grpSpPr>
+        <a:xfrm>
+          <a:off x="0" y="0"/>
+          <a:ext cx="0" cy="0"/>
+          <a:chOff x="0" y="0"/>
+          <a:chExt cx="0" cy="0"/>
+        </a:xfrm>
+      </p:grpSpPr>
+      <p:sp>
+        <p:nvSpPr>
+          <p:cNvPr id="2" name="Folienbildplatzhalter 1"/>
+          <p:cNvSpPr>
+            <a:spLocks noGrp="1" noRot="1" noChangeAspect="1"/>
+          </p:cNvSpPr>
+          <p:nvPr>
+            <p:ph type="sldImg"/>
+          </p:nvPr>
+        </p:nvSpPr>
+        <p:spPr/>
+      </p:sp>
+      <p:sp>
+        <p:nvSpPr>
+          <p:cNvPr id="3" name="Notizenplatzhalter 2"/>
+          <p:cNvSpPr>
+            <a:spLocks noGrp="1"/>
+          </p:cNvSpPr>
+          <p:nvPr>
+            <p:ph type="body" idx="1"/>
+          </p:nvPr>
+        </p:nvSpPr>
+        <p:spPr/>
+        <p:txBody>
+          <a:bodyPr/>
+          <a:lstStyle/>
+          <a:p>
+            <a:endParaRPr lang="de-DE" dirty="0"/>
+          </a:p>
+        </p:txBody>
+      </p:sp>
+      <p:sp>
+        <p:nvSpPr>
+          <p:cNvPr id="4" name="Foliennummernplatzhalter 3"/>
+          <p:cNvSpPr>
+            <a:spLocks noGrp="1"/>
+          </p:cNvSpPr>
+          <p:nvPr>
+            <p:ph type="sldNum" sz="quarter" idx="5"/>
+          </p:nvPr>
+        </p:nvSpPr>
+        <p:spPr/>
+        <p:txBody>
+          <a:bodyPr/>
+          <a:lstStyle/>
+          <a:p>
+            <a:fld id="{50532DF2-BD7B-4842-8854-AEEE12A9E7DD}" type="slidenum">
+              <a:rPr lang="de-DE" smtClean="0"/>
+              <a:t>16</a:t>
+            </a:fld>
+            <a:endParaRPr lang="de-DE" dirty="0"/>
+          </a:p>
+        </p:txBody>
+      </p:sp>
+    </p:spTree>
+    <p:extLst>
+      <p:ext uri="{BB962C8B-B14F-4D97-AF65-F5344CB8AC3E}">
+        <p14:creationId xmlns:p14="http://schemas.microsoft.com/office/powerpoint/2010/main" val="870903788"/>
+      </p:ext>
+    </p:extLst>
+  </p:cSld>
+  <p:clrMapOvr>
+    <a:masterClrMapping/>
+  </p:clrMapOvr>
+</p:notes>
+</file>
+
+<file path=ppt/notesSlides/notesSlide17.xml><?xml version="1.0" encoding="utf-8"?>
+<p:notes xmlns:a="http://schemas.openxmlformats.org/drawingml/2006/main" xmlns:r="http://schemas.openxmlformats.org/officeDocument/2006/relationships" xmlns:p="http://schemas.openxmlformats.org/presentationml/2006/main">
+  <p:cSld>
+    <p:spTree>
+      <p:nvGrpSpPr>
+        <p:cNvPr id="1" name=""/>
+        <p:cNvGrpSpPr/>
+        <p:nvPr/>
+      </p:nvGrpSpPr>
+      <p:grpSpPr>
+        <a:xfrm>
+          <a:off x="0" y="0"/>
+          <a:ext cx="0" cy="0"/>
+          <a:chOff x="0" y="0"/>
+          <a:chExt cx="0" cy="0"/>
+        </a:xfrm>
+      </p:grpSpPr>
+      <p:sp>
+        <p:nvSpPr>
+          <p:cNvPr id="2" name="Folienbildplatzhalter 1"/>
+          <p:cNvSpPr>
+            <a:spLocks noGrp="1" noRot="1" noChangeAspect="1"/>
+          </p:cNvSpPr>
+          <p:nvPr>
+            <p:ph type="sldImg"/>
+          </p:nvPr>
+        </p:nvSpPr>
+        <p:spPr/>
+      </p:sp>
+      <p:sp>
+        <p:nvSpPr>
+          <p:cNvPr id="3" name="Notizenplatzhalter 2"/>
+          <p:cNvSpPr>
+            <a:spLocks noGrp="1"/>
+          </p:cNvSpPr>
+          <p:nvPr>
+            <p:ph type="body" idx="1"/>
+          </p:nvPr>
+        </p:nvSpPr>
+        <p:spPr/>
+        <p:txBody>
+          <a:bodyPr/>
+          <a:lstStyle/>
+          <a:p>
+            <a:endParaRPr lang="de-DE" dirty="0"/>
+          </a:p>
+        </p:txBody>
+      </p:sp>
+      <p:sp>
+        <p:nvSpPr>
+          <p:cNvPr id="4" name="Foliennummernplatzhalter 3"/>
+          <p:cNvSpPr>
+            <a:spLocks noGrp="1"/>
+          </p:cNvSpPr>
+          <p:nvPr>
+            <p:ph type="sldNum" sz="quarter" idx="5"/>
+          </p:nvPr>
+        </p:nvSpPr>
+        <p:spPr/>
+        <p:txBody>
+          <a:bodyPr/>
+          <a:lstStyle/>
+          <a:p>
+            <a:fld id="{50532DF2-BD7B-4842-8854-AEEE12A9E7DD}" type="slidenum">
+              <a:rPr lang="de-DE" smtClean="0"/>
+              <a:t>17</a:t>
+            </a:fld>
+            <a:endParaRPr lang="de-DE" dirty="0"/>
+          </a:p>
+        </p:txBody>
+      </p:sp>
+    </p:spTree>
+    <p:extLst>
+      <p:ext uri="{BB962C8B-B14F-4D97-AF65-F5344CB8AC3E}">
+        <p14:creationId xmlns:p14="http://schemas.microsoft.com/office/powerpoint/2010/main" val="1989987893"/>
       </p:ext>
     </p:extLst>
   </p:cSld>
@@ -853,7 +1278,7 @@
               <a:rPr lang="de-DE" smtClean="0"/>
               <a:t>2</a:t>
             </a:fld>
-            <a:endParaRPr lang="de-DE"/>
+            <a:endParaRPr lang="de-DE" dirty="0"/>
           </a:p>
         </p:txBody>
       </p:sp>
@@ -937,7 +1362,7 @@
               <a:rPr lang="de-DE" smtClean="0"/>
               <a:t>3</a:t>
             </a:fld>
-            <a:endParaRPr lang="de-DE"/>
+            <a:endParaRPr lang="de-DE" dirty="0"/>
           </a:p>
         </p:txBody>
       </p:sp>
@@ -1021,7 +1446,7 @@
               <a:rPr lang="de-DE" smtClean="0"/>
               <a:t>4</a:t>
             </a:fld>
-            <a:endParaRPr lang="de-DE"/>
+            <a:endParaRPr lang="de-DE" dirty="0"/>
           </a:p>
         </p:txBody>
       </p:sp>
@@ -1105,7 +1530,7 @@
               <a:rPr lang="de-DE" smtClean="0"/>
               <a:t>5</a:t>
             </a:fld>
-            <a:endParaRPr lang="de-DE"/>
+            <a:endParaRPr lang="de-DE" dirty="0"/>
           </a:p>
         </p:txBody>
       </p:sp>
@@ -1189,7 +1614,7 @@
               <a:rPr lang="de-DE" smtClean="0"/>
               <a:t>6</a:t>
             </a:fld>
-            <a:endParaRPr lang="de-DE"/>
+            <a:endParaRPr lang="de-DE" dirty="0"/>
           </a:p>
         </p:txBody>
       </p:sp>
@@ -1273,7 +1698,7 @@
               <a:rPr lang="de-DE" smtClean="0"/>
               <a:t>7</a:t>
             </a:fld>
-            <a:endParaRPr lang="de-DE"/>
+            <a:endParaRPr lang="de-DE" dirty="0"/>
           </a:p>
         </p:txBody>
       </p:sp>
@@ -1357,7 +1782,7 @@
               <a:rPr lang="de-DE" smtClean="0"/>
               <a:t>8</a:t>
             </a:fld>
-            <a:endParaRPr lang="de-DE"/>
+            <a:endParaRPr lang="de-DE" dirty="0"/>
           </a:p>
         </p:txBody>
       </p:sp>
@@ -1441,7 +1866,7 @@
               <a:rPr lang="de-DE" smtClean="0"/>
               <a:t>9</a:t>
             </a:fld>
-            <a:endParaRPr lang="de-DE"/>
+            <a:endParaRPr lang="de-DE" dirty="0"/>
           </a:p>
         </p:txBody>
       </p:sp>
@@ -1605,9 +2030,9 @@
           <a:p>
             <a:fld id="{1D37AD61-1263-DF47-B122-EA28BC1F5B97}" type="datetimeFigureOut">
               <a:rPr lang="de-DE" smtClean="0"/>
-              <a:t>05.06.21</a:t>
+              <a:t>09.04.22</a:t>
             </a:fld>
-            <a:endParaRPr lang="de-DE"/>
+            <a:endParaRPr lang="de-DE" dirty="0"/>
           </a:p>
         </p:txBody>
       </p:sp>
@@ -1632,7 +2057,7 @@
           <a:bodyPr/>
           <a:lstStyle/>
           <a:p>
-            <a:endParaRPr lang="de-DE"/>
+            <a:endParaRPr lang="de-DE" dirty="0"/>
           </a:p>
         </p:txBody>
       </p:sp>
@@ -1661,7 +2086,7 @@
               <a:rPr lang="de-DE" smtClean="0"/>
               <a:t>‹Nr.›</a:t>
             </a:fld>
-            <a:endParaRPr lang="de-DE"/>
+            <a:endParaRPr lang="de-DE" dirty="0"/>
           </a:p>
         </p:txBody>
       </p:sp>
@@ -1778,9 +2203,9 @@
           <a:p>
             <a:fld id="{1D37AD61-1263-DF47-B122-EA28BC1F5B97}" type="datetimeFigureOut">
               <a:rPr lang="de-DE" smtClean="0"/>
-              <a:t>05.06.21</a:t>
+              <a:t>09.04.22</a:t>
             </a:fld>
-            <a:endParaRPr lang="de-DE"/>
+            <a:endParaRPr lang="de-DE" dirty="0"/>
           </a:p>
         </p:txBody>
       </p:sp>
@@ -1805,7 +2230,7 @@
           <a:bodyPr/>
           <a:lstStyle/>
           <a:p>
-            <a:endParaRPr lang="de-DE"/>
+            <a:endParaRPr lang="de-DE" dirty="0"/>
           </a:p>
         </p:txBody>
       </p:sp>
@@ -1834,7 +2259,7 @@
               <a:rPr lang="de-DE" smtClean="0"/>
               <a:t>‹Nr.›</a:t>
             </a:fld>
-            <a:endParaRPr lang="de-DE"/>
+            <a:endParaRPr lang="de-DE" dirty="0"/>
           </a:p>
         </p:txBody>
       </p:sp>
@@ -1961,9 +2386,9 @@
           <a:p>
             <a:fld id="{1D37AD61-1263-DF47-B122-EA28BC1F5B97}" type="datetimeFigureOut">
               <a:rPr lang="de-DE" smtClean="0"/>
-              <a:t>05.06.21</a:t>
+              <a:t>09.04.22</a:t>
             </a:fld>
-            <a:endParaRPr lang="de-DE"/>
+            <a:endParaRPr lang="de-DE" dirty="0"/>
           </a:p>
         </p:txBody>
       </p:sp>
@@ -1988,7 +2413,7 @@
           <a:bodyPr/>
           <a:lstStyle/>
           <a:p>
-            <a:endParaRPr lang="de-DE"/>
+            <a:endParaRPr lang="de-DE" dirty="0"/>
           </a:p>
         </p:txBody>
       </p:sp>
@@ -2017,7 +2442,7 @@
               <a:rPr lang="de-DE" smtClean="0"/>
               <a:t>‹Nr.›</a:t>
             </a:fld>
-            <a:endParaRPr lang="de-DE"/>
+            <a:endParaRPr lang="de-DE" dirty="0"/>
           </a:p>
         </p:txBody>
       </p:sp>
@@ -2134,9 +2559,9 @@
           <a:p>
             <a:fld id="{1D37AD61-1263-DF47-B122-EA28BC1F5B97}" type="datetimeFigureOut">
               <a:rPr lang="de-DE" smtClean="0"/>
-              <a:t>05.06.21</a:t>
+              <a:t>09.04.22</a:t>
             </a:fld>
-            <a:endParaRPr lang="de-DE"/>
+            <a:endParaRPr lang="de-DE" dirty="0"/>
           </a:p>
         </p:txBody>
       </p:sp>
@@ -2161,7 +2586,7 @@
           <a:bodyPr/>
           <a:lstStyle/>
           <a:p>
-            <a:endParaRPr lang="de-DE"/>
+            <a:endParaRPr lang="de-DE" dirty="0"/>
           </a:p>
         </p:txBody>
       </p:sp>
@@ -2190,7 +2615,7 @@
               <a:rPr lang="de-DE" smtClean="0"/>
               <a:t>‹Nr.›</a:t>
             </a:fld>
-            <a:endParaRPr lang="de-DE"/>
+            <a:endParaRPr lang="de-DE" dirty="0"/>
           </a:p>
         </p:txBody>
       </p:sp>
@@ -2412,9 +2837,9 @@
           <a:p>
             <a:fld id="{1D37AD61-1263-DF47-B122-EA28BC1F5B97}" type="datetimeFigureOut">
               <a:rPr lang="de-DE" smtClean="0"/>
-              <a:t>05.06.21</a:t>
+              <a:t>09.04.22</a:t>
             </a:fld>
-            <a:endParaRPr lang="de-DE"/>
+            <a:endParaRPr lang="de-DE" dirty="0"/>
           </a:p>
         </p:txBody>
       </p:sp>
@@ -2439,7 +2864,7 @@
           <a:bodyPr/>
           <a:lstStyle/>
           <a:p>
-            <a:endParaRPr lang="de-DE"/>
+            <a:endParaRPr lang="de-DE" dirty="0"/>
           </a:p>
         </p:txBody>
       </p:sp>
@@ -2468,7 +2893,7 @@
               <a:rPr lang="de-DE" smtClean="0"/>
               <a:t>‹Nr.›</a:t>
             </a:fld>
-            <a:endParaRPr lang="de-DE"/>
+            <a:endParaRPr lang="de-DE" dirty="0"/>
           </a:p>
         </p:txBody>
       </p:sp>
@@ -2627,9 +3052,9 @@
           <a:p>
             <a:fld id="{1D37AD61-1263-DF47-B122-EA28BC1F5B97}" type="datetimeFigureOut">
               <a:rPr lang="de-DE" smtClean="0"/>
-              <a:t>05.06.21</a:t>
+              <a:t>09.04.22</a:t>
             </a:fld>
-            <a:endParaRPr lang="de-DE"/>
+            <a:endParaRPr lang="de-DE" dirty="0"/>
           </a:p>
         </p:txBody>
       </p:sp>
@@ -2654,7 +3079,7 @@
           <a:bodyPr/>
           <a:lstStyle/>
           <a:p>
-            <a:endParaRPr lang="de-DE"/>
+            <a:endParaRPr lang="de-DE" dirty="0"/>
           </a:p>
         </p:txBody>
       </p:sp>
@@ -2683,7 +3108,7 @@
               <a:rPr lang="de-DE" smtClean="0"/>
               <a:t>‹Nr.›</a:t>
             </a:fld>
-            <a:endParaRPr lang="de-DE"/>
+            <a:endParaRPr lang="de-DE" dirty="0"/>
           </a:p>
         </p:txBody>
       </p:sp>
@@ -2995,9 +3420,9 @@
           <a:p>
             <a:fld id="{1D37AD61-1263-DF47-B122-EA28BC1F5B97}" type="datetimeFigureOut">
               <a:rPr lang="de-DE" smtClean="0"/>
-              <a:t>05.06.21</a:t>
+              <a:t>09.04.22</a:t>
             </a:fld>
-            <a:endParaRPr lang="de-DE"/>
+            <a:endParaRPr lang="de-DE" dirty="0"/>
           </a:p>
         </p:txBody>
       </p:sp>
@@ -3022,7 +3447,7 @@
           <a:bodyPr/>
           <a:lstStyle/>
           <a:p>
-            <a:endParaRPr lang="de-DE"/>
+            <a:endParaRPr lang="de-DE" dirty="0"/>
           </a:p>
         </p:txBody>
       </p:sp>
@@ -3051,7 +3476,7 @@
               <a:rPr lang="de-DE" smtClean="0"/>
               <a:t>‹Nr.›</a:t>
             </a:fld>
-            <a:endParaRPr lang="de-DE"/>
+            <a:endParaRPr lang="de-DE" dirty="0"/>
           </a:p>
         </p:txBody>
       </p:sp>
@@ -3136,9 +3561,9 @@
           <a:p>
             <a:fld id="{1D37AD61-1263-DF47-B122-EA28BC1F5B97}" type="datetimeFigureOut">
               <a:rPr lang="de-DE" smtClean="0"/>
-              <a:t>05.06.21</a:t>
+              <a:t>09.04.22</a:t>
             </a:fld>
-            <a:endParaRPr lang="de-DE"/>
+            <a:endParaRPr lang="de-DE" dirty="0"/>
           </a:p>
         </p:txBody>
       </p:sp>
@@ -3163,7 +3588,7 @@
           <a:bodyPr/>
           <a:lstStyle/>
           <a:p>
-            <a:endParaRPr lang="de-DE"/>
+            <a:endParaRPr lang="de-DE" dirty="0"/>
           </a:p>
         </p:txBody>
       </p:sp>
@@ -3192,7 +3617,7 @@
               <a:rPr lang="de-DE" smtClean="0"/>
               <a:t>‹Nr.›</a:t>
             </a:fld>
-            <a:endParaRPr lang="de-DE"/>
+            <a:endParaRPr lang="de-DE" dirty="0"/>
           </a:p>
         </p:txBody>
       </p:sp>
@@ -3249,9 +3674,9 @@
           <a:p>
             <a:fld id="{1D37AD61-1263-DF47-B122-EA28BC1F5B97}" type="datetimeFigureOut">
               <a:rPr lang="de-DE" smtClean="0"/>
-              <a:t>05.06.21</a:t>
+              <a:t>09.04.22</a:t>
             </a:fld>
-            <a:endParaRPr lang="de-DE"/>
+            <a:endParaRPr lang="de-DE" dirty="0"/>
           </a:p>
         </p:txBody>
       </p:sp>
@@ -3276,7 +3701,7 @@
           <a:bodyPr/>
           <a:lstStyle/>
           <a:p>
-            <a:endParaRPr lang="de-DE"/>
+            <a:endParaRPr lang="de-DE" dirty="0"/>
           </a:p>
         </p:txBody>
       </p:sp>
@@ -3305,7 +3730,7 @@
               <a:rPr lang="de-DE" smtClean="0"/>
               <a:t>‹Nr.›</a:t>
             </a:fld>
-            <a:endParaRPr lang="de-DE"/>
+            <a:endParaRPr lang="de-DE" dirty="0"/>
           </a:p>
         </p:txBody>
       </p:sp>
@@ -3538,9 +3963,9 @@
           <a:p>
             <a:fld id="{1D37AD61-1263-DF47-B122-EA28BC1F5B97}" type="datetimeFigureOut">
               <a:rPr lang="de-DE" smtClean="0"/>
-              <a:t>05.06.21</a:t>
+              <a:t>09.04.22</a:t>
             </a:fld>
-            <a:endParaRPr lang="de-DE"/>
+            <a:endParaRPr lang="de-DE" dirty="0"/>
           </a:p>
         </p:txBody>
       </p:sp>
@@ -3565,7 +3990,7 @@
           <a:bodyPr/>
           <a:lstStyle/>
           <a:p>
-            <a:endParaRPr lang="de-DE"/>
+            <a:endParaRPr lang="de-DE" dirty="0"/>
           </a:p>
         </p:txBody>
       </p:sp>
@@ -3594,7 +4019,7 @@
               <a:rPr lang="de-DE" smtClean="0"/>
               <a:t>‹Nr.›</a:t>
             </a:fld>
-            <a:endParaRPr lang="de-DE"/>
+            <a:endParaRPr lang="de-DE" dirty="0"/>
           </a:p>
         </p:txBody>
       </p:sp>
@@ -3728,7 +4153,7 @@
             </a:lvl9pPr>
           </a:lstStyle>
           <a:p>
-            <a:endParaRPr lang="de-DE"/>
+            <a:endParaRPr lang="de-DE" dirty="0"/>
           </a:p>
         </p:txBody>
       </p:sp>
@@ -3829,9 +4254,9 @@
           <a:p>
             <a:fld id="{1D37AD61-1263-DF47-B122-EA28BC1F5B97}" type="datetimeFigureOut">
               <a:rPr lang="de-DE" smtClean="0"/>
-              <a:t>05.06.21</a:t>
+              <a:t>09.04.22</a:t>
             </a:fld>
-            <a:endParaRPr lang="de-DE"/>
+            <a:endParaRPr lang="de-DE" dirty="0"/>
           </a:p>
         </p:txBody>
       </p:sp>
@@ -3856,7 +4281,7 @@
           <a:bodyPr/>
           <a:lstStyle/>
           <a:p>
-            <a:endParaRPr lang="de-DE"/>
+            <a:endParaRPr lang="de-DE" dirty="0"/>
           </a:p>
         </p:txBody>
       </p:sp>
@@ -3885,7 +4310,7 @@
               <a:rPr lang="de-DE" smtClean="0"/>
               <a:t>‹Nr.›</a:t>
             </a:fld>
-            <a:endParaRPr lang="de-DE"/>
+            <a:endParaRPr lang="de-DE" dirty="0"/>
           </a:p>
         </p:txBody>
       </p:sp>
@@ -4045,9 +4470,9 @@
           <a:p>
             <a:fld id="{1D37AD61-1263-DF47-B122-EA28BC1F5B97}" type="datetimeFigureOut">
               <a:rPr lang="de-DE" smtClean="0"/>
-              <a:t>05.06.21</a:t>
+              <a:t>09.04.22</a:t>
             </a:fld>
-            <a:endParaRPr lang="de-DE"/>
+            <a:endParaRPr lang="de-DE" dirty="0"/>
           </a:p>
         </p:txBody>
       </p:sp>
@@ -4090,7 +4515,7 @@
             </a:lvl1pPr>
           </a:lstStyle>
           <a:p>
-            <a:endParaRPr lang="de-DE"/>
+            <a:endParaRPr lang="de-DE" dirty="0"/>
           </a:p>
         </p:txBody>
       </p:sp>
@@ -4137,7 +4562,7 @@
               <a:rPr lang="de-DE" smtClean="0"/>
               <a:t>‹Nr.›</a:t>
             </a:fld>
-            <a:endParaRPr lang="de-DE"/>
+            <a:endParaRPr lang="de-DE" dirty="0"/>
           </a:p>
         </p:txBody>
       </p:sp>
@@ -5049,7 +5474,7 @@
             <a:lstStyle/>
             <a:p>
               <a:pPr algn="ctr"/>
-              <a:endParaRPr lang="de-DE"/>
+              <a:endParaRPr lang="de-DE" dirty="0"/>
             </a:p>
           </p:txBody>
         </p:sp>
@@ -5099,7 +5524,7 @@
             <a:lstStyle/>
             <a:p>
               <a:pPr algn="ctr"/>
-              <a:endParaRPr lang="de-DE"/>
+              <a:endParaRPr lang="de-DE" dirty="0"/>
             </a:p>
           </p:txBody>
         </p:sp>
@@ -5411,7 +5836,7 @@
                   </a:schemeClr>
                 </a:solidFill>
               </a:rPr>
-              <a:t>ÖKA / MINSKA LJUDVOLYMEN</a:t>
+              <a:t>ÖKA/MINSKA LJUDVOLYMEN</a:t>
             </a:r>
           </a:p>
         </p:txBody>
@@ -5472,7 +5897,7 @@
         <p:spPr>
           <a:xfrm>
             <a:off x="7769420" y="1199345"/>
-            <a:ext cx="372218" cy="369332"/>
+            <a:ext cx="420308" cy="369332"/>
           </a:xfrm>
           <a:prstGeom prst="rect">
             <a:avLst/>
@@ -5491,7 +5916,7 @@
                   <a:schemeClr val="bg1"/>
                 </a:solidFill>
               </a:rPr>
-              <a:t>-7</a:t>
+              <a:t>SV</a:t>
             </a:r>
           </a:p>
         </p:txBody>
@@ -5772,7 +6197,7 @@
           <a:lstStyle/>
           <a:p>
             <a:r>
-              <a:rPr lang="de-DE" sz="1000" dirty="0" err="1">
+              <a:rPr lang="de-DE" sz="1000" dirty="0">
                 <a:solidFill>
                   <a:schemeClr val="bg1"/>
                 </a:solidFill>
@@ -6169,7 +6594,7 @@
         <p:spPr>
           <a:xfrm>
             <a:off x="7769420" y="1199345"/>
-            <a:ext cx="372218" cy="369332"/>
+            <a:ext cx="421910" cy="369332"/>
           </a:xfrm>
           <a:prstGeom prst="rect">
             <a:avLst/>
@@ -6188,7 +6613,7 @@
                   <a:schemeClr val="bg1"/>
                 </a:solidFill>
               </a:rPr>
-              <a:t>-8</a:t>
+              <a:t>TR</a:t>
             </a:r>
           </a:p>
         </p:txBody>
@@ -6562,7 +6987,7 @@
         </p:blipFill>
         <p:spPr>
           <a:xfrm>
-            <a:off x="4279900" y="1612900"/>
+            <a:off x="4286624" y="1612900"/>
             <a:ext cx="3632200" cy="3632200"/>
           </a:xfrm>
           <a:prstGeom prst="rect">
@@ -6572,6 +6997,669 @@
       </p:pic>
       <p:sp>
         <p:nvSpPr>
+          <p:cNvPr id="5" name="Textfeld 4">
+            <a:extLst>
+              <a:ext uri="{FF2B5EF4-FFF2-40B4-BE49-F238E27FC236}">
+                <a16:creationId xmlns:a16="http://schemas.microsoft.com/office/drawing/2014/main" id="{48B1F0FE-57B2-434C-8708-97EA6E3B85CB}"/>
+              </a:ext>
+            </a:extLst>
+          </p:cNvPr>
+          <p:cNvSpPr txBox="1"/>
+          <p:nvPr/>
+        </p:nvSpPr>
+        <p:spPr>
+          <a:xfrm>
+            <a:off x="4648626" y="2482221"/>
+            <a:ext cx="364202" cy="200055"/>
+          </a:xfrm>
+          <a:prstGeom prst="rect">
+            <a:avLst/>
+          </a:prstGeom>
+          <a:noFill/>
+        </p:spPr>
+        <p:txBody>
+          <a:bodyPr wrap="none" rtlCol="0">
+            <a:spAutoFit/>
+          </a:bodyPr>
+          <a:lstStyle/>
+          <a:p>
+            <a:r>
+              <a:rPr lang="ja-JP" altLang="de-DE" sz="700" b="1">
+                <a:solidFill>
+                  <a:srgbClr val="007AFD"/>
+                </a:solidFill>
+              </a:rPr>
+              <a:t>刷卡</a:t>
+            </a:r>
+            <a:endParaRPr lang="de-DE" sz="700" b="1" dirty="0">
+              <a:solidFill>
+                <a:srgbClr val="007AFD"/>
+              </a:solidFill>
+            </a:endParaRPr>
+          </a:p>
+        </p:txBody>
+      </p:sp>
+      <p:sp>
+        <p:nvSpPr>
+          <p:cNvPr id="21" name="Textfeld 20">
+            <a:extLst>
+              <a:ext uri="{FF2B5EF4-FFF2-40B4-BE49-F238E27FC236}">
+                <a16:creationId xmlns:a16="http://schemas.microsoft.com/office/drawing/2014/main" id="{5EF60413-5938-5B4C-9675-572500704735}"/>
+              </a:ext>
+            </a:extLst>
+          </p:cNvPr>
+          <p:cNvSpPr txBox="1"/>
+          <p:nvPr/>
+        </p:nvSpPr>
+        <p:spPr>
+          <a:xfrm>
+            <a:off x="4648626" y="2971171"/>
+            <a:ext cx="364202" cy="200055"/>
+          </a:xfrm>
+          <a:prstGeom prst="rect">
+            <a:avLst/>
+          </a:prstGeom>
+          <a:noFill/>
+        </p:spPr>
+        <p:txBody>
+          <a:bodyPr wrap="none" rtlCol="0">
+            <a:spAutoFit/>
+          </a:bodyPr>
+          <a:lstStyle/>
+          <a:p>
+            <a:r>
+              <a:rPr lang="ja-JP" altLang="de-DE" sz="700" b="1">
+                <a:solidFill>
+                  <a:srgbClr val="007AFD"/>
+                </a:solidFill>
+              </a:rPr>
+              <a:t>轻敲</a:t>
+            </a:r>
+            <a:endParaRPr lang="de-DE" sz="700" b="1" dirty="0">
+              <a:solidFill>
+                <a:srgbClr val="007AFD"/>
+              </a:solidFill>
+            </a:endParaRPr>
+          </a:p>
+        </p:txBody>
+      </p:sp>
+      <p:sp>
+        <p:nvSpPr>
+          <p:cNvPr id="22" name="Textfeld 21">
+            <a:extLst>
+              <a:ext uri="{FF2B5EF4-FFF2-40B4-BE49-F238E27FC236}">
+                <a16:creationId xmlns:a16="http://schemas.microsoft.com/office/drawing/2014/main" id="{BD754D90-7C76-FF41-BB86-87D36CBC704F}"/>
+              </a:ext>
+            </a:extLst>
+          </p:cNvPr>
+          <p:cNvSpPr txBox="1"/>
+          <p:nvPr/>
+        </p:nvSpPr>
+        <p:spPr>
+          <a:xfrm>
+            <a:off x="4648626" y="3507915"/>
+            <a:ext cx="364202" cy="200055"/>
+          </a:xfrm>
+          <a:prstGeom prst="rect">
+            <a:avLst/>
+          </a:prstGeom>
+          <a:noFill/>
+        </p:spPr>
+        <p:txBody>
+          <a:bodyPr wrap="none" rtlCol="0">
+            <a:spAutoFit/>
+          </a:bodyPr>
+          <a:lstStyle/>
+          <a:p>
+            <a:r>
+              <a:rPr lang="ja-JP" altLang="de-DE" sz="700" b="1">
+                <a:solidFill>
+                  <a:srgbClr val="007AFD"/>
+                </a:solidFill>
+              </a:rPr>
+              <a:t>双击</a:t>
+            </a:r>
+            <a:endParaRPr lang="de-DE" sz="700" b="1" dirty="0">
+              <a:solidFill>
+                <a:srgbClr val="007AFD"/>
+              </a:solidFill>
+            </a:endParaRPr>
+          </a:p>
+        </p:txBody>
+      </p:sp>
+      <p:sp>
+        <p:nvSpPr>
+          <p:cNvPr id="23" name="Textfeld 22">
+            <a:extLst>
+              <a:ext uri="{FF2B5EF4-FFF2-40B4-BE49-F238E27FC236}">
+                <a16:creationId xmlns:a16="http://schemas.microsoft.com/office/drawing/2014/main" id="{0989A3E2-90D2-E345-BB07-B501401BC965}"/>
+              </a:ext>
+            </a:extLst>
+          </p:cNvPr>
+          <p:cNvSpPr txBox="1"/>
+          <p:nvPr/>
+        </p:nvSpPr>
+        <p:spPr>
+          <a:xfrm>
+            <a:off x="4506760" y="4044659"/>
+            <a:ext cx="647934" cy="200055"/>
+          </a:xfrm>
+          <a:prstGeom prst="rect">
+            <a:avLst/>
+          </a:prstGeom>
+          <a:noFill/>
+        </p:spPr>
+        <p:txBody>
+          <a:bodyPr wrap="none" rtlCol="0">
+            <a:spAutoFit/>
+          </a:bodyPr>
+          <a:lstStyle/>
+          <a:p>
+            <a:r>
+              <a:rPr lang="ja-JP" altLang="de-DE" sz="700" b="1">
+                <a:solidFill>
+                  <a:srgbClr val="007AFD"/>
+                </a:solidFill>
+              </a:rPr>
+              <a:t>点击并按住</a:t>
+            </a:r>
+            <a:endParaRPr lang="de-DE" sz="700" b="1" dirty="0">
+              <a:solidFill>
+                <a:srgbClr val="007AFD"/>
+              </a:solidFill>
+            </a:endParaRPr>
+          </a:p>
+        </p:txBody>
+      </p:sp>
+      <p:sp>
+        <p:nvSpPr>
+          <p:cNvPr id="24" name="Textfeld 23">
+            <a:extLst>
+              <a:ext uri="{FF2B5EF4-FFF2-40B4-BE49-F238E27FC236}">
+                <a16:creationId xmlns:a16="http://schemas.microsoft.com/office/drawing/2014/main" id="{C60A58CB-08D7-B04A-8005-F51A20991E7F}"/>
+              </a:ext>
+            </a:extLst>
+          </p:cNvPr>
+          <p:cNvSpPr txBox="1"/>
+          <p:nvPr/>
+        </p:nvSpPr>
+        <p:spPr>
+          <a:xfrm>
+            <a:off x="4648626" y="4736809"/>
+            <a:ext cx="364202" cy="200055"/>
+          </a:xfrm>
+          <a:prstGeom prst="rect">
+            <a:avLst/>
+          </a:prstGeom>
+          <a:noFill/>
+        </p:spPr>
+        <p:txBody>
+          <a:bodyPr wrap="none" rtlCol="0">
+            <a:spAutoFit/>
+          </a:bodyPr>
+          <a:lstStyle/>
+          <a:p>
+            <a:r>
+              <a:rPr lang="ja-JP" altLang="de-DE" sz="700" b="1">
+                <a:solidFill>
+                  <a:srgbClr val="007AFD"/>
+                </a:solidFill>
+              </a:rPr>
+              <a:t>旋转</a:t>
+            </a:r>
+            <a:endParaRPr lang="de-DE" sz="700" b="1" dirty="0">
+              <a:solidFill>
+                <a:srgbClr val="007AFD"/>
+              </a:solidFill>
+            </a:endParaRPr>
+          </a:p>
+        </p:txBody>
+      </p:sp>
+      <p:sp>
+        <p:nvSpPr>
+          <p:cNvPr id="25" name="Textfeld 24">
+            <a:extLst>
+              <a:ext uri="{FF2B5EF4-FFF2-40B4-BE49-F238E27FC236}">
+                <a16:creationId xmlns:a16="http://schemas.microsoft.com/office/drawing/2014/main" id="{F651C9BC-DCB3-FA47-8653-4C8BA7CE138E}"/>
+              </a:ext>
+            </a:extLst>
+          </p:cNvPr>
+          <p:cNvSpPr txBox="1"/>
+          <p:nvPr/>
+        </p:nvSpPr>
+        <p:spPr>
+          <a:xfrm>
+            <a:off x="5657418" y="1669115"/>
+            <a:ext cx="877163" cy="369332"/>
+          </a:xfrm>
+          <a:prstGeom prst="rect">
+            <a:avLst/>
+          </a:prstGeom>
+          <a:noFill/>
+        </p:spPr>
+        <p:txBody>
+          <a:bodyPr wrap="none" rtlCol="0">
+            <a:spAutoFit/>
+          </a:bodyPr>
+          <a:lstStyle/>
+          <a:p>
+            <a:r>
+              <a:rPr lang="ja-JP" altLang="de-DE" b="1">
+                <a:solidFill>
+                  <a:schemeClr val="bg1">
+                    <a:lumMod val="50000"/>
+                  </a:schemeClr>
+                </a:solidFill>
+              </a:rPr>
+              <a:t>手势区</a:t>
+            </a:r>
+            <a:endParaRPr lang="ja-JP" altLang="de-DE"/>
+          </a:p>
+        </p:txBody>
+      </p:sp>
+      <p:sp>
+        <p:nvSpPr>
+          <p:cNvPr id="26" name="Textfeld 25">
+            <a:extLst>
+              <a:ext uri="{FF2B5EF4-FFF2-40B4-BE49-F238E27FC236}">
+                <a16:creationId xmlns:a16="http://schemas.microsoft.com/office/drawing/2014/main" id="{28C8C081-5D02-324D-BDDD-4532DC90E78D}"/>
+              </a:ext>
+            </a:extLst>
+          </p:cNvPr>
+          <p:cNvSpPr txBox="1"/>
+          <p:nvPr/>
+        </p:nvSpPr>
+        <p:spPr>
+          <a:xfrm>
+            <a:off x="5141938" y="2060558"/>
+            <a:ext cx="1901483" cy="553998"/>
+          </a:xfrm>
+          <a:prstGeom prst="rect">
+            <a:avLst/>
+          </a:prstGeom>
+          <a:noFill/>
+        </p:spPr>
+        <p:txBody>
+          <a:bodyPr wrap="none" rtlCol="0">
+            <a:spAutoFit/>
+          </a:bodyPr>
+          <a:lstStyle/>
+          <a:p>
+            <a:r>
+              <a:rPr lang="ja-JP" altLang="de-DE" sz="1000">
+                <a:solidFill>
+                  <a:schemeClr val="bg1">
+                    <a:lumMod val="50000"/>
+                  </a:schemeClr>
+                </a:solidFill>
+              </a:rPr>
+              <a:t>向上</a:t>
+            </a:r>
+            <a:r>
+              <a:rPr lang="de-DE" altLang="ja-JP" sz="1000" dirty="0">
+                <a:solidFill>
+                  <a:schemeClr val="bg1">
+                    <a:lumMod val="50000"/>
+                  </a:schemeClr>
+                </a:solidFill>
+              </a:rPr>
+              <a:t>/</a:t>
+            </a:r>
+            <a:r>
+              <a:rPr lang="ja-JP" altLang="de-DE" sz="1000">
+                <a:solidFill>
+                  <a:schemeClr val="bg1">
+                    <a:lumMod val="50000"/>
+                  </a:schemeClr>
+                </a:solidFill>
+              </a:rPr>
+              <a:t>向下</a:t>
+            </a:r>
+            <a:r>
+              <a:rPr lang="de-DE" altLang="ja-JP" sz="1000" dirty="0">
+                <a:solidFill>
+                  <a:schemeClr val="bg1">
+                    <a:lumMod val="50000"/>
+                  </a:schemeClr>
+                </a:solidFill>
+              </a:rPr>
+              <a:t>/</a:t>
+            </a:r>
+            <a:r>
+              <a:rPr lang="ja-JP" altLang="de-DE" sz="1000">
+                <a:solidFill>
+                  <a:schemeClr val="bg1">
+                    <a:lumMod val="50000"/>
+                  </a:schemeClr>
+                </a:solidFill>
+              </a:rPr>
+              <a:t>向左</a:t>
+            </a:r>
+            <a:r>
+              <a:rPr lang="de-DE" altLang="ja-JP" sz="1000" dirty="0">
+                <a:solidFill>
+                  <a:schemeClr val="bg1">
+                    <a:lumMod val="50000"/>
+                  </a:schemeClr>
+                </a:solidFill>
+              </a:rPr>
+              <a:t>/</a:t>
+            </a:r>
+            <a:r>
+              <a:rPr lang="ja-JP" altLang="de-DE" sz="1000">
+                <a:solidFill>
+                  <a:schemeClr val="bg1">
+                    <a:lumMod val="50000"/>
+                  </a:schemeClr>
+                </a:solidFill>
+              </a:rPr>
+              <a:t>向右导航</a:t>
+            </a:r>
+          </a:p>
+          <a:p>
+            <a:r>
+              <a:rPr lang="ja-JP" altLang="de-DE" sz="1000">
+                <a:solidFill>
+                  <a:schemeClr val="bg1">
+                    <a:lumMod val="50000"/>
+                  </a:schemeClr>
+                </a:solidFill>
+              </a:rPr>
+              <a:t>全屏视频：小快倒</a:t>
+            </a:r>
+            <a:r>
+              <a:rPr lang="de-DE" altLang="ja-JP" sz="1000" dirty="0">
+                <a:solidFill>
+                  <a:schemeClr val="bg1">
+                    <a:lumMod val="50000"/>
+                  </a:schemeClr>
+                </a:solidFill>
+              </a:rPr>
+              <a:t>/</a:t>
+            </a:r>
+            <a:r>
+              <a:rPr lang="ja-JP" altLang="de-DE" sz="1000">
+                <a:solidFill>
+                  <a:schemeClr val="bg1">
+                    <a:lumMod val="50000"/>
+                  </a:schemeClr>
+                </a:solidFill>
+              </a:rPr>
+              <a:t>快进</a:t>
+            </a:r>
+          </a:p>
+          <a:p>
+            <a:r>
+              <a:rPr lang="ja-JP" altLang="de-DE" sz="1000">
+                <a:solidFill>
+                  <a:schemeClr val="bg1">
+                    <a:lumMod val="50000"/>
+                  </a:schemeClr>
+                </a:solidFill>
+              </a:rPr>
+              <a:t>全屏音乐：上一首</a:t>
+            </a:r>
+            <a:r>
+              <a:rPr lang="de-DE" altLang="ja-JP" sz="1000" dirty="0">
+                <a:solidFill>
+                  <a:schemeClr val="bg1">
+                    <a:lumMod val="50000"/>
+                  </a:schemeClr>
+                </a:solidFill>
+              </a:rPr>
+              <a:t>/</a:t>
+            </a:r>
+            <a:r>
+              <a:rPr lang="ja-JP" altLang="de-DE" sz="1000">
+                <a:solidFill>
+                  <a:schemeClr val="bg1">
+                    <a:lumMod val="50000"/>
+                  </a:schemeClr>
+                </a:solidFill>
+              </a:rPr>
+              <a:t>下一首歌曲</a:t>
+            </a:r>
+            <a:endParaRPr lang="de-DE" sz="900" dirty="0">
+              <a:solidFill>
+                <a:schemeClr val="bg1">
+                  <a:lumMod val="50000"/>
+                </a:schemeClr>
+              </a:solidFill>
+            </a:endParaRPr>
+          </a:p>
+        </p:txBody>
+      </p:sp>
+      <p:sp>
+        <p:nvSpPr>
+          <p:cNvPr id="27" name="Textfeld 26">
+            <a:extLst>
+              <a:ext uri="{FF2B5EF4-FFF2-40B4-BE49-F238E27FC236}">
+                <a16:creationId xmlns:a16="http://schemas.microsoft.com/office/drawing/2014/main" id="{B5C4D795-5EE9-1C4C-8993-333E1A5521D3}"/>
+              </a:ext>
+            </a:extLst>
+          </p:cNvPr>
+          <p:cNvSpPr txBox="1"/>
+          <p:nvPr/>
+        </p:nvSpPr>
+        <p:spPr>
+          <a:xfrm>
+            <a:off x="5141938" y="2771802"/>
+            <a:ext cx="697627" cy="246221"/>
+          </a:xfrm>
+          <a:prstGeom prst="rect">
+            <a:avLst/>
+          </a:prstGeom>
+          <a:noFill/>
+        </p:spPr>
+        <p:txBody>
+          <a:bodyPr wrap="none" rtlCol="0">
+            <a:spAutoFit/>
+          </a:bodyPr>
+          <a:lstStyle>
+            <a:defPPr>
+              <a:defRPr lang="de-DE"/>
+            </a:defPPr>
+            <a:lvl1pPr>
+              <a:defRPr sz="1000">
+                <a:solidFill>
+                  <a:schemeClr val="bg1">
+                    <a:lumMod val="50000"/>
+                  </a:schemeClr>
+                </a:solidFill>
+              </a:defRPr>
+            </a:lvl1pPr>
+          </a:lstStyle>
+          <a:p>
+            <a:r>
+              <a:rPr lang="ja-JP" altLang="de-DE"/>
+              <a:t>确认选择</a:t>
+            </a:r>
+            <a:endParaRPr lang="de-DE" dirty="0"/>
+          </a:p>
+        </p:txBody>
+      </p:sp>
+      <p:sp>
+        <p:nvSpPr>
+          <p:cNvPr id="28" name="Textfeld 27">
+            <a:extLst>
+              <a:ext uri="{FF2B5EF4-FFF2-40B4-BE49-F238E27FC236}">
+                <a16:creationId xmlns:a16="http://schemas.microsoft.com/office/drawing/2014/main" id="{178B4F6A-28E7-FA4F-ACCC-1554ACB911FD}"/>
+              </a:ext>
+            </a:extLst>
+          </p:cNvPr>
+          <p:cNvSpPr txBox="1"/>
+          <p:nvPr/>
+        </p:nvSpPr>
+        <p:spPr>
+          <a:xfrm>
+            <a:off x="5147658" y="3300816"/>
+            <a:ext cx="441146" cy="246221"/>
+          </a:xfrm>
+          <a:prstGeom prst="rect">
+            <a:avLst/>
+          </a:prstGeom>
+          <a:noFill/>
+        </p:spPr>
+        <p:txBody>
+          <a:bodyPr wrap="none" rtlCol="0">
+            <a:spAutoFit/>
+          </a:bodyPr>
+          <a:lstStyle>
+            <a:defPPr>
+              <a:defRPr lang="de-DE"/>
+            </a:defPPr>
+            <a:lvl1pPr>
+              <a:defRPr sz="1000">
+                <a:solidFill>
+                  <a:schemeClr val="bg1">
+                    <a:lumMod val="50000"/>
+                  </a:schemeClr>
+                </a:solidFill>
+              </a:defRPr>
+            </a:lvl1pPr>
+          </a:lstStyle>
+          <a:p>
+            <a:r>
+              <a:rPr lang="ja-JP" altLang="de-DE"/>
+              <a:t>回去</a:t>
+            </a:r>
+            <a:endParaRPr lang="de-DE" dirty="0"/>
+          </a:p>
+        </p:txBody>
+      </p:sp>
+      <p:sp>
+        <p:nvSpPr>
+          <p:cNvPr id="29" name="Textfeld 28">
+            <a:extLst>
+              <a:ext uri="{FF2B5EF4-FFF2-40B4-BE49-F238E27FC236}">
+                <a16:creationId xmlns:a16="http://schemas.microsoft.com/office/drawing/2014/main" id="{3245B12B-EAC1-594B-BF18-C31FE284788F}"/>
+              </a:ext>
+            </a:extLst>
+          </p:cNvPr>
+          <p:cNvSpPr txBox="1"/>
+          <p:nvPr/>
+        </p:nvSpPr>
+        <p:spPr>
+          <a:xfrm>
+            <a:off x="5141938" y="3790280"/>
+            <a:ext cx="1154483" cy="400110"/>
+          </a:xfrm>
+          <a:prstGeom prst="rect">
+            <a:avLst/>
+          </a:prstGeom>
+          <a:noFill/>
+        </p:spPr>
+        <p:txBody>
+          <a:bodyPr wrap="none" rtlCol="0">
+            <a:spAutoFit/>
+          </a:bodyPr>
+          <a:lstStyle>
+            <a:defPPr>
+              <a:defRPr lang="de-DE"/>
+            </a:defPPr>
+            <a:lvl1pPr>
+              <a:defRPr sz="1000">
+                <a:solidFill>
+                  <a:schemeClr val="bg1">
+                    <a:lumMod val="50000"/>
+                  </a:schemeClr>
+                </a:solidFill>
+              </a:defRPr>
+            </a:lvl1pPr>
+          </a:lstStyle>
+          <a:p>
+            <a:r>
+              <a:rPr lang="ja-JP" altLang="de-DE"/>
+              <a:t>播放器控制 </a:t>
+            </a:r>
+            <a:r>
+              <a:rPr lang="de-DE" altLang="ja-JP" dirty="0"/>
+              <a:t>(</a:t>
+            </a:r>
+            <a:r>
+              <a:rPr lang="de-DE" dirty="0"/>
+              <a:t>OSD)</a:t>
+            </a:r>
+          </a:p>
+          <a:p>
+            <a:r>
+              <a:rPr lang="ja-JP" altLang="de-DE"/>
+              <a:t>上下文菜单</a:t>
+            </a:r>
+            <a:endParaRPr lang="de-DE" dirty="0"/>
+          </a:p>
+        </p:txBody>
+      </p:sp>
+      <p:sp>
+        <p:nvSpPr>
+          <p:cNvPr id="30" name="Textfeld 29">
+            <a:extLst>
+              <a:ext uri="{FF2B5EF4-FFF2-40B4-BE49-F238E27FC236}">
+                <a16:creationId xmlns:a16="http://schemas.microsoft.com/office/drawing/2014/main" id="{124DBCBC-9CB8-D149-9F5D-BAEE0DD6DECD}"/>
+              </a:ext>
+            </a:extLst>
+          </p:cNvPr>
+          <p:cNvSpPr txBox="1"/>
+          <p:nvPr/>
+        </p:nvSpPr>
+        <p:spPr>
+          <a:xfrm>
+            <a:off x="5141938" y="4408323"/>
+            <a:ext cx="1003801" cy="246221"/>
+          </a:xfrm>
+          <a:prstGeom prst="rect">
+            <a:avLst/>
+          </a:prstGeom>
+          <a:noFill/>
+        </p:spPr>
+        <p:txBody>
+          <a:bodyPr wrap="none" rtlCol="0">
+            <a:spAutoFit/>
+          </a:bodyPr>
+          <a:lstStyle/>
+          <a:p>
+            <a:r>
+              <a:rPr lang="ja-JP" altLang="de-DE" sz="1000">
+                <a:solidFill>
+                  <a:schemeClr val="bg1">
+                    <a:lumMod val="50000"/>
+                  </a:schemeClr>
+                </a:solidFill>
+              </a:rPr>
+              <a:t>增加</a:t>
+            </a:r>
+            <a:r>
+              <a:rPr lang="de-DE" altLang="ja-JP" sz="1000" dirty="0">
+                <a:solidFill>
+                  <a:schemeClr val="bg1">
+                    <a:lumMod val="50000"/>
+                  </a:schemeClr>
+                </a:solidFill>
+              </a:rPr>
+              <a:t>/</a:t>
+            </a:r>
+            <a:r>
+              <a:rPr lang="ja-JP" altLang="de-DE" sz="1000">
+                <a:solidFill>
+                  <a:schemeClr val="bg1">
+                    <a:lumMod val="50000"/>
+                  </a:schemeClr>
+                </a:solidFill>
+              </a:rPr>
+              <a:t>减少音量</a:t>
+            </a:r>
+            <a:endParaRPr lang="de-DE" sz="1000" dirty="0">
+              <a:solidFill>
+                <a:schemeClr val="bg1">
+                  <a:lumMod val="50000"/>
+                </a:schemeClr>
+              </a:solidFill>
+            </a:endParaRPr>
+          </a:p>
+        </p:txBody>
+      </p:sp>
+      <p:sp>
+        <p:nvSpPr>
           <p:cNvPr id="32" name="Textfeld 31">
             <a:extLst>
               <a:ext uri="{FF2B5EF4-FFF2-40B4-BE49-F238E27FC236}">
@@ -6584,20 +7672,30 @@
         </p:nvSpPr>
         <p:spPr>
           <a:xfrm>
-            <a:off x="5600124" y="5003426"/>
-            <a:ext cx="1454244" cy="200055"/>
-          </a:xfrm>
-          <a:prstGeom prst="rect">
-            <a:avLst/>
-          </a:prstGeom>
-          <a:noFill/>
-        </p:spPr>
-        <p:txBody>
-          <a:bodyPr wrap="none" rtlCol="0">
-            <a:spAutoFit/>
-          </a:bodyPr>
-          <a:lstStyle/>
-          <a:p>
+            <a:off x="5085832" y="5012289"/>
+            <a:ext cx="2013693" cy="200055"/>
+          </a:xfrm>
+          <a:prstGeom prst="rect">
+            <a:avLst/>
+          </a:prstGeom>
+          <a:noFill/>
+        </p:spPr>
+        <p:txBody>
+          <a:bodyPr wrap="none" rtlCol="0">
+            <a:spAutoFit/>
+          </a:bodyPr>
+          <a:lstStyle/>
+          <a:p>
+            <a:r>
+              <a:rPr lang="ja-JP" altLang="de-DE" sz="700">
+                <a:solidFill>
+                  <a:schemeClr val="bg1">
+                    <a:lumMod val="50000"/>
+                  </a:schemeClr>
+                </a:solidFill>
+              </a:rPr>
+              <a:t>手势图标来自 </a:t>
+            </a:r>
             <a:r>
               <a:rPr lang="de-DE" sz="700" dirty="0">
                 <a:solidFill>
@@ -6616,7 +7714,7 @@
           <p:cNvPr id="15" name="Textfeld 14">
             <a:extLst>
               <a:ext uri="{FF2B5EF4-FFF2-40B4-BE49-F238E27FC236}">
-                <a16:creationId xmlns:a16="http://schemas.microsoft.com/office/drawing/2014/main" id="{81989EBB-5D76-BF42-9E65-22F0582FEF9F}"/>
+                <a16:creationId xmlns:a16="http://schemas.microsoft.com/office/drawing/2014/main" id="{7D5A8B11-1E6A-AB49-A0A0-B9F8AB4A6FC0}"/>
               </a:ext>
             </a:extLst>
           </p:cNvPr>
@@ -6626,7 +7724,7 @@
         <p:spPr>
           <a:xfrm>
             <a:off x="7769420" y="1199345"/>
-            <a:ext cx="372218" cy="369332"/>
+            <a:ext cx="436338" cy="369332"/>
           </a:xfrm>
           <a:prstGeom prst="rect">
             <a:avLst/>
@@ -6645,17 +7743,58 @@
                   <a:schemeClr val="bg1"/>
                 </a:solidFill>
               </a:rPr>
-              <a:t>-9</a:t>
-            </a:r>
-          </a:p>
-        </p:txBody>
-      </p:sp>
+              <a:t>ZH</a:t>
+            </a:r>
+          </a:p>
+        </p:txBody>
+      </p:sp>
+    </p:spTree>
+    <p:extLst>
+      <p:ext uri="{BB962C8B-B14F-4D97-AF65-F5344CB8AC3E}">
+        <p14:creationId xmlns:p14="http://schemas.microsoft.com/office/powerpoint/2010/main" val="1662334681"/>
+      </p:ext>
+    </p:extLst>
+  </p:cSld>
+  <p:clrMapOvr>
+    <a:masterClrMapping/>
+  </p:clrMapOvr>
+</p:sld>
+</file>
+
+<file path=ppt/slides/slide13.xml><?xml version="1.0" encoding="utf-8"?>
+<p:sld xmlns:a="http://schemas.openxmlformats.org/drawingml/2006/main" xmlns:r="http://schemas.openxmlformats.org/officeDocument/2006/relationships" xmlns:p="http://schemas.openxmlformats.org/presentationml/2006/main">
+  <p:cSld>
+    <p:bg>
+      <p:bgPr>
+        <a:solidFill>
+          <a:schemeClr val="tx1">
+            <a:lumMod val="85000"/>
+            <a:lumOff val="15000"/>
+          </a:schemeClr>
+        </a:solidFill>
+        <a:effectLst/>
+      </p:bgPr>
+    </p:bg>
+    <p:spTree>
+      <p:nvGrpSpPr>
+        <p:cNvPr id="1" name=""/>
+        <p:cNvGrpSpPr/>
+        <p:nvPr/>
+      </p:nvGrpSpPr>
+      <p:grpSpPr>
+        <a:xfrm>
+          <a:off x="0" y="0"/>
+          <a:ext cx="0" cy="0"/>
+          <a:chOff x="0" y="0"/>
+          <a:chExt cx="0" cy="0"/>
+        </a:xfrm>
+      </p:grpSpPr>
       <p:pic>
         <p:nvPicPr>
-          <p:cNvPr id="5" name="Grafik 4">
-            <a:extLst>
-              <a:ext uri="{FF2B5EF4-FFF2-40B4-BE49-F238E27FC236}">
-                <a16:creationId xmlns:a16="http://schemas.microsoft.com/office/drawing/2014/main" id="{37030CD5-981F-F142-937C-A4A4CDF9CBAB}"/>
+          <p:cNvPr id="4" name="Grafik 3">
+            <a:extLst>
+              <a:ext uri="{FF2B5EF4-FFF2-40B4-BE49-F238E27FC236}">
+                <a16:creationId xmlns:a16="http://schemas.microsoft.com/office/drawing/2014/main" id="{B44FC877-EC86-0943-A8EB-F69223128844}"/>
               </a:ext>
             </a:extLst>
           </p:cNvPr>
@@ -6665,46 +7804,647 @@
           <p:nvPr/>
         </p:nvPicPr>
         <p:blipFill>
-          <a:blip r:embed="rId4">
-            <a:duotone>
-              <a:prstClr val="black"/>
-              <a:schemeClr val="tx1">
-                <a:tint val="45000"/>
-                <a:satMod val="400000"/>
-              </a:schemeClr>
-            </a:duotone>
-            <a:extLst>
-              <a:ext uri="{BEBA8EAE-BF5A-486C-A8C5-ECC9F3942E4B}">
-                <a14:imgProps xmlns:a14="http://schemas.microsoft.com/office/drawing/2010/main">
-                  <a14:imgLayer>
-                    <a14:imgEffect>
-                      <a14:brightnessContrast bright="-20000"/>
-                    </a14:imgEffect>
-                  </a14:imgLayer>
-                </a14:imgProps>
-              </a:ext>
-            </a:extLst>
-          </a:blip>
+          <a:blip r:embed="rId3"/>
           <a:stretch>
             <a:fillRect/>
           </a:stretch>
         </p:blipFill>
         <p:spPr>
           <a:xfrm>
-            <a:off x="5693363" y="1721591"/>
-            <a:ext cx="711200" cy="215900"/>
+            <a:off x="4279900" y="1612900"/>
+            <a:ext cx="3632200" cy="3632200"/>
           </a:xfrm>
           <a:prstGeom prst="rect">
             <a:avLst/>
           </a:prstGeom>
         </p:spPr>
       </p:pic>
+      <p:sp>
+        <p:nvSpPr>
+          <p:cNvPr id="5" name="Textfeld 4">
+            <a:extLst>
+              <a:ext uri="{FF2B5EF4-FFF2-40B4-BE49-F238E27FC236}">
+                <a16:creationId xmlns:a16="http://schemas.microsoft.com/office/drawing/2014/main" id="{48B1F0FE-57B2-434C-8708-97EA6E3B85CB}"/>
+              </a:ext>
+            </a:extLst>
+          </p:cNvPr>
+          <p:cNvSpPr txBox="1"/>
+          <p:nvPr/>
+        </p:nvSpPr>
+        <p:spPr>
+          <a:xfrm>
+            <a:off x="4462883" y="2482221"/>
+            <a:ext cx="723275" cy="200055"/>
+          </a:xfrm>
+          <a:prstGeom prst="rect">
+            <a:avLst/>
+          </a:prstGeom>
+          <a:noFill/>
+        </p:spPr>
+        <p:txBody>
+          <a:bodyPr wrap="none" rtlCol="0">
+            <a:spAutoFit/>
+          </a:bodyPr>
+          <a:lstStyle/>
+          <a:p>
+            <a:r>
+              <a:rPr lang="de-DE" sz="700" b="1" dirty="0">
+                <a:solidFill>
+                  <a:srgbClr val="007AFD"/>
+                </a:solidFill>
+              </a:rPr>
+              <a:t>PYYHKÄISYELE</a:t>
+            </a:r>
+          </a:p>
+        </p:txBody>
+      </p:sp>
+      <p:sp>
+        <p:nvSpPr>
+          <p:cNvPr id="21" name="Textfeld 20">
+            <a:extLst>
+              <a:ext uri="{FF2B5EF4-FFF2-40B4-BE49-F238E27FC236}">
+                <a16:creationId xmlns:a16="http://schemas.microsoft.com/office/drawing/2014/main" id="{5EF60413-5938-5B4C-9675-572500704735}"/>
+              </a:ext>
+            </a:extLst>
+          </p:cNvPr>
+          <p:cNvSpPr txBox="1"/>
+          <p:nvPr/>
+        </p:nvSpPr>
+        <p:spPr>
+          <a:xfrm>
+            <a:off x="4658449" y="2971171"/>
+            <a:ext cx="332142" cy="200055"/>
+          </a:xfrm>
+          <a:prstGeom prst="rect">
+            <a:avLst/>
+          </a:prstGeom>
+          <a:noFill/>
+        </p:spPr>
+        <p:txBody>
+          <a:bodyPr wrap="none" rtlCol="0">
+            <a:spAutoFit/>
+          </a:bodyPr>
+          <a:lstStyle/>
+          <a:p>
+            <a:r>
+              <a:rPr lang="de-DE" sz="700" b="1" dirty="0">
+                <a:solidFill>
+                  <a:srgbClr val="007AFD"/>
+                </a:solidFill>
+              </a:rPr>
+              <a:t>TAP</a:t>
+            </a:r>
+          </a:p>
+        </p:txBody>
+      </p:sp>
+      <p:sp>
+        <p:nvSpPr>
+          <p:cNvPr id="22" name="Textfeld 21">
+            <a:extLst>
+              <a:ext uri="{FF2B5EF4-FFF2-40B4-BE49-F238E27FC236}">
+                <a16:creationId xmlns:a16="http://schemas.microsoft.com/office/drawing/2014/main" id="{BD754D90-7C76-FF41-BB86-87D36CBC704F}"/>
+              </a:ext>
+            </a:extLst>
+          </p:cNvPr>
+          <p:cNvSpPr txBox="1"/>
+          <p:nvPr/>
+        </p:nvSpPr>
+        <p:spPr>
+          <a:xfrm>
+            <a:off x="4426014" y="3507915"/>
+            <a:ext cx="797013" cy="200055"/>
+          </a:xfrm>
+          <a:prstGeom prst="rect">
+            <a:avLst/>
+          </a:prstGeom>
+          <a:noFill/>
+        </p:spPr>
+        <p:txBody>
+          <a:bodyPr wrap="none" rtlCol="0">
+            <a:spAutoFit/>
+          </a:bodyPr>
+          <a:lstStyle/>
+          <a:p>
+            <a:r>
+              <a:rPr lang="de-DE" sz="700" b="1" dirty="0">
+                <a:solidFill>
+                  <a:srgbClr val="007AFD"/>
+                </a:solidFill>
+              </a:rPr>
+              <a:t>TUPLAKLIKKAUS</a:t>
+            </a:r>
+          </a:p>
+        </p:txBody>
+      </p:sp>
+      <p:sp>
+        <p:nvSpPr>
+          <p:cNvPr id="23" name="Textfeld 22">
+            <a:extLst>
+              <a:ext uri="{FF2B5EF4-FFF2-40B4-BE49-F238E27FC236}">
+                <a16:creationId xmlns:a16="http://schemas.microsoft.com/office/drawing/2014/main" id="{0989A3E2-90D2-E345-BB07-B501401BC965}"/>
+              </a:ext>
+            </a:extLst>
+          </p:cNvPr>
+          <p:cNvSpPr txBox="1"/>
+          <p:nvPr/>
+        </p:nvSpPr>
+        <p:spPr>
+          <a:xfrm>
+            <a:off x="4389946" y="4044659"/>
+            <a:ext cx="869149" cy="200055"/>
+          </a:xfrm>
+          <a:prstGeom prst="rect">
+            <a:avLst/>
+          </a:prstGeom>
+          <a:noFill/>
+        </p:spPr>
+        <p:txBody>
+          <a:bodyPr wrap="none" rtlCol="0">
+            <a:spAutoFit/>
+          </a:bodyPr>
+          <a:lstStyle/>
+          <a:p>
+            <a:r>
+              <a:rPr lang="de-DE" sz="700" b="1" dirty="0">
+                <a:solidFill>
+                  <a:srgbClr val="007AFD"/>
+                </a:solidFill>
+              </a:rPr>
+              <a:t>NAPAUTA JA PIDÄ</a:t>
+            </a:r>
+          </a:p>
+        </p:txBody>
+      </p:sp>
+      <p:sp>
+        <p:nvSpPr>
+          <p:cNvPr id="24" name="Textfeld 23">
+            <a:extLst>
+              <a:ext uri="{FF2B5EF4-FFF2-40B4-BE49-F238E27FC236}">
+                <a16:creationId xmlns:a16="http://schemas.microsoft.com/office/drawing/2014/main" id="{C60A58CB-08D7-B04A-8005-F51A20991E7F}"/>
+              </a:ext>
+            </a:extLst>
+          </p:cNvPr>
+          <p:cNvSpPr txBox="1"/>
+          <p:nvPr/>
+        </p:nvSpPr>
+        <p:spPr>
+          <a:xfrm>
+            <a:off x="4571085" y="4736809"/>
+            <a:ext cx="506870" cy="200055"/>
+          </a:xfrm>
+          <a:prstGeom prst="rect">
+            <a:avLst/>
+          </a:prstGeom>
+          <a:noFill/>
+        </p:spPr>
+        <p:txBody>
+          <a:bodyPr wrap="none" rtlCol="0">
+            <a:spAutoFit/>
+          </a:bodyPr>
+          <a:lstStyle/>
+          <a:p>
+            <a:r>
+              <a:rPr lang="de-DE" sz="700" b="1" dirty="0">
+                <a:solidFill>
+                  <a:srgbClr val="007AFD"/>
+                </a:solidFill>
+              </a:rPr>
+              <a:t>KIERTÄÄ</a:t>
+            </a:r>
+          </a:p>
+        </p:txBody>
+      </p:sp>
+      <p:sp>
+        <p:nvSpPr>
+          <p:cNvPr id="25" name="Textfeld 24">
+            <a:extLst>
+              <a:ext uri="{FF2B5EF4-FFF2-40B4-BE49-F238E27FC236}">
+                <a16:creationId xmlns:a16="http://schemas.microsoft.com/office/drawing/2014/main" id="{F651C9BC-DCB3-FA47-8653-4C8BA7CE138E}"/>
+              </a:ext>
+            </a:extLst>
+          </p:cNvPr>
+          <p:cNvSpPr txBox="1"/>
+          <p:nvPr/>
+        </p:nvSpPr>
+        <p:spPr>
+          <a:xfrm>
+            <a:off x="4995181" y="1687868"/>
+            <a:ext cx="2232150" cy="369332"/>
+          </a:xfrm>
+          <a:prstGeom prst="rect">
+            <a:avLst/>
+          </a:prstGeom>
+          <a:noFill/>
+        </p:spPr>
+        <p:txBody>
+          <a:bodyPr wrap="none" rtlCol="0">
+            <a:spAutoFit/>
+          </a:bodyPr>
+          <a:lstStyle/>
+          <a:p>
+            <a:r>
+              <a:rPr lang="de-DE" dirty="0">
+                <a:solidFill>
+                  <a:schemeClr val="bg1">
+                    <a:lumMod val="50000"/>
+                  </a:schemeClr>
+                </a:solidFill>
+              </a:rPr>
+              <a:t>ELEIDEN SYÖTTÖALUE</a:t>
+            </a:r>
+          </a:p>
+        </p:txBody>
+      </p:sp>
+      <p:sp>
+        <p:nvSpPr>
+          <p:cNvPr id="26" name="Textfeld 25">
+            <a:extLst>
+              <a:ext uri="{FF2B5EF4-FFF2-40B4-BE49-F238E27FC236}">
+                <a16:creationId xmlns:a16="http://schemas.microsoft.com/office/drawing/2014/main" id="{28C8C081-5D02-324D-BDDD-4532DC90E78D}"/>
+              </a:ext>
+            </a:extLst>
+          </p:cNvPr>
+          <p:cNvSpPr txBox="1"/>
+          <p:nvPr/>
+        </p:nvSpPr>
+        <p:spPr>
+          <a:xfrm>
+            <a:off x="5141938" y="2084411"/>
+            <a:ext cx="2784737" cy="507831"/>
+          </a:xfrm>
+          <a:prstGeom prst="rect">
+            <a:avLst/>
+          </a:prstGeom>
+          <a:noFill/>
+        </p:spPr>
+        <p:txBody>
+          <a:bodyPr wrap="none" rtlCol="0">
+            <a:spAutoFit/>
+          </a:bodyPr>
+          <a:lstStyle/>
+          <a:p>
+            <a:r>
+              <a:rPr lang="de-DE" sz="900" dirty="0">
+                <a:solidFill>
+                  <a:schemeClr val="bg1">
+                    <a:lumMod val="50000"/>
+                  </a:schemeClr>
+                </a:solidFill>
+              </a:rPr>
+              <a:t>NAVIGOINTI YLÖS/ALAS/VASEN/OIKEA</a:t>
+            </a:r>
+          </a:p>
+          <a:p>
+            <a:r>
+              <a:rPr lang="de-DE" sz="900" dirty="0">
+                <a:solidFill>
+                  <a:schemeClr val="bg1">
+                    <a:lumMod val="50000"/>
+                  </a:schemeClr>
+                </a:solidFill>
+              </a:rPr>
+              <a:t>NÄYTÖN VIDEO: PIENI KELAUS TAAKSEPÄIN/ETEENPÄIN</a:t>
+            </a:r>
+          </a:p>
+          <a:p>
+            <a:r>
+              <a:rPr lang="de-DE" sz="900" dirty="0">
+                <a:solidFill>
+                  <a:schemeClr val="bg1">
+                    <a:lumMod val="50000"/>
+                  </a:schemeClr>
+                </a:solidFill>
+              </a:rPr>
+              <a:t>NÄYTÖN MUSIIKKI: EDELLINEN/SEURAAVA KAPPALE</a:t>
+            </a:r>
+            <a:endParaRPr lang="de-DE" sz="800" dirty="0">
+              <a:solidFill>
+                <a:schemeClr val="bg1">
+                  <a:lumMod val="50000"/>
+                </a:schemeClr>
+              </a:solidFill>
+            </a:endParaRPr>
+          </a:p>
+        </p:txBody>
+      </p:sp>
+      <p:sp>
+        <p:nvSpPr>
+          <p:cNvPr id="27" name="Textfeld 26">
+            <a:extLst>
+              <a:ext uri="{FF2B5EF4-FFF2-40B4-BE49-F238E27FC236}">
+                <a16:creationId xmlns:a16="http://schemas.microsoft.com/office/drawing/2014/main" id="{B5C4D795-5EE9-1C4C-8993-333E1A5521D3}"/>
+              </a:ext>
+            </a:extLst>
+          </p:cNvPr>
+          <p:cNvSpPr txBox="1"/>
+          <p:nvPr/>
+        </p:nvSpPr>
+        <p:spPr>
+          <a:xfrm>
+            <a:off x="5141938" y="2771802"/>
+            <a:ext cx="1191352" cy="246221"/>
+          </a:xfrm>
+          <a:prstGeom prst="rect">
+            <a:avLst/>
+          </a:prstGeom>
+          <a:noFill/>
+        </p:spPr>
+        <p:txBody>
+          <a:bodyPr wrap="none" rtlCol="0">
+            <a:spAutoFit/>
+          </a:bodyPr>
+          <a:lstStyle>
+            <a:defPPr>
+              <a:defRPr lang="de-DE"/>
+            </a:defPPr>
+            <a:lvl1pPr>
+              <a:defRPr sz="1000">
+                <a:solidFill>
+                  <a:schemeClr val="bg1">
+                    <a:lumMod val="50000"/>
+                  </a:schemeClr>
+                </a:solidFill>
+              </a:defRPr>
+            </a:lvl1pPr>
+          </a:lstStyle>
+          <a:p>
+            <a:r>
+              <a:rPr lang="de-DE" dirty="0"/>
+              <a:t>VAHVISTA VALINTA</a:t>
+            </a:r>
+          </a:p>
+        </p:txBody>
+      </p:sp>
+      <p:sp>
+        <p:nvSpPr>
+          <p:cNvPr id="28" name="Textfeld 27">
+            <a:extLst>
+              <a:ext uri="{FF2B5EF4-FFF2-40B4-BE49-F238E27FC236}">
+                <a16:creationId xmlns:a16="http://schemas.microsoft.com/office/drawing/2014/main" id="{178B4F6A-28E7-FA4F-ACCC-1554ACB911FD}"/>
+              </a:ext>
+            </a:extLst>
+          </p:cNvPr>
+          <p:cNvSpPr txBox="1"/>
+          <p:nvPr/>
+        </p:nvSpPr>
+        <p:spPr>
+          <a:xfrm>
+            <a:off x="5132320" y="3297925"/>
+            <a:ext cx="1021433" cy="246221"/>
+          </a:xfrm>
+          <a:prstGeom prst="rect">
+            <a:avLst/>
+          </a:prstGeom>
+          <a:noFill/>
+        </p:spPr>
+        <p:txBody>
+          <a:bodyPr wrap="none" rtlCol="0">
+            <a:spAutoFit/>
+          </a:bodyPr>
+          <a:lstStyle>
+            <a:defPPr>
+              <a:defRPr lang="de-DE"/>
+            </a:defPPr>
+            <a:lvl1pPr>
+              <a:defRPr sz="1000">
+                <a:solidFill>
+                  <a:schemeClr val="bg1">
+                    <a:lumMod val="50000"/>
+                  </a:schemeClr>
+                </a:solidFill>
+              </a:defRPr>
+            </a:lvl1pPr>
+          </a:lstStyle>
+          <a:p>
+            <a:r>
+              <a:rPr lang="de-DE" dirty="0"/>
+              <a:t>SIIRRY TAKAISIN</a:t>
+            </a:r>
+          </a:p>
+        </p:txBody>
+      </p:sp>
+      <p:sp>
+        <p:nvSpPr>
+          <p:cNvPr id="29" name="Textfeld 28">
+            <a:extLst>
+              <a:ext uri="{FF2B5EF4-FFF2-40B4-BE49-F238E27FC236}">
+                <a16:creationId xmlns:a16="http://schemas.microsoft.com/office/drawing/2014/main" id="{3245B12B-EAC1-594B-BF18-C31FE284788F}"/>
+              </a:ext>
+            </a:extLst>
+          </p:cNvPr>
+          <p:cNvSpPr txBox="1"/>
+          <p:nvPr/>
+        </p:nvSpPr>
+        <p:spPr>
+          <a:xfrm>
+            <a:off x="5141938" y="3790280"/>
+            <a:ext cx="1680268" cy="400110"/>
+          </a:xfrm>
+          <a:prstGeom prst="rect">
+            <a:avLst/>
+          </a:prstGeom>
+          <a:noFill/>
+        </p:spPr>
+        <p:txBody>
+          <a:bodyPr wrap="none" rtlCol="0">
+            <a:spAutoFit/>
+          </a:bodyPr>
+          <a:lstStyle>
+            <a:defPPr>
+              <a:defRPr lang="de-DE"/>
+            </a:defPPr>
+            <a:lvl1pPr>
+              <a:defRPr sz="1000">
+                <a:solidFill>
+                  <a:schemeClr val="bg1">
+                    <a:lumMod val="50000"/>
+                  </a:schemeClr>
+                </a:solidFill>
+              </a:defRPr>
+            </a:lvl1pPr>
+          </a:lstStyle>
+          <a:p>
+            <a:r>
+              <a:rPr lang="de-DE" dirty="0"/>
+              <a:t>SOITTIMEN SÄÄTIMET (OSD)</a:t>
+            </a:r>
+          </a:p>
+          <a:p>
+            <a:r>
+              <a:rPr lang="de-DE" dirty="0"/>
+              <a:t>KONTEKSTIVALIKKO</a:t>
+            </a:r>
+          </a:p>
+        </p:txBody>
+      </p:sp>
+      <p:sp>
+        <p:nvSpPr>
+          <p:cNvPr id="30" name="Textfeld 29">
+            <a:extLst>
+              <a:ext uri="{FF2B5EF4-FFF2-40B4-BE49-F238E27FC236}">
+                <a16:creationId xmlns:a16="http://schemas.microsoft.com/office/drawing/2014/main" id="{124DBCBC-9CB8-D149-9F5D-BAEE0DD6DECD}"/>
+              </a:ext>
+            </a:extLst>
+          </p:cNvPr>
+          <p:cNvSpPr txBox="1"/>
+          <p:nvPr/>
+        </p:nvSpPr>
+        <p:spPr>
+          <a:xfrm>
+            <a:off x="5141938" y="4408323"/>
+            <a:ext cx="2383986" cy="246221"/>
+          </a:xfrm>
+          <a:prstGeom prst="rect">
+            <a:avLst/>
+          </a:prstGeom>
+          <a:noFill/>
+        </p:spPr>
+        <p:txBody>
+          <a:bodyPr wrap="none" rtlCol="0">
+            <a:spAutoFit/>
+          </a:bodyPr>
+          <a:lstStyle/>
+          <a:p>
+            <a:r>
+              <a:rPr lang="de-DE" sz="1000" dirty="0">
+                <a:solidFill>
+                  <a:schemeClr val="bg1">
+                    <a:lumMod val="50000"/>
+                  </a:schemeClr>
+                </a:solidFill>
+              </a:rPr>
+              <a:t>LISÄÄ/VÄHENTÄÄ ÄÄNENVOIMAKKUUTTA</a:t>
+            </a:r>
+          </a:p>
+        </p:txBody>
+      </p:sp>
+      <p:sp>
+        <p:nvSpPr>
+          <p:cNvPr id="32" name="Textfeld 31">
+            <a:extLst>
+              <a:ext uri="{FF2B5EF4-FFF2-40B4-BE49-F238E27FC236}">
+                <a16:creationId xmlns:a16="http://schemas.microsoft.com/office/drawing/2014/main" id="{DD15E173-06DF-6742-A992-3E66A88592AE}"/>
+              </a:ext>
+            </a:extLst>
+          </p:cNvPr>
+          <p:cNvSpPr txBox="1"/>
+          <p:nvPr/>
+        </p:nvSpPr>
+        <p:spPr>
+          <a:xfrm>
+            <a:off x="4921892" y="5002197"/>
+            <a:ext cx="2305439" cy="200055"/>
+          </a:xfrm>
+          <a:prstGeom prst="rect">
+            <a:avLst/>
+          </a:prstGeom>
+          <a:noFill/>
+        </p:spPr>
+        <p:txBody>
+          <a:bodyPr wrap="none" rtlCol="0">
+            <a:spAutoFit/>
+          </a:bodyPr>
+          <a:lstStyle/>
+          <a:p>
+            <a:r>
+              <a:rPr lang="de-DE" sz="700" dirty="0">
+                <a:solidFill>
+                  <a:schemeClr val="bg1">
+                    <a:lumMod val="50000"/>
+                  </a:schemeClr>
+                </a:solidFill>
+              </a:rPr>
+              <a:t>KUVAKE TARJOAMAT HTTP://SOMERANDOMDUDE.COM</a:t>
+            </a:r>
+          </a:p>
+        </p:txBody>
+      </p:sp>
+      <p:sp>
+        <p:nvSpPr>
+          <p:cNvPr id="15" name="Textfeld 14">
+            <a:extLst>
+              <a:ext uri="{FF2B5EF4-FFF2-40B4-BE49-F238E27FC236}">
+                <a16:creationId xmlns:a16="http://schemas.microsoft.com/office/drawing/2014/main" id="{90D89C05-4D2D-824C-929D-0BE8164E65F9}"/>
+              </a:ext>
+            </a:extLst>
+          </p:cNvPr>
+          <p:cNvSpPr txBox="1"/>
+          <p:nvPr/>
+        </p:nvSpPr>
+        <p:spPr>
+          <a:xfrm>
+            <a:off x="7769420" y="1199345"/>
+            <a:ext cx="348172" cy="369332"/>
+          </a:xfrm>
+          <a:prstGeom prst="rect">
+            <a:avLst/>
+          </a:prstGeom>
+          <a:noFill/>
+        </p:spPr>
+        <p:txBody>
+          <a:bodyPr wrap="none" rtlCol="0">
+            <a:spAutoFit/>
+          </a:bodyPr>
+          <a:lstStyle/>
+          <a:p>
+            <a:r>
+              <a:rPr lang="de-DE" dirty="0">
+                <a:solidFill>
+                  <a:schemeClr val="bg1"/>
+                </a:solidFill>
+              </a:rPr>
+              <a:t>FI</a:t>
+            </a:r>
+          </a:p>
+        </p:txBody>
+      </p:sp>
+    </p:spTree>
+    <p:extLst>
+      <p:ext uri="{BB962C8B-B14F-4D97-AF65-F5344CB8AC3E}">
+        <p14:creationId xmlns:p14="http://schemas.microsoft.com/office/powerpoint/2010/main" val="3312038322"/>
+      </p:ext>
+    </p:extLst>
+  </p:cSld>
+  <p:clrMapOvr>
+    <a:masterClrMapping/>
+  </p:clrMapOvr>
+</p:sld>
+</file>
+
+<file path=ppt/slides/slide14.xml><?xml version="1.0" encoding="utf-8"?>
+<p:sld xmlns:a="http://schemas.openxmlformats.org/drawingml/2006/main" xmlns:r="http://schemas.openxmlformats.org/officeDocument/2006/relationships" xmlns:p="http://schemas.openxmlformats.org/presentationml/2006/main">
+  <p:cSld>
+    <p:bg>
+      <p:bgPr>
+        <a:solidFill>
+          <a:schemeClr val="tx1">
+            <a:lumMod val="85000"/>
+            <a:lumOff val="15000"/>
+          </a:schemeClr>
+        </a:solidFill>
+        <a:effectLst/>
+      </p:bgPr>
+    </p:bg>
+    <p:spTree>
+      <p:nvGrpSpPr>
+        <p:cNvPr id="1" name=""/>
+        <p:cNvGrpSpPr/>
+        <p:nvPr/>
+      </p:nvGrpSpPr>
+      <p:grpSpPr>
+        <a:xfrm>
+          <a:off x="0" y="0"/>
+          <a:ext cx="0" cy="0"/>
+          <a:chOff x="0" y="0"/>
+          <a:chExt cx="0" cy="0"/>
+        </a:xfrm>
+      </p:grpSpPr>
       <p:pic>
         <p:nvPicPr>
-          <p:cNvPr id="6" name="Grafik 5">
-            <a:extLst>
-              <a:ext uri="{FF2B5EF4-FFF2-40B4-BE49-F238E27FC236}">
-                <a16:creationId xmlns:a16="http://schemas.microsoft.com/office/drawing/2014/main" id="{ECD00773-1425-4340-9AC5-9E439B14B8B5}"/>
+          <p:cNvPr id="4" name="Grafik 3">
+            <a:extLst>
+              <a:ext uri="{FF2B5EF4-FFF2-40B4-BE49-F238E27FC236}">
+                <a16:creationId xmlns:a16="http://schemas.microsoft.com/office/drawing/2014/main" id="{B44FC877-EC86-0943-A8EB-F69223128844}"/>
               </a:ext>
             </a:extLst>
           </p:cNvPr>
@@ -6714,48 +8454,902 @@
           <p:nvPr/>
         </p:nvPicPr>
         <p:blipFill>
-          <a:blip r:embed="rId5">
-            <a:duotone>
-              <a:prstClr val="black"/>
-              <a:schemeClr val="tx1">
-                <a:lumMod val="95000"/>
-                <a:lumOff val="5000"/>
-                <a:tint val="45000"/>
-                <a:satMod val="400000"/>
-              </a:schemeClr>
-            </a:duotone>
-            <a:extLst>
-              <a:ext uri="{BEBA8EAE-BF5A-486C-A8C5-ECC9F3942E4B}">
-                <a14:imgProps xmlns:a14="http://schemas.microsoft.com/office/drawing/2010/main">
-                  <a14:imgLayer>
-                    <a14:imgEffect>
-                      <a14:brightnessContrast bright="-20000"/>
-                    </a14:imgEffect>
-                  </a14:imgLayer>
-                </a14:imgProps>
-              </a:ext>
-            </a:extLst>
-          </a:blip>
+          <a:blip r:embed="rId3"/>
           <a:stretch>
             <a:fillRect/>
           </a:stretch>
         </p:blipFill>
         <p:spPr>
           <a:xfrm>
-            <a:off x="5184330" y="2106356"/>
-            <a:ext cx="2108200" cy="495300"/>
+            <a:off x="4279900" y="1612900"/>
+            <a:ext cx="3632200" cy="3632200"/>
           </a:xfrm>
           <a:prstGeom prst="rect">
             <a:avLst/>
           </a:prstGeom>
         </p:spPr>
       </p:pic>
+      <p:sp>
+        <p:nvSpPr>
+          <p:cNvPr id="5" name="Textfeld 4">
+            <a:extLst>
+              <a:ext uri="{FF2B5EF4-FFF2-40B4-BE49-F238E27FC236}">
+                <a16:creationId xmlns:a16="http://schemas.microsoft.com/office/drawing/2014/main" id="{48B1F0FE-57B2-434C-8708-97EA6E3B85CB}"/>
+              </a:ext>
+            </a:extLst>
+          </p:cNvPr>
+          <p:cNvSpPr txBox="1"/>
+          <p:nvPr/>
+        </p:nvSpPr>
+        <p:spPr>
+          <a:xfrm>
+            <a:off x="4406740" y="2482221"/>
+            <a:ext cx="833883" cy="200055"/>
+          </a:xfrm>
+          <a:prstGeom prst="rect">
+            <a:avLst/>
+          </a:prstGeom>
+          <a:noFill/>
+        </p:spPr>
+        <p:txBody>
+          <a:bodyPr wrap="none" rtlCol="0">
+            <a:spAutoFit/>
+          </a:bodyPr>
+          <a:lstStyle/>
+          <a:p>
+            <a:r>
+              <a:rPr lang="ko-KR" altLang="de-DE" sz="700" b="1" dirty="0">
+                <a:solidFill>
+                  <a:srgbClr val="007AFD"/>
+                </a:solidFill>
+              </a:rPr>
+              <a:t>스와이프 제스처</a:t>
+            </a:r>
+            <a:endParaRPr lang="de-DE" sz="700" b="1" dirty="0">
+              <a:solidFill>
+                <a:srgbClr val="007AFD"/>
+              </a:solidFill>
+            </a:endParaRPr>
+          </a:p>
+        </p:txBody>
+      </p:sp>
+      <p:sp>
+        <p:nvSpPr>
+          <p:cNvPr id="21" name="Textfeld 20">
+            <a:extLst>
+              <a:ext uri="{FF2B5EF4-FFF2-40B4-BE49-F238E27FC236}">
+                <a16:creationId xmlns:a16="http://schemas.microsoft.com/office/drawing/2014/main" id="{5EF60413-5938-5B4C-9675-572500704735}"/>
+              </a:ext>
+            </a:extLst>
+          </p:cNvPr>
+          <p:cNvSpPr txBox="1"/>
+          <p:nvPr/>
+        </p:nvSpPr>
+        <p:spPr>
+          <a:xfrm>
+            <a:off x="4441205" y="2971171"/>
+            <a:ext cx="764953" cy="200055"/>
+          </a:xfrm>
+          <a:prstGeom prst="rect">
+            <a:avLst/>
+          </a:prstGeom>
+          <a:noFill/>
+        </p:spPr>
+        <p:txBody>
+          <a:bodyPr wrap="none" rtlCol="0">
+            <a:spAutoFit/>
+          </a:bodyPr>
+          <a:lstStyle/>
+          <a:p>
+            <a:r>
+              <a:rPr lang="ko-KR" altLang="de-DE" sz="700" b="1" dirty="0">
+                <a:solidFill>
+                  <a:srgbClr val="007AFD"/>
+                </a:solidFill>
+              </a:rPr>
+              <a:t>딸깍 하는 소리</a:t>
+            </a:r>
+            <a:endParaRPr lang="de-DE" sz="700" b="1" dirty="0">
+              <a:solidFill>
+                <a:srgbClr val="007AFD"/>
+              </a:solidFill>
+            </a:endParaRPr>
+          </a:p>
+        </p:txBody>
+      </p:sp>
+      <p:sp>
+        <p:nvSpPr>
+          <p:cNvPr id="22" name="Textfeld 21">
+            <a:extLst>
+              <a:ext uri="{FF2B5EF4-FFF2-40B4-BE49-F238E27FC236}">
+                <a16:creationId xmlns:a16="http://schemas.microsoft.com/office/drawing/2014/main" id="{BD754D90-7C76-FF41-BB86-87D36CBC704F}"/>
+              </a:ext>
+            </a:extLst>
+          </p:cNvPr>
+          <p:cNvSpPr txBox="1"/>
+          <p:nvPr/>
+        </p:nvSpPr>
+        <p:spPr>
+          <a:xfrm>
+            <a:off x="4541392" y="3507915"/>
+            <a:ext cx="564578" cy="200055"/>
+          </a:xfrm>
+          <a:prstGeom prst="rect">
+            <a:avLst/>
+          </a:prstGeom>
+          <a:noFill/>
+        </p:spPr>
+        <p:txBody>
+          <a:bodyPr wrap="none" rtlCol="0">
+            <a:spAutoFit/>
+          </a:bodyPr>
+          <a:lstStyle/>
+          <a:p>
+            <a:r>
+              <a:rPr lang="ko-KR" altLang="de-DE" sz="700" b="1" dirty="0">
+                <a:solidFill>
+                  <a:srgbClr val="007AFD"/>
+                </a:solidFill>
+              </a:rPr>
+              <a:t>더블 클릭</a:t>
+            </a:r>
+            <a:endParaRPr lang="de-DE" sz="700" b="1" dirty="0">
+              <a:solidFill>
+                <a:srgbClr val="007AFD"/>
+              </a:solidFill>
+            </a:endParaRPr>
+          </a:p>
+        </p:txBody>
+      </p:sp>
+      <p:sp>
+        <p:nvSpPr>
+          <p:cNvPr id="23" name="Textfeld 22">
+            <a:extLst>
+              <a:ext uri="{FF2B5EF4-FFF2-40B4-BE49-F238E27FC236}">
+                <a16:creationId xmlns:a16="http://schemas.microsoft.com/office/drawing/2014/main" id="{0989A3E2-90D2-E345-BB07-B501401BC965}"/>
+              </a:ext>
+            </a:extLst>
+          </p:cNvPr>
+          <p:cNvSpPr txBox="1"/>
+          <p:nvPr/>
+        </p:nvSpPr>
+        <p:spPr>
+          <a:xfrm>
+            <a:off x="4544598" y="4044659"/>
+            <a:ext cx="558166" cy="200055"/>
+          </a:xfrm>
+          <a:prstGeom prst="rect">
+            <a:avLst/>
+          </a:prstGeom>
+          <a:noFill/>
+        </p:spPr>
+        <p:txBody>
+          <a:bodyPr wrap="none" rtlCol="0">
+            <a:spAutoFit/>
+          </a:bodyPr>
+          <a:lstStyle/>
+          <a:p>
+            <a:r>
+              <a:rPr lang="ko-KR" altLang="de-DE" sz="700" b="1" dirty="0">
+                <a:solidFill>
+                  <a:srgbClr val="007AFD"/>
+                </a:solidFill>
+              </a:rPr>
+              <a:t>탭 </a:t>
+            </a:r>
+            <a:r>
+              <a:rPr lang="de-DE" altLang="ko-KR" sz="700" b="1" dirty="0">
+                <a:solidFill>
+                  <a:srgbClr val="007AFD"/>
+                </a:solidFill>
+              </a:rPr>
+              <a:t>&amp; </a:t>
+            </a:r>
+            <a:r>
+              <a:rPr lang="ko-KR" altLang="de-DE" sz="700" b="1" dirty="0">
+                <a:solidFill>
+                  <a:srgbClr val="007AFD"/>
+                </a:solidFill>
+              </a:rPr>
+              <a:t>홀드</a:t>
+            </a:r>
+            <a:endParaRPr lang="de-DE" sz="700" b="1" dirty="0">
+              <a:solidFill>
+                <a:srgbClr val="007AFD"/>
+              </a:solidFill>
+            </a:endParaRPr>
+          </a:p>
+        </p:txBody>
+      </p:sp>
+      <p:sp>
+        <p:nvSpPr>
+          <p:cNvPr id="24" name="Textfeld 23">
+            <a:extLst>
+              <a:ext uri="{FF2B5EF4-FFF2-40B4-BE49-F238E27FC236}">
+                <a16:creationId xmlns:a16="http://schemas.microsoft.com/office/drawing/2014/main" id="{C60A58CB-08D7-B04A-8005-F51A20991E7F}"/>
+              </a:ext>
+            </a:extLst>
+          </p:cNvPr>
+          <p:cNvSpPr txBox="1"/>
+          <p:nvPr/>
+        </p:nvSpPr>
+        <p:spPr>
+          <a:xfrm>
+            <a:off x="4641580" y="4736809"/>
+            <a:ext cx="364202" cy="200055"/>
+          </a:xfrm>
+          <a:prstGeom prst="rect">
+            <a:avLst/>
+          </a:prstGeom>
+          <a:noFill/>
+        </p:spPr>
+        <p:txBody>
+          <a:bodyPr wrap="none" rtlCol="0">
+            <a:spAutoFit/>
+          </a:bodyPr>
+          <a:lstStyle/>
+          <a:p>
+            <a:r>
+              <a:rPr lang="ko-KR" altLang="de-DE" sz="700" b="1" dirty="0">
+                <a:solidFill>
+                  <a:srgbClr val="007AFD"/>
+                </a:solidFill>
+              </a:rPr>
+              <a:t>회전</a:t>
+            </a:r>
+            <a:endParaRPr lang="de-DE" sz="700" b="1" dirty="0">
+              <a:solidFill>
+                <a:srgbClr val="007AFD"/>
+              </a:solidFill>
+            </a:endParaRPr>
+          </a:p>
+        </p:txBody>
+      </p:sp>
+      <p:sp>
+        <p:nvSpPr>
+          <p:cNvPr id="25" name="Textfeld 24">
+            <a:extLst>
+              <a:ext uri="{FF2B5EF4-FFF2-40B4-BE49-F238E27FC236}">
+                <a16:creationId xmlns:a16="http://schemas.microsoft.com/office/drawing/2014/main" id="{F651C9BC-DCB3-FA47-8653-4C8BA7CE138E}"/>
+              </a:ext>
+            </a:extLst>
+          </p:cNvPr>
+          <p:cNvSpPr txBox="1"/>
+          <p:nvPr/>
+        </p:nvSpPr>
+        <p:spPr>
+          <a:xfrm>
+            <a:off x="5469065" y="1677829"/>
+            <a:ext cx="1253869" cy="369332"/>
+          </a:xfrm>
+          <a:prstGeom prst="rect">
+            <a:avLst/>
+          </a:prstGeom>
+          <a:noFill/>
+        </p:spPr>
+        <p:txBody>
+          <a:bodyPr wrap="none" rtlCol="0">
+            <a:spAutoFit/>
+          </a:bodyPr>
+          <a:lstStyle/>
+          <a:p>
+            <a:r>
+              <a:rPr lang="de-DE" altLang="ko-KR" dirty="0">
+                <a:solidFill>
+                  <a:schemeClr val="bg1">
+                    <a:lumMod val="50000"/>
+                  </a:schemeClr>
+                </a:solidFill>
+              </a:rPr>
+              <a:t>"</a:t>
+            </a:r>
+            <a:r>
+              <a:rPr lang="ko-KR" altLang="de-DE" dirty="0">
+                <a:solidFill>
+                  <a:schemeClr val="bg1">
+                    <a:lumMod val="50000"/>
+                  </a:schemeClr>
+                </a:solidFill>
+              </a:rPr>
+              <a:t>제스처 존</a:t>
+            </a:r>
+          </a:p>
+        </p:txBody>
+      </p:sp>
+      <p:sp>
+        <p:nvSpPr>
+          <p:cNvPr id="26" name="Textfeld 25">
+            <a:extLst>
+              <a:ext uri="{FF2B5EF4-FFF2-40B4-BE49-F238E27FC236}">
+                <a16:creationId xmlns:a16="http://schemas.microsoft.com/office/drawing/2014/main" id="{28C8C081-5D02-324D-BDDD-4532DC90E78D}"/>
+              </a:ext>
+            </a:extLst>
+          </p:cNvPr>
+          <p:cNvSpPr txBox="1"/>
+          <p:nvPr/>
+        </p:nvSpPr>
+        <p:spPr>
+          <a:xfrm>
+            <a:off x="5119368" y="2060558"/>
+            <a:ext cx="2307042" cy="553998"/>
+          </a:xfrm>
+          <a:prstGeom prst="rect">
+            <a:avLst/>
+          </a:prstGeom>
+          <a:noFill/>
+        </p:spPr>
+        <p:txBody>
+          <a:bodyPr wrap="none" rtlCol="0">
+            <a:spAutoFit/>
+          </a:bodyPr>
+          <a:lstStyle/>
+          <a:p>
+            <a:r>
+              <a:rPr lang="ko-KR" altLang="de-DE" sz="1000" dirty="0">
+                <a:solidFill>
+                  <a:schemeClr val="bg1">
+                    <a:lumMod val="50000"/>
+                  </a:schemeClr>
+                </a:solidFill>
+              </a:rPr>
+              <a:t>위</a:t>
+            </a:r>
+            <a:r>
+              <a:rPr lang="de-DE" altLang="ko-KR" sz="1000" dirty="0">
+                <a:solidFill>
+                  <a:schemeClr val="bg1">
+                    <a:lumMod val="50000"/>
+                  </a:schemeClr>
+                </a:solidFill>
+              </a:rPr>
+              <a:t>/</a:t>
+            </a:r>
+            <a:r>
+              <a:rPr lang="ko-KR" altLang="de-DE" sz="1000" dirty="0">
+                <a:solidFill>
+                  <a:schemeClr val="bg1">
+                    <a:lumMod val="50000"/>
+                  </a:schemeClr>
+                </a:solidFill>
+              </a:rPr>
+              <a:t>아래</a:t>
+            </a:r>
+            <a:r>
+              <a:rPr lang="de-DE" altLang="ko-KR" sz="1000" dirty="0">
+                <a:solidFill>
+                  <a:schemeClr val="bg1">
+                    <a:lumMod val="50000"/>
+                  </a:schemeClr>
+                </a:solidFill>
+              </a:rPr>
+              <a:t>/</a:t>
+            </a:r>
+            <a:r>
+              <a:rPr lang="ko-KR" altLang="de-DE" sz="1000" dirty="0">
+                <a:solidFill>
+                  <a:schemeClr val="bg1">
+                    <a:lumMod val="50000"/>
+                  </a:schemeClr>
+                </a:solidFill>
+              </a:rPr>
+              <a:t>왼쪽</a:t>
+            </a:r>
+            <a:r>
+              <a:rPr lang="de-DE" altLang="ko-KR" sz="1000" dirty="0">
+                <a:solidFill>
+                  <a:schemeClr val="bg1">
+                    <a:lumMod val="50000"/>
+                  </a:schemeClr>
+                </a:solidFill>
+              </a:rPr>
+              <a:t>/</a:t>
+            </a:r>
+            <a:r>
+              <a:rPr lang="ko-KR" altLang="de-DE" sz="1000" dirty="0">
+                <a:solidFill>
+                  <a:schemeClr val="bg1">
+                    <a:lumMod val="50000"/>
+                  </a:schemeClr>
+                </a:solidFill>
+              </a:rPr>
+              <a:t>오른쪽 탐색</a:t>
+            </a:r>
+          </a:p>
+          <a:p>
+            <a:r>
+              <a:rPr lang="ko-KR" altLang="de-DE" sz="1000" dirty="0">
+                <a:solidFill>
+                  <a:schemeClr val="bg1">
+                    <a:lumMod val="50000"/>
+                  </a:schemeClr>
+                </a:solidFill>
+              </a:rPr>
+              <a:t>전체 화면 비디오</a:t>
+            </a:r>
+            <a:r>
+              <a:rPr lang="de-DE" altLang="ko-KR" sz="1000" dirty="0">
+                <a:solidFill>
+                  <a:schemeClr val="bg1">
+                    <a:lumMod val="50000"/>
+                  </a:schemeClr>
+                </a:solidFill>
+              </a:rPr>
+              <a:t>: </a:t>
+            </a:r>
+            <a:r>
+              <a:rPr lang="ko-KR" altLang="de-DE" sz="1000" dirty="0">
+                <a:solidFill>
+                  <a:schemeClr val="bg1">
+                    <a:lumMod val="50000"/>
+                  </a:schemeClr>
+                </a:solidFill>
+              </a:rPr>
+              <a:t>작은 되감기</a:t>
+            </a:r>
+            <a:r>
+              <a:rPr lang="de-DE" altLang="ko-KR" sz="1000" dirty="0">
+                <a:solidFill>
+                  <a:schemeClr val="bg1">
+                    <a:lumMod val="50000"/>
+                  </a:schemeClr>
+                </a:solidFill>
+              </a:rPr>
+              <a:t>/</a:t>
+            </a:r>
+            <a:r>
+              <a:rPr lang="ko-KR" altLang="de-DE" sz="1000" dirty="0">
+                <a:solidFill>
+                  <a:schemeClr val="bg1">
+                    <a:lumMod val="50000"/>
+                  </a:schemeClr>
+                </a:solidFill>
+              </a:rPr>
+              <a:t>앞으로</a:t>
+            </a:r>
+          </a:p>
+          <a:p>
+            <a:r>
+              <a:rPr lang="ko-KR" altLang="de-DE" sz="1000" dirty="0">
+                <a:solidFill>
+                  <a:schemeClr val="bg1">
+                    <a:lumMod val="50000"/>
+                  </a:schemeClr>
+                </a:solidFill>
+              </a:rPr>
+              <a:t>전체 화면 음악</a:t>
+            </a:r>
+            <a:r>
+              <a:rPr lang="de-DE" altLang="ko-KR" sz="1000" dirty="0">
+                <a:solidFill>
+                  <a:schemeClr val="bg1">
+                    <a:lumMod val="50000"/>
+                  </a:schemeClr>
+                </a:solidFill>
+              </a:rPr>
+              <a:t>: </a:t>
+            </a:r>
+            <a:r>
+              <a:rPr lang="ko-KR" altLang="de-DE" sz="1000" dirty="0">
+                <a:solidFill>
+                  <a:schemeClr val="bg1">
+                    <a:lumMod val="50000"/>
+                  </a:schemeClr>
+                </a:solidFill>
+              </a:rPr>
+              <a:t>이전</a:t>
+            </a:r>
+            <a:r>
+              <a:rPr lang="de-DE" altLang="ko-KR" sz="1000" dirty="0">
+                <a:solidFill>
+                  <a:schemeClr val="bg1">
+                    <a:lumMod val="50000"/>
+                  </a:schemeClr>
+                </a:solidFill>
+              </a:rPr>
+              <a:t>/</a:t>
+            </a:r>
+            <a:r>
+              <a:rPr lang="ko-KR" altLang="de-DE" sz="1000" dirty="0">
+                <a:solidFill>
+                  <a:schemeClr val="bg1">
+                    <a:lumMod val="50000"/>
+                  </a:schemeClr>
+                </a:solidFill>
+              </a:rPr>
+              <a:t>다음 곡</a:t>
+            </a:r>
+            <a:endParaRPr lang="de-DE" sz="900" dirty="0">
+              <a:solidFill>
+                <a:schemeClr val="bg1">
+                  <a:lumMod val="50000"/>
+                </a:schemeClr>
+              </a:solidFill>
+            </a:endParaRPr>
+          </a:p>
+        </p:txBody>
+      </p:sp>
+      <p:sp>
+        <p:nvSpPr>
+          <p:cNvPr id="27" name="Textfeld 26">
+            <a:extLst>
+              <a:ext uri="{FF2B5EF4-FFF2-40B4-BE49-F238E27FC236}">
+                <a16:creationId xmlns:a16="http://schemas.microsoft.com/office/drawing/2014/main" id="{B5C4D795-5EE9-1C4C-8993-333E1A5521D3}"/>
+              </a:ext>
+            </a:extLst>
+          </p:cNvPr>
+          <p:cNvSpPr txBox="1"/>
+          <p:nvPr/>
+        </p:nvSpPr>
+        <p:spPr>
+          <a:xfrm>
+            <a:off x="5119368" y="2771802"/>
+            <a:ext cx="726481" cy="246221"/>
+          </a:xfrm>
+          <a:prstGeom prst="rect">
+            <a:avLst/>
+          </a:prstGeom>
+          <a:noFill/>
+        </p:spPr>
+        <p:txBody>
+          <a:bodyPr wrap="none" rtlCol="0">
+            <a:spAutoFit/>
+          </a:bodyPr>
+          <a:lstStyle/>
+          <a:p>
+            <a:r>
+              <a:rPr lang="ko-KR" altLang="de-DE" sz="1000" dirty="0">
+                <a:solidFill>
+                  <a:schemeClr val="bg1">
+                    <a:lumMod val="50000"/>
+                  </a:schemeClr>
+                </a:solidFill>
+              </a:rPr>
+              <a:t>선택 확인</a:t>
+            </a:r>
+            <a:endParaRPr lang="de-DE" sz="1000" dirty="0">
+              <a:solidFill>
+                <a:schemeClr val="bg1">
+                  <a:lumMod val="50000"/>
+                </a:schemeClr>
+              </a:solidFill>
+            </a:endParaRPr>
+          </a:p>
+        </p:txBody>
+      </p:sp>
+      <p:sp>
+        <p:nvSpPr>
+          <p:cNvPr id="28" name="Textfeld 27">
+            <a:extLst>
+              <a:ext uri="{FF2B5EF4-FFF2-40B4-BE49-F238E27FC236}">
+                <a16:creationId xmlns:a16="http://schemas.microsoft.com/office/drawing/2014/main" id="{178B4F6A-28E7-FA4F-ACCC-1554ACB911FD}"/>
+              </a:ext>
+            </a:extLst>
+          </p:cNvPr>
+          <p:cNvSpPr txBox="1"/>
+          <p:nvPr/>
+        </p:nvSpPr>
+        <p:spPr>
+          <a:xfrm>
+            <a:off x="5119368" y="3297925"/>
+            <a:ext cx="697627" cy="246221"/>
+          </a:xfrm>
+          <a:prstGeom prst="rect">
+            <a:avLst/>
+          </a:prstGeom>
+          <a:noFill/>
+        </p:spPr>
+        <p:txBody>
+          <a:bodyPr wrap="none" rtlCol="0">
+            <a:spAutoFit/>
+          </a:bodyPr>
+          <a:lstStyle/>
+          <a:p>
+            <a:pPr algn="r"/>
+            <a:r>
+              <a:rPr lang="ko-KR" altLang="de-DE" sz="1000" dirty="0">
+                <a:solidFill>
+                  <a:schemeClr val="bg1">
+                    <a:lumMod val="50000"/>
+                  </a:schemeClr>
+                </a:solidFill>
+              </a:rPr>
+              <a:t>돌아가기</a:t>
+            </a:r>
+            <a:endParaRPr lang="de-DE" sz="1000" dirty="0">
+              <a:solidFill>
+                <a:schemeClr val="bg1">
+                  <a:lumMod val="50000"/>
+                </a:schemeClr>
+              </a:solidFill>
+            </a:endParaRPr>
+          </a:p>
+        </p:txBody>
+      </p:sp>
+      <p:sp>
+        <p:nvSpPr>
+          <p:cNvPr id="29" name="Textfeld 28">
+            <a:extLst>
+              <a:ext uri="{FF2B5EF4-FFF2-40B4-BE49-F238E27FC236}">
+                <a16:creationId xmlns:a16="http://schemas.microsoft.com/office/drawing/2014/main" id="{3245B12B-EAC1-594B-BF18-C31FE284788F}"/>
+              </a:ext>
+            </a:extLst>
+          </p:cNvPr>
+          <p:cNvSpPr txBox="1"/>
+          <p:nvPr/>
+        </p:nvSpPr>
+        <p:spPr>
+          <a:xfrm>
+            <a:off x="5119368" y="3790280"/>
+            <a:ext cx="1439818" cy="400110"/>
+          </a:xfrm>
+          <a:prstGeom prst="rect">
+            <a:avLst/>
+          </a:prstGeom>
+          <a:noFill/>
+        </p:spPr>
+        <p:txBody>
+          <a:bodyPr wrap="none" rtlCol="0">
+            <a:spAutoFit/>
+          </a:bodyPr>
+          <a:lstStyle/>
+          <a:p>
+            <a:r>
+              <a:rPr lang="ko-KR" altLang="de-DE" sz="1000" dirty="0">
+                <a:solidFill>
+                  <a:schemeClr val="bg1">
+                    <a:lumMod val="50000"/>
+                  </a:schemeClr>
+                </a:solidFill>
+              </a:rPr>
+              <a:t>플레이어 컨트롤</a:t>
+            </a:r>
+            <a:r>
+              <a:rPr lang="de-DE" altLang="ko-KR" sz="1000" dirty="0">
+                <a:solidFill>
+                  <a:schemeClr val="bg1">
+                    <a:lumMod val="50000"/>
+                  </a:schemeClr>
+                </a:solidFill>
+              </a:rPr>
+              <a:t> (</a:t>
+            </a:r>
+            <a:r>
+              <a:rPr lang="de-DE" sz="1000" dirty="0">
+                <a:solidFill>
+                  <a:schemeClr val="bg1">
+                    <a:lumMod val="50000"/>
+                  </a:schemeClr>
+                </a:solidFill>
+              </a:rPr>
+              <a:t>OSD)</a:t>
+            </a:r>
+          </a:p>
+          <a:p>
+            <a:r>
+              <a:rPr lang="ko-KR" altLang="de-DE" sz="1000" dirty="0">
+                <a:solidFill>
+                  <a:schemeClr val="bg1">
+                    <a:lumMod val="50000"/>
+                  </a:schemeClr>
+                </a:solidFill>
+              </a:rPr>
+              <a:t>컨텍스트 메뉴</a:t>
+            </a:r>
+            <a:endParaRPr lang="de-DE" sz="1000" dirty="0">
+              <a:solidFill>
+                <a:schemeClr val="bg1">
+                  <a:lumMod val="50000"/>
+                </a:schemeClr>
+              </a:solidFill>
+            </a:endParaRPr>
+          </a:p>
+        </p:txBody>
+      </p:sp>
+      <p:sp>
+        <p:nvSpPr>
+          <p:cNvPr id="30" name="Textfeld 29">
+            <a:extLst>
+              <a:ext uri="{FF2B5EF4-FFF2-40B4-BE49-F238E27FC236}">
+                <a16:creationId xmlns:a16="http://schemas.microsoft.com/office/drawing/2014/main" id="{124DBCBC-9CB8-D149-9F5D-BAEE0DD6DECD}"/>
+              </a:ext>
+            </a:extLst>
+          </p:cNvPr>
+          <p:cNvSpPr txBox="1"/>
+          <p:nvPr/>
+        </p:nvSpPr>
+        <p:spPr>
+          <a:xfrm>
+            <a:off x="5119368" y="4408323"/>
+            <a:ext cx="1032655" cy="246221"/>
+          </a:xfrm>
+          <a:prstGeom prst="rect">
+            <a:avLst/>
+          </a:prstGeom>
+          <a:noFill/>
+        </p:spPr>
+        <p:txBody>
+          <a:bodyPr wrap="none" rtlCol="0">
+            <a:spAutoFit/>
+          </a:bodyPr>
+          <a:lstStyle/>
+          <a:p>
+            <a:r>
+              <a:rPr lang="ko-KR" altLang="de-DE" sz="1000" dirty="0">
+                <a:solidFill>
+                  <a:schemeClr val="bg1">
+                    <a:lumMod val="50000"/>
+                  </a:schemeClr>
+                </a:solidFill>
+              </a:rPr>
+              <a:t>볼륨 증가</a:t>
+            </a:r>
+            <a:r>
+              <a:rPr lang="de-DE" altLang="ko-KR" sz="1000" dirty="0">
+                <a:solidFill>
+                  <a:schemeClr val="bg1">
+                    <a:lumMod val="50000"/>
+                  </a:schemeClr>
+                </a:solidFill>
+              </a:rPr>
+              <a:t>/</a:t>
+            </a:r>
+            <a:r>
+              <a:rPr lang="ko-KR" altLang="de-DE" sz="1000" dirty="0">
+                <a:solidFill>
+                  <a:schemeClr val="bg1">
+                    <a:lumMod val="50000"/>
+                  </a:schemeClr>
+                </a:solidFill>
+              </a:rPr>
+              <a:t>감소</a:t>
+            </a:r>
+            <a:endParaRPr lang="de-DE" sz="1000" dirty="0">
+              <a:solidFill>
+                <a:schemeClr val="bg1">
+                  <a:lumMod val="50000"/>
+                </a:schemeClr>
+              </a:solidFill>
+            </a:endParaRPr>
+          </a:p>
+        </p:txBody>
+      </p:sp>
+      <p:sp>
+        <p:nvSpPr>
+          <p:cNvPr id="32" name="Textfeld 31">
+            <a:extLst>
+              <a:ext uri="{FF2B5EF4-FFF2-40B4-BE49-F238E27FC236}">
+                <a16:creationId xmlns:a16="http://schemas.microsoft.com/office/drawing/2014/main" id="{DD15E173-06DF-6742-A992-3E66A88592AE}"/>
+              </a:ext>
+            </a:extLst>
+          </p:cNvPr>
+          <p:cNvSpPr txBox="1"/>
+          <p:nvPr/>
+        </p:nvSpPr>
+        <p:spPr>
+          <a:xfrm>
+            <a:off x="5078733" y="5023641"/>
+            <a:ext cx="2034531" cy="200055"/>
+          </a:xfrm>
+          <a:prstGeom prst="rect">
+            <a:avLst/>
+          </a:prstGeom>
+          <a:noFill/>
+        </p:spPr>
+        <p:txBody>
+          <a:bodyPr wrap="none" rtlCol="0">
+            <a:spAutoFit/>
+          </a:bodyPr>
+          <a:lstStyle/>
+          <a:p>
+            <a:r>
+              <a:rPr lang="ko-KR" altLang="de-DE" sz="700" dirty="0">
+                <a:solidFill>
+                  <a:schemeClr val="bg1">
+                    <a:lumMod val="50000"/>
+                  </a:schemeClr>
+                </a:solidFill>
+              </a:rPr>
+              <a:t>제스처 아이콘 </a:t>
+            </a:r>
+            <a:r>
+              <a:rPr lang="de-DE" sz="700" dirty="0">
+                <a:solidFill>
+                  <a:schemeClr val="bg1">
+                    <a:lumMod val="50000"/>
+                  </a:schemeClr>
+                </a:solidFill>
+              </a:rPr>
+              <a:t>HTTP://SOMERANDOMDUDE.COM</a:t>
+            </a:r>
+          </a:p>
+        </p:txBody>
+      </p:sp>
+      <p:sp>
+        <p:nvSpPr>
+          <p:cNvPr id="15" name="Textfeld 14">
+            <a:extLst>
+              <a:ext uri="{FF2B5EF4-FFF2-40B4-BE49-F238E27FC236}">
+                <a16:creationId xmlns:a16="http://schemas.microsoft.com/office/drawing/2014/main" id="{81989EBB-5D76-BF42-9E65-22F0582FEF9F}"/>
+              </a:ext>
+            </a:extLst>
+          </p:cNvPr>
+          <p:cNvSpPr txBox="1"/>
+          <p:nvPr/>
+        </p:nvSpPr>
+        <p:spPr>
+          <a:xfrm>
+            <a:off x="7769420" y="1199345"/>
+            <a:ext cx="446212" cy="369332"/>
+          </a:xfrm>
+          <a:prstGeom prst="rect">
+            <a:avLst/>
+          </a:prstGeom>
+          <a:noFill/>
+        </p:spPr>
+        <p:txBody>
+          <a:bodyPr wrap="none" rtlCol="0">
+            <a:spAutoFit/>
+          </a:bodyPr>
+          <a:lstStyle/>
+          <a:p>
+            <a:r>
+              <a:rPr lang="de-DE" dirty="0">
+                <a:solidFill>
+                  <a:schemeClr val="bg1"/>
+                </a:solidFill>
+              </a:rPr>
+              <a:t>KO</a:t>
+            </a:r>
+          </a:p>
+        </p:txBody>
+      </p:sp>
+    </p:spTree>
+    <p:extLst>
+      <p:ext uri="{BB962C8B-B14F-4D97-AF65-F5344CB8AC3E}">
+        <p14:creationId xmlns:p14="http://schemas.microsoft.com/office/powerpoint/2010/main" val="551040062"/>
+      </p:ext>
+    </p:extLst>
+  </p:cSld>
+  <p:clrMapOvr>
+    <a:masterClrMapping/>
+  </p:clrMapOvr>
+</p:sld>
+</file>
+
+<file path=ppt/slides/slide15.xml><?xml version="1.0" encoding="utf-8"?>
+<p:sld xmlns:a="http://schemas.openxmlformats.org/drawingml/2006/main" xmlns:r="http://schemas.openxmlformats.org/officeDocument/2006/relationships" xmlns:p="http://schemas.openxmlformats.org/presentationml/2006/main">
+  <p:cSld>
+    <p:bg>
+      <p:bgPr>
+        <a:solidFill>
+          <a:schemeClr val="tx1">
+            <a:lumMod val="85000"/>
+            <a:lumOff val="15000"/>
+          </a:schemeClr>
+        </a:solidFill>
+        <a:effectLst/>
+      </p:bgPr>
+    </p:bg>
+    <p:spTree>
+      <p:nvGrpSpPr>
+        <p:cNvPr id="1" name=""/>
+        <p:cNvGrpSpPr/>
+        <p:nvPr/>
+      </p:nvGrpSpPr>
+      <p:grpSpPr>
+        <a:xfrm>
+          <a:off x="0" y="0"/>
+          <a:ext cx="0" cy="0"/>
+          <a:chOff x="0" y="0"/>
+          <a:chExt cx="0" cy="0"/>
+        </a:xfrm>
+      </p:grpSpPr>
       <p:pic>
         <p:nvPicPr>
-          <p:cNvPr id="7" name="Grafik 6">
-            <a:extLst>
-              <a:ext uri="{FF2B5EF4-FFF2-40B4-BE49-F238E27FC236}">
-                <a16:creationId xmlns:a16="http://schemas.microsoft.com/office/drawing/2014/main" id="{E6472D85-6122-CA4F-B371-55C74D4B3E0C}"/>
+          <p:cNvPr id="4" name="Grafik 3">
+            <a:extLst>
+              <a:ext uri="{FF2B5EF4-FFF2-40B4-BE49-F238E27FC236}">
+                <a16:creationId xmlns:a16="http://schemas.microsoft.com/office/drawing/2014/main" id="{B44FC877-EC86-0943-A8EB-F69223128844}"/>
               </a:ext>
             </a:extLst>
           </p:cNvPr>
@@ -6765,48 +9359,647 @@
           <p:nvPr/>
         </p:nvPicPr>
         <p:blipFill>
-          <a:blip r:embed="rId6">
-            <a:duotone>
-              <a:prstClr val="black"/>
-              <a:schemeClr val="tx1">
-                <a:lumMod val="95000"/>
-                <a:lumOff val="5000"/>
-                <a:tint val="45000"/>
-                <a:satMod val="400000"/>
-              </a:schemeClr>
-            </a:duotone>
-            <a:extLst>
-              <a:ext uri="{BEBA8EAE-BF5A-486C-A8C5-ECC9F3942E4B}">
-                <a14:imgProps xmlns:a14="http://schemas.microsoft.com/office/drawing/2010/main">
-                  <a14:imgLayer>
-                    <a14:imgEffect>
-                      <a14:brightnessContrast bright="-20000"/>
-                    </a14:imgEffect>
-                  </a14:imgLayer>
-                </a14:imgProps>
-              </a:ext>
-            </a:extLst>
-          </a:blip>
+          <a:blip r:embed="rId3"/>
           <a:stretch>
             <a:fillRect/>
           </a:stretch>
         </p:blipFill>
         <p:spPr>
           <a:xfrm>
-            <a:off x="5190446" y="2768293"/>
-            <a:ext cx="1803400" cy="266700"/>
+            <a:off x="4279900" y="1612900"/>
+            <a:ext cx="3632200" cy="3632200"/>
           </a:xfrm>
           <a:prstGeom prst="rect">
             <a:avLst/>
           </a:prstGeom>
         </p:spPr>
       </p:pic>
+      <p:sp>
+        <p:nvSpPr>
+          <p:cNvPr id="5" name="Textfeld 4">
+            <a:extLst>
+              <a:ext uri="{FF2B5EF4-FFF2-40B4-BE49-F238E27FC236}">
+                <a16:creationId xmlns:a16="http://schemas.microsoft.com/office/drawing/2014/main" id="{48B1F0FE-57B2-434C-8708-97EA6E3B85CB}"/>
+              </a:ext>
+            </a:extLst>
+          </p:cNvPr>
+          <p:cNvSpPr txBox="1"/>
+          <p:nvPr/>
+        </p:nvSpPr>
+        <p:spPr>
+          <a:xfrm>
+            <a:off x="4613601" y="2482221"/>
+            <a:ext cx="423514" cy="200055"/>
+          </a:xfrm>
+          <a:prstGeom prst="rect">
+            <a:avLst/>
+          </a:prstGeom>
+          <a:noFill/>
+        </p:spPr>
+        <p:txBody>
+          <a:bodyPr wrap="none" rtlCol="0">
+            <a:spAutoFit/>
+          </a:bodyPr>
+          <a:lstStyle/>
+          <a:p>
+            <a:r>
+              <a:rPr lang="de-DE" sz="700" b="1" dirty="0">
+                <a:solidFill>
+                  <a:srgbClr val="007AFD"/>
+                </a:solidFill>
+              </a:rPr>
+              <a:t>SWIPE</a:t>
+            </a:r>
+          </a:p>
+        </p:txBody>
+      </p:sp>
+      <p:sp>
+        <p:nvSpPr>
+          <p:cNvPr id="21" name="Textfeld 20">
+            <a:extLst>
+              <a:ext uri="{FF2B5EF4-FFF2-40B4-BE49-F238E27FC236}">
+                <a16:creationId xmlns:a16="http://schemas.microsoft.com/office/drawing/2014/main" id="{5EF60413-5938-5B4C-9675-572500704735}"/>
+              </a:ext>
+            </a:extLst>
+          </p:cNvPr>
+          <p:cNvSpPr txBox="1"/>
+          <p:nvPr/>
+        </p:nvSpPr>
+        <p:spPr>
+          <a:xfrm>
+            <a:off x="4673714" y="2971171"/>
+            <a:ext cx="303288" cy="200055"/>
+          </a:xfrm>
+          <a:prstGeom prst="rect">
+            <a:avLst/>
+          </a:prstGeom>
+          <a:noFill/>
+        </p:spPr>
+        <p:txBody>
+          <a:bodyPr wrap="none" rtlCol="0">
+            <a:spAutoFit/>
+          </a:bodyPr>
+          <a:lstStyle/>
+          <a:p>
+            <a:r>
+              <a:rPr lang="de-DE" sz="700" b="1" dirty="0">
+                <a:solidFill>
+                  <a:srgbClr val="007AFD"/>
+                </a:solidFill>
+              </a:rPr>
+              <a:t>TIK</a:t>
+            </a:r>
+          </a:p>
+        </p:txBody>
+      </p:sp>
+      <p:sp>
+        <p:nvSpPr>
+          <p:cNvPr id="22" name="Textfeld 21">
+            <a:extLst>
+              <a:ext uri="{FF2B5EF4-FFF2-40B4-BE49-F238E27FC236}">
+                <a16:creationId xmlns:a16="http://schemas.microsoft.com/office/drawing/2014/main" id="{BD754D90-7C76-FF41-BB86-87D36CBC704F}"/>
+              </a:ext>
+            </a:extLst>
+          </p:cNvPr>
+          <p:cNvSpPr txBox="1"/>
+          <p:nvPr/>
+        </p:nvSpPr>
+        <p:spPr>
+          <a:xfrm>
+            <a:off x="4478949" y="3507915"/>
+            <a:ext cx="692818" cy="200055"/>
+          </a:xfrm>
+          <a:prstGeom prst="rect">
+            <a:avLst/>
+          </a:prstGeom>
+          <a:noFill/>
+        </p:spPr>
+        <p:txBody>
+          <a:bodyPr wrap="none" rtlCol="0">
+            <a:spAutoFit/>
+          </a:bodyPr>
+          <a:lstStyle/>
+          <a:p>
+            <a:r>
+              <a:rPr lang="de-DE" sz="700" b="1" dirty="0">
+                <a:solidFill>
+                  <a:srgbClr val="007AFD"/>
+                </a:solidFill>
+              </a:rPr>
+              <a:t>DUBBELE TAP</a:t>
+            </a:r>
+          </a:p>
+        </p:txBody>
+      </p:sp>
+      <p:sp>
+        <p:nvSpPr>
+          <p:cNvPr id="23" name="Textfeld 22">
+            <a:extLst>
+              <a:ext uri="{FF2B5EF4-FFF2-40B4-BE49-F238E27FC236}">
+                <a16:creationId xmlns:a16="http://schemas.microsoft.com/office/drawing/2014/main" id="{0989A3E2-90D2-E345-BB07-B501401BC965}"/>
+              </a:ext>
+            </a:extLst>
+          </p:cNvPr>
+          <p:cNvSpPr txBox="1"/>
+          <p:nvPr/>
+        </p:nvSpPr>
+        <p:spPr>
+          <a:xfrm>
+            <a:off x="4501391" y="4044659"/>
+            <a:ext cx="647934" cy="200055"/>
+          </a:xfrm>
+          <a:prstGeom prst="rect">
+            <a:avLst/>
+          </a:prstGeom>
+          <a:noFill/>
+        </p:spPr>
+        <p:txBody>
+          <a:bodyPr wrap="none" rtlCol="0">
+            <a:spAutoFit/>
+          </a:bodyPr>
+          <a:lstStyle/>
+          <a:p>
+            <a:r>
+              <a:rPr lang="de-DE" sz="700" b="1" dirty="0">
+                <a:solidFill>
+                  <a:srgbClr val="007AFD"/>
+                </a:solidFill>
+              </a:rPr>
+              <a:t>TIK &amp; HOUD</a:t>
+            </a:r>
+          </a:p>
+        </p:txBody>
+      </p:sp>
+      <p:sp>
+        <p:nvSpPr>
+          <p:cNvPr id="24" name="Textfeld 23">
+            <a:extLst>
+              <a:ext uri="{FF2B5EF4-FFF2-40B4-BE49-F238E27FC236}">
+                <a16:creationId xmlns:a16="http://schemas.microsoft.com/office/drawing/2014/main" id="{C60A58CB-08D7-B04A-8005-F51A20991E7F}"/>
+              </a:ext>
+            </a:extLst>
+          </p:cNvPr>
+          <p:cNvSpPr txBox="1"/>
+          <p:nvPr/>
+        </p:nvSpPr>
+        <p:spPr>
+          <a:xfrm>
+            <a:off x="4561504" y="4736809"/>
+            <a:ext cx="527709" cy="200055"/>
+          </a:xfrm>
+          <a:prstGeom prst="rect">
+            <a:avLst/>
+          </a:prstGeom>
+          <a:noFill/>
+        </p:spPr>
+        <p:txBody>
+          <a:bodyPr wrap="none" rtlCol="0">
+            <a:spAutoFit/>
+          </a:bodyPr>
+          <a:lstStyle/>
+          <a:p>
+            <a:r>
+              <a:rPr lang="de-DE" sz="700" b="1" dirty="0">
+                <a:solidFill>
+                  <a:srgbClr val="007AFD"/>
+                </a:solidFill>
+              </a:rPr>
+              <a:t>DRAAIEN</a:t>
+            </a:r>
+          </a:p>
+        </p:txBody>
+      </p:sp>
+      <p:sp>
+        <p:nvSpPr>
+          <p:cNvPr id="25" name="Textfeld 24">
+            <a:extLst>
+              <a:ext uri="{FF2B5EF4-FFF2-40B4-BE49-F238E27FC236}">
+                <a16:creationId xmlns:a16="http://schemas.microsoft.com/office/drawing/2014/main" id="{F651C9BC-DCB3-FA47-8653-4C8BA7CE138E}"/>
+              </a:ext>
+            </a:extLst>
+          </p:cNvPr>
+          <p:cNvSpPr txBox="1"/>
+          <p:nvPr/>
+        </p:nvSpPr>
+        <p:spPr>
+          <a:xfrm>
+            <a:off x="5066070" y="1674864"/>
+            <a:ext cx="2059859" cy="369332"/>
+          </a:xfrm>
+          <a:prstGeom prst="rect">
+            <a:avLst/>
+          </a:prstGeom>
+          <a:noFill/>
+        </p:spPr>
+        <p:txBody>
+          <a:bodyPr wrap="none" rtlCol="0">
+            <a:spAutoFit/>
+          </a:bodyPr>
+          <a:lstStyle/>
+          <a:p>
+            <a:r>
+              <a:rPr lang="de-DE" b="1" dirty="0">
+                <a:solidFill>
+                  <a:schemeClr val="bg1">
+                    <a:lumMod val="50000"/>
+                  </a:schemeClr>
+                </a:solidFill>
+              </a:rPr>
+              <a:t>GEBARENBESTURIN</a:t>
+            </a:r>
+          </a:p>
+        </p:txBody>
+      </p:sp>
+      <p:sp>
+        <p:nvSpPr>
+          <p:cNvPr id="26" name="Textfeld 25">
+            <a:extLst>
+              <a:ext uri="{FF2B5EF4-FFF2-40B4-BE49-F238E27FC236}">
+                <a16:creationId xmlns:a16="http://schemas.microsoft.com/office/drawing/2014/main" id="{28C8C081-5D02-324D-BDDD-4532DC90E78D}"/>
+              </a:ext>
+            </a:extLst>
+          </p:cNvPr>
+          <p:cNvSpPr txBox="1"/>
+          <p:nvPr/>
+        </p:nvSpPr>
+        <p:spPr>
+          <a:xfrm>
+            <a:off x="5141938" y="2084411"/>
+            <a:ext cx="2621230" cy="507831"/>
+          </a:xfrm>
+          <a:prstGeom prst="rect">
+            <a:avLst/>
+          </a:prstGeom>
+          <a:noFill/>
+        </p:spPr>
+        <p:txBody>
+          <a:bodyPr wrap="none" rtlCol="0">
+            <a:spAutoFit/>
+          </a:bodyPr>
+          <a:lstStyle/>
+          <a:p>
+            <a:r>
+              <a:rPr lang="de-DE" sz="900" dirty="0">
+                <a:solidFill>
+                  <a:schemeClr val="bg1">
+                    <a:lumMod val="50000"/>
+                  </a:schemeClr>
+                </a:solidFill>
+              </a:rPr>
+              <a:t>NAVIGEREN OMHOOG/OMLAAG/LINKS/RECHTS</a:t>
+            </a:r>
+          </a:p>
+          <a:p>
+            <a:r>
+              <a:rPr lang="de-DE" sz="900" dirty="0">
+                <a:solidFill>
+                  <a:schemeClr val="bg1">
+                    <a:lumMod val="50000"/>
+                  </a:schemeClr>
+                </a:solidFill>
+              </a:rPr>
+              <a:t>VIDEO OP SCHERM: KLEIN TERUG/VOORTSPOEL</a:t>
+            </a:r>
+          </a:p>
+          <a:p>
+            <a:r>
+              <a:rPr lang="de-DE" sz="900" dirty="0">
+                <a:solidFill>
+                  <a:schemeClr val="bg1">
+                    <a:lumMod val="50000"/>
+                  </a:schemeClr>
+                </a:solidFill>
+              </a:rPr>
+              <a:t>MUZIEK OP SCHERM: VORIGE/VOLGENDE NUMMER</a:t>
+            </a:r>
+            <a:endParaRPr lang="de-DE" sz="800" dirty="0">
+              <a:solidFill>
+                <a:schemeClr val="bg1">
+                  <a:lumMod val="50000"/>
+                </a:schemeClr>
+              </a:solidFill>
+            </a:endParaRPr>
+          </a:p>
+        </p:txBody>
+      </p:sp>
+      <p:sp>
+        <p:nvSpPr>
+          <p:cNvPr id="27" name="Textfeld 26">
+            <a:extLst>
+              <a:ext uri="{FF2B5EF4-FFF2-40B4-BE49-F238E27FC236}">
+                <a16:creationId xmlns:a16="http://schemas.microsoft.com/office/drawing/2014/main" id="{B5C4D795-5EE9-1C4C-8993-333E1A5521D3}"/>
+              </a:ext>
+            </a:extLst>
+          </p:cNvPr>
+          <p:cNvSpPr txBox="1"/>
+          <p:nvPr/>
+        </p:nvSpPr>
+        <p:spPr>
+          <a:xfrm>
+            <a:off x="5141938" y="2771802"/>
+            <a:ext cx="1263487" cy="246221"/>
+          </a:xfrm>
+          <a:prstGeom prst="rect">
+            <a:avLst/>
+          </a:prstGeom>
+          <a:noFill/>
+        </p:spPr>
+        <p:txBody>
+          <a:bodyPr wrap="none" rtlCol="0">
+            <a:spAutoFit/>
+          </a:bodyPr>
+          <a:lstStyle>
+            <a:defPPr>
+              <a:defRPr lang="de-DE"/>
+            </a:defPPr>
+            <a:lvl1pPr>
+              <a:defRPr sz="1000">
+                <a:solidFill>
+                  <a:schemeClr val="bg1">
+                    <a:lumMod val="50000"/>
+                  </a:schemeClr>
+                </a:solidFill>
+              </a:defRPr>
+            </a:lvl1pPr>
+          </a:lstStyle>
+          <a:p>
+            <a:r>
+              <a:rPr lang="de-DE" dirty="0"/>
+              <a:t>SELECTI BEVESTIGEN</a:t>
+            </a:r>
+          </a:p>
+        </p:txBody>
+      </p:sp>
+      <p:sp>
+        <p:nvSpPr>
+          <p:cNvPr id="28" name="Textfeld 27">
+            <a:extLst>
+              <a:ext uri="{FF2B5EF4-FFF2-40B4-BE49-F238E27FC236}">
+                <a16:creationId xmlns:a16="http://schemas.microsoft.com/office/drawing/2014/main" id="{178B4F6A-28E7-FA4F-ACCC-1554ACB911FD}"/>
+              </a:ext>
+            </a:extLst>
+          </p:cNvPr>
+          <p:cNvSpPr txBox="1"/>
+          <p:nvPr/>
+        </p:nvSpPr>
+        <p:spPr>
+          <a:xfrm>
+            <a:off x="5154602" y="3281041"/>
+            <a:ext cx="723275" cy="246221"/>
+          </a:xfrm>
+          <a:prstGeom prst="rect">
+            <a:avLst/>
+          </a:prstGeom>
+          <a:noFill/>
+        </p:spPr>
+        <p:txBody>
+          <a:bodyPr wrap="none" rtlCol="0">
+            <a:spAutoFit/>
+          </a:bodyPr>
+          <a:lstStyle>
+            <a:defPPr>
+              <a:defRPr lang="de-DE"/>
+            </a:defPPr>
+            <a:lvl1pPr>
+              <a:defRPr sz="1000">
+                <a:solidFill>
+                  <a:schemeClr val="bg1">
+                    <a:lumMod val="50000"/>
+                  </a:schemeClr>
+                </a:solidFill>
+              </a:defRPr>
+            </a:lvl1pPr>
+          </a:lstStyle>
+          <a:p>
+            <a:r>
+              <a:rPr lang="de-DE" dirty="0"/>
+              <a:t>GA TERUG</a:t>
+            </a:r>
+          </a:p>
+        </p:txBody>
+      </p:sp>
+      <p:sp>
+        <p:nvSpPr>
+          <p:cNvPr id="29" name="Textfeld 28">
+            <a:extLst>
+              <a:ext uri="{FF2B5EF4-FFF2-40B4-BE49-F238E27FC236}">
+                <a16:creationId xmlns:a16="http://schemas.microsoft.com/office/drawing/2014/main" id="{3245B12B-EAC1-594B-BF18-C31FE284788F}"/>
+              </a:ext>
+            </a:extLst>
+          </p:cNvPr>
+          <p:cNvSpPr txBox="1"/>
+          <p:nvPr/>
+        </p:nvSpPr>
+        <p:spPr>
+          <a:xfrm>
+            <a:off x="5141938" y="3790280"/>
+            <a:ext cx="1471878" cy="400110"/>
+          </a:xfrm>
+          <a:prstGeom prst="rect">
+            <a:avLst/>
+          </a:prstGeom>
+          <a:noFill/>
+        </p:spPr>
+        <p:txBody>
+          <a:bodyPr wrap="none" rtlCol="0">
+            <a:spAutoFit/>
+          </a:bodyPr>
+          <a:lstStyle>
+            <a:defPPr>
+              <a:defRPr lang="de-DE"/>
+            </a:defPPr>
+            <a:lvl1pPr>
+              <a:defRPr sz="1000">
+                <a:solidFill>
+                  <a:schemeClr val="bg1">
+                    <a:lumMod val="50000"/>
+                  </a:schemeClr>
+                </a:solidFill>
+              </a:defRPr>
+            </a:lvl1pPr>
+          </a:lstStyle>
+          <a:p>
+            <a:r>
+              <a:rPr lang="de-DE" dirty="0"/>
+              <a:t>SPELERBEDIENING (OSD)</a:t>
+            </a:r>
+          </a:p>
+          <a:p>
+            <a:r>
+              <a:rPr lang="de-DE" dirty="0"/>
+              <a:t>CONTEXTMENU</a:t>
+            </a:r>
+          </a:p>
+        </p:txBody>
+      </p:sp>
+      <p:sp>
+        <p:nvSpPr>
+          <p:cNvPr id="30" name="Textfeld 29">
+            <a:extLst>
+              <a:ext uri="{FF2B5EF4-FFF2-40B4-BE49-F238E27FC236}">
+                <a16:creationId xmlns:a16="http://schemas.microsoft.com/office/drawing/2014/main" id="{124DBCBC-9CB8-D149-9F5D-BAEE0DD6DECD}"/>
+              </a:ext>
+            </a:extLst>
+          </p:cNvPr>
+          <p:cNvSpPr txBox="1"/>
+          <p:nvPr/>
+        </p:nvSpPr>
+        <p:spPr>
+          <a:xfrm>
+            <a:off x="5141938" y="4408323"/>
+            <a:ext cx="1880643" cy="246221"/>
+          </a:xfrm>
+          <a:prstGeom prst="rect">
+            <a:avLst/>
+          </a:prstGeom>
+          <a:noFill/>
+        </p:spPr>
+        <p:txBody>
+          <a:bodyPr wrap="none" rtlCol="0">
+            <a:spAutoFit/>
+          </a:bodyPr>
+          <a:lstStyle/>
+          <a:p>
+            <a:r>
+              <a:rPr lang="de-DE" sz="1000" dirty="0">
+                <a:solidFill>
+                  <a:schemeClr val="bg1">
+                    <a:lumMod val="50000"/>
+                  </a:schemeClr>
+                </a:solidFill>
+              </a:rPr>
+              <a:t>VOLUME VERHOGEN/VERLAGEN</a:t>
+            </a:r>
+          </a:p>
+        </p:txBody>
+      </p:sp>
+      <p:sp>
+        <p:nvSpPr>
+          <p:cNvPr id="32" name="Textfeld 31">
+            <a:extLst>
+              <a:ext uri="{FF2B5EF4-FFF2-40B4-BE49-F238E27FC236}">
+                <a16:creationId xmlns:a16="http://schemas.microsoft.com/office/drawing/2014/main" id="{DD15E173-06DF-6742-A992-3E66A88592AE}"/>
+              </a:ext>
+            </a:extLst>
+          </p:cNvPr>
+          <p:cNvSpPr txBox="1"/>
+          <p:nvPr/>
+        </p:nvSpPr>
+        <p:spPr>
+          <a:xfrm>
+            <a:off x="4900685" y="5026822"/>
+            <a:ext cx="2363147" cy="200055"/>
+          </a:xfrm>
+          <a:prstGeom prst="rect">
+            <a:avLst/>
+          </a:prstGeom>
+          <a:noFill/>
+        </p:spPr>
+        <p:txBody>
+          <a:bodyPr wrap="none" rtlCol="0">
+            <a:spAutoFit/>
+          </a:bodyPr>
+          <a:lstStyle/>
+          <a:p>
+            <a:r>
+              <a:rPr lang="de-DE" sz="700" dirty="0">
+                <a:solidFill>
+                  <a:schemeClr val="bg1">
+                    <a:lumMod val="50000"/>
+                  </a:schemeClr>
+                </a:solidFill>
+              </a:rPr>
+              <a:t>GEBAARSYMBOLEN VAN HTTP://SOMERANDOMDUDE.COM</a:t>
+            </a:r>
+          </a:p>
+        </p:txBody>
+      </p:sp>
+      <p:sp>
+        <p:nvSpPr>
+          <p:cNvPr id="15" name="Textfeld 14">
+            <a:extLst>
+              <a:ext uri="{FF2B5EF4-FFF2-40B4-BE49-F238E27FC236}">
+                <a16:creationId xmlns:a16="http://schemas.microsoft.com/office/drawing/2014/main" id="{81989EBB-5D76-BF42-9E65-22F0582FEF9F}"/>
+              </a:ext>
+            </a:extLst>
+          </p:cNvPr>
+          <p:cNvSpPr txBox="1"/>
+          <p:nvPr/>
+        </p:nvSpPr>
+        <p:spPr>
+          <a:xfrm>
+            <a:off x="7769420" y="1199345"/>
+            <a:ext cx="431528" cy="369332"/>
+          </a:xfrm>
+          <a:prstGeom prst="rect">
+            <a:avLst/>
+          </a:prstGeom>
+          <a:noFill/>
+        </p:spPr>
+        <p:txBody>
+          <a:bodyPr wrap="none" rtlCol="0">
+            <a:spAutoFit/>
+          </a:bodyPr>
+          <a:lstStyle/>
+          <a:p>
+            <a:r>
+              <a:rPr lang="de-DE" dirty="0">
+                <a:solidFill>
+                  <a:schemeClr val="bg1"/>
+                </a:solidFill>
+              </a:rPr>
+              <a:t>NL</a:t>
+            </a:r>
+          </a:p>
+        </p:txBody>
+      </p:sp>
+    </p:spTree>
+    <p:extLst>
+      <p:ext uri="{BB962C8B-B14F-4D97-AF65-F5344CB8AC3E}">
+        <p14:creationId xmlns:p14="http://schemas.microsoft.com/office/powerpoint/2010/main" val="2335518376"/>
+      </p:ext>
+    </p:extLst>
+  </p:cSld>
+  <p:clrMapOvr>
+    <a:masterClrMapping/>
+  </p:clrMapOvr>
+</p:sld>
+</file>
+
+<file path=ppt/slides/slide16.xml><?xml version="1.0" encoding="utf-8"?>
+<p:sld xmlns:a="http://schemas.openxmlformats.org/drawingml/2006/main" xmlns:r="http://schemas.openxmlformats.org/officeDocument/2006/relationships" xmlns:p="http://schemas.openxmlformats.org/presentationml/2006/main">
+  <p:cSld>
+    <p:bg>
+      <p:bgPr>
+        <a:solidFill>
+          <a:schemeClr val="tx1">
+            <a:lumMod val="85000"/>
+            <a:lumOff val="15000"/>
+          </a:schemeClr>
+        </a:solidFill>
+        <a:effectLst/>
+      </p:bgPr>
+    </p:bg>
+    <p:spTree>
+      <p:nvGrpSpPr>
+        <p:cNvPr id="1" name=""/>
+        <p:cNvGrpSpPr/>
+        <p:nvPr/>
+      </p:nvGrpSpPr>
+      <p:grpSpPr>
+        <a:xfrm>
+          <a:off x="0" y="0"/>
+          <a:ext cx="0" cy="0"/>
+          <a:chOff x="0" y="0"/>
+          <a:chExt cx="0" cy="0"/>
+        </a:xfrm>
+      </p:grpSpPr>
       <p:pic>
         <p:nvPicPr>
-          <p:cNvPr id="8" name="Grafik 7">
-            <a:extLst>
-              <a:ext uri="{FF2B5EF4-FFF2-40B4-BE49-F238E27FC236}">
-                <a16:creationId xmlns:a16="http://schemas.microsoft.com/office/drawing/2014/main" id="{994F5083-118B-1E40-BB40-CA1E1E87C3E7}"/>
+          <p:cNvPr id="4" name="Grafik 3">
+            <a:extLst>
+              <a:ext uri="{FF2B5EF4-FFF2-40B4-BE49-F238E27FC236}">
+                <a16:creationId xmlns:a16="http://schemas.microsoft.com/office/drawing/2014/main" id="{B44FC877-EC86-0943-A8EB-F69223128844}"/>
               </a:ext>
             </a:extLst>
           </p:cNvPr>
@@ -6816,48 +10009,632 @@
           <p:nvPr/>
         </p:nvPicPr>
         <p:blipFill>
-          <a:blip r:embed="rId7">
-            <a:duotone>
-              <a:prstClr val="black"/>
-              <a:schemeClr val="tx1">
-                <a:lumMod val="95000"/>
-                <a:lumOff val="5000"/>
-                <a:tint val="45000"/>
-                <a:satMod val="400000"/>
-              </a:schemeClr>
-            </a:duotone>
-            <a:extLst>
-              <a:ext uri="{BEBA8EAE-BF5A-486C-A8C5-ECC9F3942E4B}">
-                <a14:imgProps xmlns:a14="http://schemas.microsoft.com/office/drawing/2010/main">
-                  <a14:imgLayer>
-                    <a14:imgEffect>
-                      <a14:brightnessContrast bright="-20000"/>
-                    </a14:imgEffect>
-                  </a14:imgLayer>
-                </a14:imgProps>
-              </a:ext>
-            </a:extLst>
-          </a:blip>
+          <a:blip r:embed="rId3"/>
           <a:stretch>
             <a:fillRect/>
           </a:stretch>
         </p:blipFill>
         <p:spPr>
           <a:xfrm>
-            <a:off x="5178274" y="3275322"/>
-            <a:ext cx="1397000" cy="304800"/>
+            <a:off x="4279900" y="1612900"/>
+            <a:ext cx="3632200" cy="3632200"/>
           </a:xfrm>
           <a:prstGeom prst="rect">
             <a:avLst/>
           </a:prstGeom>
         </p:spPr>
       </p:pic>
+      <p:sp>
+        <p:nvSpPr>
+          <p:cNvPr id="5" name="Textfeld 4">
+            <a:extLst>
+              <a:ext uri="{FF2B5EF4-FFF2-40B4-BE49-F238E27FC236}">
+                <a16:creationId xmlns:a16="http://schemas.microsoft.com/office/drawing/2014/main" id="{48B1F0FE-57B2-434C-8708-97EA6E3B85CB}"/>
+              </a:ext>
+            </a:extLst>
+          </p:cNvPr>
+          <p:cNvSpPr txBox="1"/>
+          <p:nvPr/>
+        </p:nvSpPr>
+        <p:spPr>
+          <a:xfrm>
+            <a:off x="4609042" y="2482221"/>
+            <a:ext cx="423514" cy="200055"/>
+          </a:xfrm>
+          <a:prstGeom prst="rect">
+            <a:avLst/>
+          </a:prstGeom>
+          <a:noFill/>
+        </p:spPr>
+        <p:txBody>
+          <a:bodyPr wrap="none" rtlCol="0">
+            <a:spAutoFit/>
+          </a:bodyPr>
+          <a:lstStyle/>
+          <a:p>
+            <a:r>
+              <a:rPr lang="de-DE" sz="700" b="1" dirty="0">
+                <a:solidFill>
+                  <a:srgbClr val="007AFD"/>
+                </a:solidFill>
+              </a:rPr>
+              <a:t>SWIPE</a:t>
+            </a:r>
+          </a:p>
+        </p:txBody>
+      </p:sp>
+      <p:sp>
+        <p:nvSpPr>
+          <p:cNvPr id="21" name="Textfeld 20">
+            <a:extLst>
+              <a:ext uri="{FF2B5EF4-FFF2-40B4-BE49-F238E27FC236}">
+                <a16:creationId xmlns:a16="http://schemas.microsoft.com/office/drawing/2014/main" id="{5EF60413-5938-5B4C-9675-572500704735}"/>
+              </a:ext>
+            </a:extLst>
+          </p:cNvPr>
+          <p:cNvSpPr txBox="1"/>
+          <p:nvPr/>
+        </p:nvSpPr>
+        <p:spPr>
+          <a:xfrm>
+            <a:off x="4654728" y="2971171"/>
+            <a:ext cx="332142" cy="200055"/>
+          </a:xfrm>
+          <a:prstGeom prst="rect">
+            <a:avLst/>
+          </a:prstGeom>
+          <a:noFill/>
+        </p:spPr>
+        <p:txBody>
+          <a:bodyPr wrap="none" rtlCol="0">
+            <a:spAutoFit/>
+          </a:bodyPr>
+          <a:lstStyle/>
+          <a:p>
+            <a:r>
+              <a:rPr lang="de-DE" sz="700" b="1" dirty="0">
+                <a:solidFill>
+                  <a:srgbClr val="007AFD"/>
+                </a:solidFill>
+              </a:rPr>
+              <a:t>TAP</a:t>
+            </a:r>
+          </a:p>
+        </p:txBody>
+      </p:sp>
+      <p:sp>
+        <p:nvSpPr>
+          <p:cNvPr id="22" name="Textfeld 21">
+            <a:extLst>
+              <a:ext uri="{FF2B5EF4-FFF2-40B4-BE49-F238E27FC236}">
+                <a16:creationId xmlns:a16="http://schemas.microsoft.com/office/drawing/2014/main" id="{BD754D90-7C76-FF41-BB86-87D36CBC704F}"/>
+              </a:ext>
+            </a:extLst>
+          </p:cNvPr>
+          <p:cNvSpPr txBox="1"/>
+          <p:nvPr/>
+        </p:nvSpPr>
+        <p:spPr>
+          <a:xfrm>
+            <a:off x="4532098" y="3507915"/>
+            <a:ext cx="577402" cy="200055"/>
+          </a:xfrm>
+          <a:prstGeom prst="rect">
+            <a:avLst/>
+          </a:prstGeom>
+          <a:noFill/>
+        </p:spPr>
+        <p:txBody>
+          <a:bodyPr wrap="none" rtlCol="0">
+            <a:spAutoFit/>
+          </a:bodyPr>
+          <a:lstStyle/>
+          <a:p>
+            <a:r>
+              <a:rPr lang="de-DE" sz="700" b="1" dirty="0">
+                <a:solidFill>
+                  <a:srgbClr val="007AFD"/>
+                </a:solidFill>
+              </a:rPr>
+              <a:t>DVOJÍ TAP</a:t>
+            </a:r>
+          </a:p>
+        </p:txBody>
+      </p:sp>
+      <p:sp>
+        <p:nvSpPr>
+          <p:cNvPr id="23" name="Textfeld 22">
+            <a:extLst>
+              <a:ext uri="{FF2B5EF4-FFF2-40B4-BE49-F238E27FC236}">
+                <a16:creationId xmlns:a16="http://schemas.microsoft.com/office/drawing/2014/main" id="{0989A3E2-90D2-E345-BB07-B501401BC965}"/>
+              </a:ext>
+            </a:extLst>
+          </p:cNvPr>
+          <p:cNvSpPr txBox="1"/>
+          <p:nvPr/>
+        </p:nvSpPr>
+        <p:spPr>
+          <a:xfrm>
+            <a:off x="4375806" y="4044659"/>
+            <a:ext cx="889987" cy="200055"/>
+          </a:xfrm>
+          <a:prstGeom prst="rect">
+            <a:avLst/>
+          </a:prstGeom>
+          <a:noFill/>
+        </p:spPr>
+        <p:txBody>
+          <a:bodyPr wrap="none" rtlCol="0">
+            <a:spAutoFit/>
+          </a:bodyPr>
+          <a:lstStyle/>
+          <a:p>
+            <a:r>
+              <a:rPr lang="de-DE" sz="700" b="1" dirty="0">
+                <a:solidFill>
+                  <a:srgbClr val="007AFD"/>
+                </a:solidFill>
+              </a:rPr>
+              <a:t>KLEPNĚTE A DRŽTE</a:t>
+            </a:r>
+          </a:p>
+        </p:txBody>
+      </p:sp>
+      <p:sp>
+        <p:nvSpPr>
+          <p:cNvPr id="24" name="Textfeld 23">
+            <a:extLst>
+              <a:ext uri="{FF2B5EF4-FFF2-40B4-BE49-F238E27FC236}">
+                <a16:creationId xmlns:a16="http://schemas.microsoft.com/office/drawing/2014/main" id="{C60A58CB-08D7-B04A-8005-F51A20991E7F}"/>
+              </a:ext>
+            </a:extLst>
+          </p:cNvPr>
+          <p:cNvSpPr txBox="1"/>
+          <p:nvPr/>
+        </p:nvSpPr>
+        <p:spPr>
+          <a:xfrm>
+            <a:off x="4564158" y="4736809"/>
+            <a:ext cx="513282" cy="200055"/>
+          </a:xfrm>
+          <a:prstGeom prst="rect">
+            <a:avLst/>
+          </a:prstGeom>
+          <a:noFill/>
+        </p:spPr>
+        <p:txBody>
+          <a:bodyPr wrap="none" rtlCol="0">
+            <a:spAutoFit/>
+          </a:bodyPr>
+          <a:lstStyle/>
+          <a:p>
+            <a:r>
+              <a:rPr lang="de-DE" sz="700" b="1" dirty="0">
+                <a:solidFill>
+                  <a:srgbClr val="007AFD"/>
+                </a:solidFill>
+              </a:rPr>
+              <a:t>TOČIT SE</a:t>
+            </a:r>
+          </a:p>
+        </p:txBody>
+      </p:sp>
+      <p:sp>
+        <p:nvSpPr>
+          <p:cNvPr id="25" name="Textfeld 24">
+            <a:extLst>
+              <a:ext uri="{FF2B5EF4-FFF2-40B4-BE49-F238E27FC236}">
+                <a16:creationId xmlns:a16="http://schemas.microsoft.com/office/drawing/2014/main" id="{F651C9BC-DCB3-FA47-8653-4C8BA7CE138E}"/>
+              </a:ext>
+            </a:extLst>
+          </p:cNvPr>
+          <p:cNvSpPr txBox="1"/>
+          <p:nvPr/>
+        </p:nvSpPr>
+        <p:spPr>
+          <a:xfrm>
+            <a:off x="5424002" y="1676187"/>
+            <a:ext cx="1270028" cy="369332"/>
+          </a:xfrm>
+          <a:prstGeom prst="rect">
+            <a:avLst/>
+          </a:prstGeom>
+          <a:noFill/>
+        </p:spPr>
+        <p:txBody>
+          <a:bodyPr wrap="none" rtlCol="0">
+            <a:spAutoFit/>
+          </a:bodyPr>
+          <a:lstStyle/>
+          <a:p>
+            <a:r>
+              <a:rPr lang="de-DE" b="1" dirty="0">
+                <a:solidFill>
+                  <a:schemeClr val="bg1">
+                    <a:lumMod val="50000"/>
+                  </a:schemeClr>
+                </a:solidFill>
+              </a:rPr>
+              <a:t>ZÓNA GEST</a:t>
+            </a:r>
+          </a:p>
+        </p:txBody>
+      </p:sp>
+      <p:sp>
+        <p:nvSpPr>
+          <p:cNvPr id="26" name="Textfeld 25">
+            <a:extLst>
+              <a:ext uri="{FF2B5EF4-FFF2-40B4-BE49-F238E27FC236}">
+                <a16:creationId xmlns:a16="http://schemas.microsoft.com/office/drawing/2014/main" id="{28C8C081-5D02-324D-BDDD-4532DC90E78D}"/>
+              </a:ext>
+            </a:extLst>
+          </p:cNvPr>
+          <p:cNvSpPr txBox="1"/>
+          <p:nvPr/>
+        </p:nvSpPr>
+        <p:spPr>
+          <a:xfrm>
+            <a:off x="5141938" y="2108210"/>
+            <a:ext cx="2624436" cy="461665"/>
+          </a:xfrm>
+          <a:prstGeom prst="rect">
+            <a:avLst/>
+          </a:prstGeom>
+          <a:noFill/>
+        </p:spPr>
+        <p:txBody>
+          <a:bodyPr wrap="none" rtlCol="0">
+            <a:spAutoFit/>
+          </a:bodyPr>
+          <a:lstStyle/>
+          <a:p>
+            <a:r>
+              <a:rPr lang="de-DE" sz="800" dirty="0">
+                <a:solidFill>
+                  <a:schemeClr val="bg1">
+                    <a:lumMod val="50000"/>
+                  </a:schemeClr>
+                </a:solidFill>
+              </a:rPr>
+              <a:t>NAVIGACE NAHORU/DOLŮ/DOLEVA/DOPRAVA</a:t>
+            </a:r>
+          </a:p>
+          <a:p>
+            <a:r>
+              <a:rPr lang="de-DE" sz="800" dirty="0">
+                <a:solidFill>
+                  <a:schemeClr val="bg1">
+                    <a:lumMod val="50000"/>
+                  </a:schemeClr>
+                </a:solidFill>
+              </a:rPr>
+              <a:t>VIDEO OBRAZOVCE: MALÝ ZPĚT/VPŘED</a:t>
+            </a:r>
+          </a:p>
+          <a:p>
+            <a:r>
+              <a:rPr lang="de-DE" sz="800" dirty="0">
+                <a:solidFill>
+                  <a:schemeClr val="bg1">
+                    <a:lumMod val="50000"/>
+                  </a:schemeClr>
+                </a:solidFill>
+              </a:rPr>
+              <a:t>HUDEBNÍ OBRAZOVKA: PŘEDCHOZÍ/NÁSLEDUJÍCÍ SKLADBA</a:t>
+            </a:r>
+            <a:endParaRPr lang="de-DE" sz="700" dirty="0">
+              <a:solidFill>
+                <a:schemeClr val="bg1">
+                  <a:lumMod val="50000"/>
+                </a:schemeClr>
+              </a:solidFill>
+            </a:endParaRPr>
+          </a:p>
+        </p:txBody>
+      </p:sp>
+      <p:sp>
+        <p:nvSpPr>
+          <p:cNvPr id="27" name="Textfeld 26">
+            <a:extLst>
+              <a:ext uri="{FF2B5EF4-FFF2-40B4-BE49-F238E27FC236}">
+                <a16:creationId xmlns:a16="http://schemas.microsoft.com/office/drawing/2014/main" id="{B5C4D795-5EE9-1C4C-8993-333E1A5521D3}"/>
+              </a:ext>
+            </a:extLst>
+          </p:cNvPr>
+          <p:cNvSpPr txBox="1"/>
+          <p:nvPr/>
+        </p:nvSpPr>
+        <p:spPr>
+          <a:xfrm>
+            <a:off x="5141246" y="2769599"/>
+            <a:ext cx="1107996" cy="246221"/>
+          </a:xfrm>
+          <a:prstGeom prst="rect">
+            <a:avLst/>
+          </a:prstGeom>
+          <a:noFill/>
+        </p:spPr>
+        <p:txBody>
+          <a:bodyPr wrap="none" rtlCol="0">
+            <a:spAutoFit/>
+          </a:bodyPr>
+          <a:lstStyle/>
+          <a:p>
+            <a:r>
+              <a:rPr lang="de-DE" sz="1000" dirty="0">
+                <a:solidFill>
+                  <a:schemeClr val="bg1">
+                    <a:lumMod val="50000"/>
+                  </a:schemeClr>
+                </a:solidFill>
+              </a:rPr>
+              <a:t>POTVRĎTE VÝBĚR</a:t>
+            </a:r>
+          </a:p>
+        </p:txBody>
+      </p:sp>
+      <p:sp>
+        <p:nvSpPr>
+          <p:cNvPr id="28" name="Textfeld 27">
+            <a:extLst>
+              <a:ext uri="{FF2B5EF4-FFF2-40B4-BE49-F238E27FC236}">
+                <a16:creationId xmlns:a16="http://schemas.microsoft.com/office/drawing/2014/main" id="{178B4F6A-28E7-FA4F-ACCC-1554ACB911FD}"/>
+              </a:ext>
+            </a:extLst>
+          </p:cNvPr>
+          <p:cNvSpPr txBox="1"/>
+          <p:nvPr/>
+        </p:nvSpPr>
+        <p:spPr>
+          <a:xfrm>
+            <a:off x="5141246" y="3281041"/>
+            <a:ext cx="771365" cy="246221"/>
+          </a:xfrm>
+          <a:prstGeom prst="rect">
+            <a:avLst/>
+          </a:prstGeom>
+          <a:noFill/>
+        </p:spPr>
+        <p:txBody>
+          <a:bodyPr wrap="none" rtlCol="0">
+            <a:spAutoFit/>
+          </a:bodyPr>
+          <a:lstStyle/>
+          <a:p>
+            <a:r>
+              <a:rPr lang="de-DE" sz="1000" dirty="0">
+                <a:solidFill>
+                  <a:schemeClr val="bg1">
+                    <a:lumMod val="50000"/>
+                  </a:schemeClr>
+                </a:solidFill>
+              </a:rPr>
+              <a:t>JDĚTE ZPĚT</a:t>
+            </a:r>
+          </a:p>
+        </p:txBody>
+      </p:sp>
+      <p:sp>
+        <p:nvSpPr>
+          <p:cNvPr id="29" name="Textfeld 28">
+            <a:extLst>
+              <a:ext uri="{FF2B5EF4-FFF2-40B4-BE49-F238E27FC236}">
+                <a16:creationId xmlns:a16="http://schemas.microsoft.com/office/drawing/2014/main" id="{3245B12B-EAC1-594B-BF18-C31FE284788F}"/>
+              </a:ext>
+            </a:extLst>
+          </p:cNvPr>
+          <p:cNvSpPr txBox="1"/>
+          <p:nvPr/>
+        </p:nvSpPr>
+        <p:spPr>
+          <a:xfrm>
+            <a:off x="5141938" y="3790280"/>
+            <a:ext cx="1792478" cy="400110"/>
+          </a:xfrm>
+          <a:prstGeom prst="rect">
+            <a:avLst/>
+          </a:prstGeom>
+          <a:noFill/>
+        </p:spPr>
+        <p:txBody>
+          <a:bodyPr wrap="none" rtlCol="0">
+            <a:spAutoFit/>
+          </a:bodyPr>
+          <a:lstStyle/>
+          <a:p>
+            <a:r>
+              <a:rPr lang="de-DE" sz="1000" dirty="0">
+                <a:solidFill>
+                  <a:schemeClr val="bg1">
+                    <a:lumMod val="50000"/>
+                  </a:schemeClr>
+                </a:solidFill>
+              </a:rPr>
+              <a:t>OVLÁDÁNÍ PŘEHRÁVAČE (OSD)</a:t>
+            </a:r>
+          </a:p>
+          <a:p>
+            <a:r>
+              <a:rPr lang="de-DE" sz="1000" dirty="0">
+                <a:solidFill>
+                  <a:schemeClr val="bg1">
+                    <a:lumMod val="50000"/>
+                  </a:schemeClr>
+                </a:solidFill>
+              </a:rPr>
+              <a:t>KONTEXTOVÁ NABÍDKA</a:t>
+            </a:r>
+          </a:p>
+        </p:txBody>
+      </p:sp>
+      <p:sp>
+        <p:nvSpPr>
+          <p:cNvPr id="30" name="Textfeld 29">
+            <a:extLst>
+              <a:ext uri="{FF2B5EF4-FFF2-40B4-BE49-F238E27FC236}">
+                <a16:creationId xmlns:a16="http://schemas.microsoft.com/office/drawing/2014/main" id="{124DBCBC-9CB8-D149-9F5D-BAEE0DD6DECD}"/>
+              </a:ext>
+            </a:extLst>
+          </p:cNvPr>
+          <p:cNvSpPr txBox="1"/>
+          <p:nvPr/>
+        </p:nvSpPr>
+        <p:spPr>
+          <a:xfrm>
+            <a:off x="5141938" y="4408323"/>
+            <a:ext cx="1508746" cy="246221"/>
+          </a:xfrm>
+          <a:prstGeom prst="rect">
+            <a:avLst/>
+          </a:prstGeom>
+          <a:noFill/>
+        </p:spPr>
+        <p:txBody>
+          <a:bodyPr wrap="none" rtlCol="0">
+            <a:spAutoFit/>
+          </a:bodyPr>
+          <a:lstStyle/>
+          <a:p>
+            <a:r>
+              <a:rPr lang="de-DE" sz="1000" dirty="0">
+                <a:solidFill>
+                  <a:schemeClr val="bg1">
+                    <a:lumMod val="50000"/>
+                  </a:schemeClr>
+                </a:solidFill>
+              </a:rPr>
+              <a:t>ZVÝŠIT/SNÍŽIT HLASITOST</a:t>
+            </a:r>
+          </a:p>
+        </p:txBody>
+      </p:sp>
+      <p:sp>
+        <p:nvSpPr>
+          <p:cNvPr id="32" name="Textfeld 31">
+            <a:extLst>
+              <a:ext uri="{FF2B5EF4-FFF2-40B4-BE49-F238E27FC236}">
+                <a16:creationId xmlns:a16="http://schemas.microsoft.com/office/drawing/2014/main" id="{DD15E173-06DF-6742-A992-3E66A88592AE}"/>
+              </a:ext>
+            </a:extLst>
+          </p:cNvPr>
+          <p:cNvSpPr txBox="1"/>
+          <p:nvPr/>
+        </p:nvSpPr>
+        <p:spPr>
+          <a:xfrm>
+            <a:off x="5073925" y="5008012"/>
+            <a:ext cx="2044149" cy="200055"/>
+          </a:xfrm>
+          <a:prstGeom prst="rect">
+            <a:avLst/>
+          </a:prstGeom>
+          <a:noFill/>
+        </p:spPr>
+        <p:txBody>
+          <a:bodyPr wrap="none" rtlCol="0">
+            <a:spAutoFit/>
+          </a:bodyPr>
+          <a:lstStyle/>
+          <a:p>
+            <a:r>
+              <a:rPr lang="de-DE" sz="700" dirty="0">
+                <a:solidFill>
+                  <a:schemeClr val="bg1">
+                    <a:lumMod val="50000"/>
+                  </a:schemeClr>
+                </a:solidFill>
+              </a:rPr>
+              <a:t>IKONY GEST OD HTTP://SOMERANDOMDUDE.COM</a:t>
+            </a:r>
+          </a:p>
+        </p:txBody>
+      </p:sp>
+      <p:sp>
+        <p:nvSpPr>
+          <p:cNvPr id="15" name="Textfeld 14">
+            <a:extLst>
+              <a:ext uri="{FF2B5EF4-FFF2-40B4-BE49-F238E27FC236}">
+                <a16:creationId xmlns:a16="http://schemas.microsoft.com/office/drawing/2014/main" id="{81989EBB-5D76-BF42-9E65-22F0582FEF9F}"/>
+              </a:ext>
+            </a:extLst>
+          </p:cNvPr>
+          <p:cNvSpPr txBox="1"/>
+          <p:nvPr/>
+        </p:nvSpPr>
+        <p:spPr>
+          <a:xfrm>
+            <a:off x="7769420" y="1199345"/>
+            <a:ext cx="413896" cy="369332"/>
+          </a:xfrm>
+          <a:prstGeom prst="rect">
+            <a:avLst/>
+          </a:prstGeom>
+          <a:noFill/>
+        </p:spPr>
+        <p:txBody>
+          <a:bodyPr wrap="none" rtlCol="0">
+            <a:spAutoFit/>
+          </a:bodyPr>
+          <a:lstStyle/>
+          <a:p>
+            <a:r>
+              <a:rPr lang="de-DE" dirty="0">
+                <a:solidFill>
+                  <a:schemeClr val="bg1"/>
+                </a:solidFill>
+              </a:rPr>
+              <a:t>CS</a:t>
+            </a:r>
+          </a:p>
+        </p:txBody>
+      </p:sp>
+    </p:spTree>
+    <p:extLst>
+      <p:ext uri="{BB962C8B-B14F-4D97-AF65-F5344CB8AC3E}">
+        <p14:creationId xmlns:p14="http://schemas.microsoft.com/office/powerpoint/2010/main" val="170760995"/>
+      </p:ext>
+    </p:extLst>
+  </p:cSld>
+  <p:clrMapOvr>
+    <a:masterClrMapping/>
+  </p:clrMapOvr>
+</p:sld>
+</file>
+
+<file path=ppt/slides/slide17.xml><?xml version="1.0" encoding="utf-8"?>
+<p:sld xmlns:a="http://schemas.openxmlformats.org/drawingml/2006/main" xmlns:r="http://schemas.openxmlformats.org/officeDocument/2006/relationships" xmlns:p="http://schemas.openxmlformats.org/presentationml/2006/main">
+  <p:cSld>
+    <p:bg>
+      <p:bgPr>
+        <a:solidFill>
+          <a:schemeClr val="tx1">
+            <a:lumMod val="85000"/>
+            <a:lumOff val="15000"/>
+          </a:schemeClr>
+        </a:solidFill>
+        <a:effectLst/>
+      </p:bgPr>
+    </p:bg>
+    <p:spTree>
+      <p:nvGrpSpPr>
+        <p:cNvPr id="1" name=""/>
+        <p:cNvGrpSpPr/>
+        <p:nvPr/>
+      </p:nvGrpSpPr>
+      <p:grpSpPr>
+        <a:xfrm>
+          <a:off x="0" y="0"/>
+          <a:ext cx="0" cy="0"/>
+          <a:chOff x="0" y="0"/>
+          <a:chExt cx="0" cy="0"/>
+        </a:xfrm>
+      </p:grpSpPr>
       <p:pic>
         <p:nvPicPr>
-          <p:cNvPr id="9" name="Grafik 8">
-            <a:extLst>
-              <a:ext uri="{FF2B5EF4-FFF2-40B4-BE49-F238E27FC236}">
-                <a16:creationId xmlns:a16="http://schemas.microsoft.com/office/drawing/2014/main" id="{3292B8AD-EB4C-4543-953E-A3988899CC9F}"/>
+          <p:cNvPr id="4" name="Grafik 3">
+            <a:extLst>
+              <a:ext uri="{FF2B5EF4-FFF2-40B4-BE49-F238E27FC236}">
+                <a16:creationId xmlns:a16="http://schemas.microsoft.com/office/drawing/2014/main" id="{B44FC877-EC86-0943-A8EB-F69223128844}"/>
               </a:ext>
             </a:extLst>
           </p:cNvPr>
@@ -6867,352 +10644,607 @@
           <p:nvPr/>
         </p:nvPicPr>
         <p:blipFill>
-          <a:blip r:embed="rId8">
-            <a:duotone>
-              <a:prstClr val="black"/>
-              <a:schemeClr val="tx1">
-                <a:lumMod val="95000"/>
-                <a:lumOff val="5000"/>
-                <a:tint val="45000"/>
-                <a:satMod val="400000"/>
-              </a:schemeClr>
-            </a:duotone>
-            <a:extLst>
-              <a:ext uri="{BEBA8EAE-BF5A-486C-A8C5-ECC9F3942E4B}">
-                <a14:imgProps xmlns:a14="http://schemas.microsoft.com/office/drawing/2010/main">
-                  <a14:imgLayer>
-                    <a14:imgEffect>
-                      <a14:brightnessContrast bright="-20000"/>
-                    </a14:imgEffect>
-                  </a14:imgLayer>
-                </a14:imgProps>
-              </a:ext>
-            </a:extLst>
-          </a:blip>
+          <a:blip r:embed="rId3"/>
           <a:stretch>
             <a:fillRect/>
           </a:stretch>
         </p:blipFill>
         <p:spPr>
           <a:xfrm>
-            <a:off x="5169303" y="3817696"/>
-            <a:ext cx="1828800" cy="393700"/>
+            <a:off x="4279900" y="1612900"/>
+            <a:ext cx="3632200" cy="3632200"/>
           </a:xfrm>
           <a:prstGeom prst="rect">
             <a:avLst/>
           </a:prstGeom>
         </p:spPr>
       </p:pic>
-      <p:pic>
-        <p:nvPicPr>
-          <p:cNvPr id="10" name="Grafik 9">
-            <a:extLst>
-              <a:ext uri="{FF2B5EF4-FFF2-40B4-BE49-F238E27FC236}">
-                <a16:creationId xmlns:a16="http://schemas.microsoft.com/office/drawing/2014/main" id="{C1D281D8-B2DA-6A46-90B9-B281DAE90F1A}"/>
-              </a:ext>
-            </a:extLst>
-          </p:cNvPr>
-          <p:cNvPicPr>
-            <a:picLocks noChangeAspect="1"/>
-          </p:cNvPicPr>
-          <p:nvPr/>
-        </p:nvPicPr>
-        <p:blipFill>
-          <a:blip r:embed="rId9">
-            <a:duotone>
-              <a:prstClr val="black"/>
-              <a:schemeClr val="tx1">
-                <a:lumMod val="95000"/>
-                <a:lumOff val="5000"/>
-                <a:tint val="45000"/>
-                <a:satMod val="400000"/>
-              </a:schemeClr>
-            </a:duotone>
-            <a:extLst>
-              <a:ext uri="{BEBA8EAE-BF5A-486C-A8C5-ECC9F3942E4B}">
-                <a14:imgProps xmlns:a14="http://schemas.microsoft.com/office/drawing/2010/main">
-                  <a14:imgLayer>
-                    <a14:imgEffect>
-                      <a14:brightnessContrast bright="-20000"/>
-                    </a14:imgEffect>
-                  </a14:imgLayer>
-                </a14:imgProps>
-              </a:ext>
-            </a:extLst>
-          </a:blip>
-          <a:stretch>
-            <a:fillRect/>
-          </a:stretch>
-        </p:blipFill>
-        <p:spPr>
-          <a:xfrm>
-            <a:off x="5165583" y="4379668"/>
-            <a:ext cx="1104900" cy="279400"/>
-          </a:xfrm>
-          <a:prstGeom prst="rect">
-            <a:avLst/>
-          </a:prstGeom>
-        </p:spPr>
-      </p:pic>
-      <p:pic>
-        <p:nvPicPr>
-          <p:cNvPr id="11" name="Grafik 10">
-            <a:extLst>
-              <a:ext uri="{FF2B5EF4-FFF2-40B4-BE49-F238E27FC236}">
-                <a16:creationId xmlns:a16="http://schemas.microsoft.com/office/drawing/2014/main" id="{EEDB3875-96A2-B843-93A9-AFA1D55A4E72}"/>
-              </a:ext>
-            </a:extLst>
-          </p:cNvPr>
-          <p:cNvPicPr>
-            <a:picLocks noChangeAspect="1"/>
-          </p:cNvPicPr>
-          <p:nvPr/>
-        </p:nvPicPr>
-        <p:blipFill>
-          <a:blip r:embed="rId10">
-            <a:duotone>
-              <a:prstClr val="black"/>
-              <a:schemeClr val="tx1">
-                <a:lumMod val="95000"/>
-                <a:lumOff val="5000"/>
-                <a:tint val="45000"/>
-                <a:satMod val="400000"/>
-              </a:schemeClr>
-            </a:duotone>
-            <a:extLst>
-              <a:ext uri="{BEBA8EAE-BF5A-486C-A8C5-ECC9F3942E4B}">
-                <a14:imgProps xmlns:a14="http://schemas.microsoft.com/office/drawing/2010/main">
-                  <a14:imgLayer>
-                    <a14:imgEffect>
-                      <a14:brightnessContrast bright="-20000"/>
-                    </a14:imgEffect>
-                  </a14:imgLayer>
-                </a14:imgProps>
-              </a:ext>
-            </a:extLst>
-          </a:blip>
-          <a:stretch>
-            <a:fillRect/>
-          </a:stretch>
-        </p:blipFill>
-        <p:spPr>
-          <a:xfrm>
-            <a:off x="5172278" y="5048990"/>
-            <a:ext cx="508000" cy="101600"/>
-          </a:xfrm>
-          <a:prstGeom prst="rect">
-            <a:avLst/>
-          </a:prstGeom>
-        </p:spPr>
-      </p:pic>
-      <p:pic>
-        <p:nvPicPr>
-          <p:cNvPr id="12" name="Grafik 11">
-            <a:extLst>
-              <a:ext uri="{FF2B5EF4-FFF2-40B4-BE49-F238E27FC236}">
-                <a16:creationId xmlns:a16="http://schemas.microsoft.com/office/drawing/2014/main" id="{50ADA410-DF4A-7543-929D-B2A4DAC6D44B}"/>
-              </a:ext>
-            </a:extLst>
-          </p:cNvPr>
-          <p:cNvPicPr>
-            <a:picLocks noChangeAspect="1"/>
-          </p:cNvPicPr>
-          <p:nvPr/>
-        </p:nvPicPr>
-        <p:blipFill>
-          <a:blip r:embed="rId11">
-            <a:duotone>
-              <a:prstClr val="black"/>
-              <a:srgbClr val="0070C0">
-                <a:tint val="45000"/>
-                <a:satMod val="400000"/>
-              </a:srgbClr>
-            </a:duotone>
-            <a:extLst>
-              <a:ext uri="{BEBA8EAE-BF5A-486C-A8C5-ECC9F3942E4B}">
-                <a14:imgProps xmlns:a14="http://schemas.microsoft.com/office/drawing/2010/main">
-                  <a14:imgLayer>
-                    <a14:imgEffect>
-                      <a14:colorTemperature colorTemp="11500"/>
-                    </a14:imgEffect>
-                    <a14:imgEffect>
-                      <a14:saturation sat="263000"/>
-                    </a14:imgEffect>
-                  </a14:imgLayer>
-                </a14:imgProps>
-              </a:ext>
-            </a:extLst>
-          </a:blip>
-          <a:stretch>
-            <a:fillRect/>
-          </a:stretch>
-        </p:blipFill>
-        <p:spPr>
-          <a:xfrm>
-            <a:off x="4666572" y="2558101"/>
-            <a:ext cx="304800" cy="114300"/>
-          </a:xfrm>
-          <a:prstGeom prst="rect">
-            <a:avLst/>
-          </a:prstGeom>
-        </p:spPr>
-      </p:pic>
-      <p:pic>
-        <p:nvPicPr>
-          <p:cNvPr id="13" name="Grafik 12">
-            <a:extLst>
-              <a:ext uri="{FF2B5EF4-FFF2-40B4-BE49-F238E27FC236}">
-                <a16:creationId xmlns:a16="http://schemas.microsoft.com/office/drawing/2014/main" id="{9E819CEA-0A46-C54C-A724-E9949430804B}"/>
-              </a:ext>
-            </a:extLst>
-          </p:cNvPr>
-          <p:cNvPicPr>
-            <a:picLocks noChangeAspect="1"/>
-          </p:cNvPicPr>
-          <p:nvPr/>
-        </p:nvPicPr>
-        <p:blipFill>
-          <a:blip r:embed="rId12">
-            <a:duotone>
-              <a:prstClr val="black"/>
-              <a:srgbClr val="0070C0">
-                <a:tint val="45000"/>
-                <a:satMod val="400000"/>
-              </a:srgbClr>
-            </a:duotone>
-          </a:blip>
-          <a:stretch>
-            <a:fillRect/>
-          </a:stretch>
-        </p:blipFill>
-        <p:spPr>
-          <a:xfrm>
-            <a:off x="4698322" y="3010604"/>
-            <a:ext cx="241300" cy="127000"/>
-          </a:xfrm>
-          <a:prstGeom prst="rect">
-            <a:avLst/>
-          </a:prstGeom>
-        </p:spPr>
-      </p:pic>
-      <p:pic>
-        <p:nvPicPr>
-          <p:cNvPr id="21" name="Grafik 20">
-            <a:extLst>
-              <a:ext uri="{FF2B5EF4-FFF2-40B4-BE49-F238E27FC236}">
-                <a16:creationId xmlns:a16="http://schemas.microsoft.com/office/drawing/2014/main" id="{C8EA087E-9A22-D847-99B4-CC19AD3D7B13}"/>
-              </a:ext>
-            </a:extLst>
-          </p:cNvPr>
-          <p:cNvPicPr>
-            <a:picLocks noChangeAspect="1"/>
-          </p:cNvPicPr>
-          <p:nvPr/>
-        </p:nvPicPr>
-        <p:blipFill>
-          <a:blip r:embed="rId13">
-            <a:duotone>
-              <a:prstClr val="black"/>
-              <a:srgbClr val="0070C0">
-                <a:tint val="45000"/>
-                <a:satMod val="400000"/>
-              </a:srgbClr>
-            </a:duotone>
-          </a:blip>
-          <a:stretch>
-            <a:fillRect/>
-          </a:stretch>
-        </p:blipFill>
-        <p:spPr>
-          <a:xfrm>
-            <a:off x="4704672" y="3561561"/>
-            <a:ext cx="228600" cy="114300"/>
-          </a:xfrm>
-          <a:prstGeom prst="rect">
-            <a:avLst/>
-          </a:prstGeom>
-        </p:spPr>
-      </p:pic>
-      <p:pic>
-        <p:nvPicPr>
-          <p:cNvPr id="22" name="Grafik 21">
-            <a:extLst>
-              <a:ext uri="{FF2B5EF4-FFF2-40B4-BE49-F238E27FC236}">
-                <a16:creationId xmlns:a16="http://schemas.microsoft.com/office/drawing/2014/main" id="{15797116-E377-5447-8DE1-30A909299248}"/>
-              </a:ext>
-            </a:extLst>
-          </p:cNvPr>
-          <p:cNvPicPr>
-            <a:picLocks noChangeAspect="1"/>
-          </p:cNvPicPr>
-          <p:nvPr/>
-        </p:nvPicPr>
-        <p:blipFill>
-          <a:blip r:embed="rId14">
-            <a:duotone>
-              <a:prstClr val="black"/>
-              <a:srgbClr val="0070C0">
-                <a:tint val="45000"/>
-                <a:satMod val="400000"/>
-              </a:srgbClr>
-            </a:duotone>
-          </a:blip>
-          <a:stretch>
-            <a:fillRect/>
-          </a:stretch>
-        </p:blipFill>
-        <p:spPr>
-          <a:xfrm>
-            <a:off x="4711022" y="4101332"/>
-            <a:ext cx="215900" cy="114300"/>
-          </a:xfrm>
-          <a:prstGeom prst="rect">
-            <a:avLst/>
-          </a:prstGeom>
-        </p:spPr>
-      </p:pic>
-      <p:pic>
-        <p:nvPicPr>
-          <p:cNvPr id="25" name="Grafik 24">
-            <a:extLst>
-              <a:ext uri="{FF2B5EF4-FFF2-40B4-BE49-F238E27FC236}">
-                <a16:creationId xmlns:a16="http://schemas.microsoft.com/office/drawing/2014/main" id="{9D78CF94-279A-2B4B-AAC9-569BBCB31FD2}"/>
-              </a:ext>
-            </a:extLst>
-          </p:cNvPr>
-          <p:cNvPicPr>
-            <a:picLocks noChangeAspect="1"/>
-          </p:cNvPicPr>
-          <p:nvPr/>
-        </p:nvPicPr>
-        <p:blipFill>
-          <a:blip r:embed="rId15">
-            <a:duotone>
-              <a:prstClr val="black"/>
-              <a:srgbClr val="0070C0">
-                <a:tint val="45000"/>
-                <a:satMod val="400000"/>
-              </a:srgbClr>
-            </a:duotone>
-          </a:blip>
-          <a:stretch>
-            <a:fillRect/>
-          </a:stretch>
-        </p:blipFill>
-        <p:spPr>
-          <a:xfrm>
-            <a:off x="4685622" y="4777050"/>
-            <a:ext cx="266700" cy="101600"/>
-          </a:xfrm>
-          <a:prstGeom prst="rect">
-            <a:avLst/>
-          </a:prstGeom>
-        </p:spPr>
-      </p:pic>
+      <p:sp>
+        <p:nvSpPr>
+          <p:cNvPr id="5" name="Textfeld 4">
+            <a:extLst>
+              <a:ext uri="{FF2B5EF4-FFF2-40B4-BE49-F238E27FC236}">
+                <a16:creationId xmlns:a16="http://schemas.microsoft.com/office/drawing/2014/main" id="{48B1F0FE-57B2-434C-8708-97EA6E3B85CB}"/>
+              </a:ext>
+            </a:extLst>
+          </p:cNvPr>
+          <p:cNvSpPr txBox="1"/>
+          <p:nvPr/>
+        </p:nvSpPr>
+        <p:spPr>
+          <a:xfrm>
+            <a:off x="4582226" y="2482221"/>
+            <a:ext cx="482824" cy="200055"/>
+          </a:xfrm>
+          <a:prstGeom prst="rect">
+            <a:avLst/>
+          </a:prstGeom>
+          <a:noFill/>
+        </p:spPr>
+        <p:txBody>
+          <a:bodyPr wrap="none" rtlCol="0">
+            <a:spAutoFit/>
+          </a:bodyPr>
+          <a:lstStyle/>
+          <a:p>
+            <a:r>
+              <a:rPr lang="de-DE" sz="700" b="1" dirty="0">
+                <a:solidFill>
+                  <a:srgbClr val="007AFD"/>
+                </a:solidFill>
+              </a:rPr>
+              <a:t>GLISSER</a:t>
+            </a:r>
+          </a:p>
+        </p:txBody>
+      </p:sp>
+      <p:sp>
+        <p:nvSpPr>
+          <p:cNvPr id="21" name="Textfeld 20">
+            <a:extLst>
+              <a:ext uri="{FF2B5EF4-FFF2-40B4-BE49-F238E27FC236}">
+                <a16:creationId xmlns:a16="http://schemas.microsoft.com/office/drawing/2014/main" id="{5EF60413-5938-5B4C-9675-572500704735}"/>
+              </a:ext>
+            </a:extLst>
+          </p:cNvPr>
+          <p:cNvSpPr txBox="1"/>
+          <p:nvPr/>
+        </p:nvSpPr>
+        <p:spPr>
+          <a:xfrm>
+            <a:off x="4555776" y="2971171"/>
+            <a:ext cx="535724" cy="200055"/>
+          </a:xfrm>
+          <a:prstGeom prst="rect">
+            <a:avLst/>
+          </a:prstGeom>
+          <a:noFill/>
+        </p:spPr>
+        <p:txBody>
+          <a:bodyPr wrap="none" rtlCol="0">
+            <a:spAutoFit/>
+          </a:bodyPr>
+          <a:lstStyle/>
+          <a:p>
+            <a:r>
+              <a:rPr lang="de-DE" sz="700" b="1" dirty="0">
+                <a:solidFill>
+                  <a:srgbClr val="007AFD"/>
+                </a:solidFill>
+              </a:rPr>
+              <a:t>APPUYER</a:t>
+            </a:r>
+          </a:p>
+        </p:txBody>
+      </p:sp>
+      <p:sp>
+        <p:nvSpPr>
+          <p:cNvPr id="22" name="Textfeld 21">
+            <a:extLst>
+              <a:ext uri="{FF2B5EF4-FFF2-40B4-BE49-F238E27FC236}">
+                <a16:creationId xmlns:a16="http://schemas.microsoft.com/office/drawing/2014/main" id="{BD754D90-7C76-FF41-BB86-87D36CBC704F}"/>
+              </a:ext>
+            </a:extLst>
+          </p:cNvPr>
+          <p:cNvSpPr txBox="1"/>
+          <p:nvPr/>
+        </p:nvSpPr>
+        <p:spPr>
+          <a:xfrm>
+            <a:off x="4405094" y="3507915"/>
+            <a:ext cx="837089" cy="200055"/>
+          </a:xfrm>
+          <a:prstGeom prst="rect">
+            <a:avLst/>
+          </a:prstGeom>
+          <a:noFill/>
+        </p:spPr>
+        <p:txBody>
+          <a:bodyPr wrap="none" rtlCol="0">
+            <a:spAutoFit/>
+          </a:bodyPr>
+          <a:lstStyle/>
+          <a:p>
+            <a:r>
+              <a:rPr lang="de-DE" sz="700" b="1" dirty="0">
+                <a:solidFill>
+                  <a:srgbClr val="007AFD"/>
+                </a:solidFill>
+              </a:rPr>
+              <a:t>TAPEZ DEUX FOIS</a:t>
+            </a:r>
+          </a:p>
+        </p:txBody>
+      </p:sp>
+      <p:sp>
+        <p:nvSpPr>
+          <p:cNvPr id="23" name="Textfeld 22">
+            <a:extLst>
+              <a:ext uri="{FF2B5EF4-FFF2-40B4-BE49-F238E27FC236}">
+                <a16:creationId xmlns:a16="http://schemas.microsoft.com/office/drawing/2014/main" id="{0989A3E2-90D2-E345-BB07-B501401BC965}"/>
+              </a:ext>
+            </a:extLst>
+          </p:cNvPr>
+          <p:cNvSpPr txBox="1"/>
+          <p:nvPr/>
+        </p:nvSpPr>
+        <p:spPr>
+          <a:xfrm>
+            <a:off x="4505282" y="4044659"/>
+            <a:ext cx="636713" cy="307777"/>
+          </a:xfrm>
+          <a:prstGeom prst="rect">
+            <a:avLst/>
+          </a:prstGeom>
+          <a:noFill/>
+        </p:spPr>
+        <p:txBody>
+          <a:bodyPr wrap="none" rtlCol="0">
+            <a:spAutoFit/>
+          </a:bodyPr>
+          <a:lstStyle/>
+          <a:p>
+            <a:r>
+              <a:rPr lang="de-DE" sz="700" b="1" dirty="0">
+                <a:solidFill>
+                  <a:srgbClr val="007AFD"/>
+                </a:solidFill>
+              </a:rPr>
+              <a:t>APPUYEZ ET</a:t>
+            </a:r>
+          </a:p>
+          <a:p>
+            <a:r>
+              <a:rPr lang="de-DE" sz="700" b="1" dirty="0">
+                <a:solidFill>
+                  <a:srgbClr val="007AFD"/>
+                </a:solidFill>
+              </a:rPr>
+              <a:t>MAINTENEZ</a:t>
+            </a:r>
+          </a:p>
+        </p:txBody>
+      </p:sp>
+      <p:sp>
+        <p:nvSpPr>
+          <p:cNvPr id="24" name="Textfeld 23">
+            <a:extLst>
+              <a:ext uri="{FF2B5EF4-FFF2-40B4-BE49-F238E27FC236}">
+                <a16:creationId xmlns:a16="http://schemas.microsoft.com/office/drawing/2014/main" id="{C60A58CB-08D7-B04A-8005-F51A20991E7F}"/>
+              </a:ext>
+            </a:extLst>
+          </p:cNvPr>
+          <p:cNvSpPr txBox="1"/>
+          <p:nvPr/>
+        </p:nvSpPr>
+        <p:spPr>
+          <a:xfrm>
+            <a:off x="4492458" y="4736809"/>
+            <a:ext cx="662361" cy="200055"/>
+          </a:xfrm>
+          <a:prstGeom prst="rect">
+            <a:avLst/>
+          </a:prstGeom>
+          <a:noFill/>
+        </p:spPr>
+        <p:txBody>
+          <a:bodyPr wrap="none" rtlCol="0">
+            <a:spAutoFit/>
+          </a:bodyPr>
+          <a:lstStyle/>
+          <a:p>
+            <a:r>
+              <a:rPr lang="de-DE" sz="700" b="1" dirty="0">
+                <a:solidFill>
+                  <a:srgbClr val="007AFD"/>
+                </a:solidFill>
+              </a:rPr>
+              <a:t>TOURNOYER</a:t>
+            </a:r>
+          </a:p>
+        </p:txBody>
+      </p:sp>
+      <p:sp>
+        <p:nvSpPr>
+          <p:cNvPr id="25" name="Textfeld 24">
+            <a:extLst>
+              <a:ext uri="{FF2B5EF4-FFF2-40B4-BE49-F238E27FC236}">
+                <a16:creationId xmlns:a16="http://schemas.microsoft.com/office/drawing/2014/main" id="{F651C9BC-DCB3-FA47-8653-4C8BA7CE138E}"/>
+              </a:ext>
+            </a:extLst>
+          </p:cNvPr>
+          <p:cNvSpPr txBox="1"/>
+          <p:nvPr/>
+        </p:nvSpPr>
+        <p:spPr>
+          <a:xfrm>
+            <a:off x="5342059" y="1671404"/>
+            <a:ext cx="1504899" cy="369332"/>
+          </a:xfrm>
+          <a:prstGeom prst="rect">
+            <a:avLst/>
+          </a:prstGeom>
+          <a:noFill/>
+        </p:spPr>
+        <p:txBody>
+          <a:bodyPr wrap="none" rtlCol="0">
+            <a:spAutoFit/>
+          </a:bodyPr>
+          <a:lstStyle/>
+          <a:p>
+            <a:r>
+              <a:rPr lang="de-DE" b="1" dirty="0">
+                <a:solidFill>
+                  <a:schemeClr val="bg1">
+                    <a:lumMod val="50000"/>
+                  </a:schemeClr>
+                </a:solidFill>
+              </a:rPr>
+              <a:t>ZONE TACTILE</a:t>
+            </a:r>
+          </a:p>
+        </p:txBody>
+      </p:sp>
+      <p:sp>
+        <p:nvSpPr>
+          <p:cNvPr id="26" name="Textfeld 25">
+            <a:extLst>
+              <a:ext uri="{FF2B5EF4-FFF2-40B4-BE49-F238E27FC236}">
+                <a16:creationId xmlns:a16="http://schemas.microsoft.com/office/drawing/2014/main" id="{28C8C081-5D02-324D-BDDD-4532DC90E78D}"/>
+              </a:ext>
+            </a:extLst>
+          </p:cNvPr>
+          <p:cNvSpPr txBox="1"/>
+          <p:nvPr/>
+        </p:nvSpPr>
+        <p:spPr>
+          <a:xfrm>
+            <a:off x="5141938" y="2060558"/>
+            <a:ext cx="2728632" cy="553998"/>
+          </a:xfrm>
+          <a:prstGeom prst="rect">
+            <a:avLst/>
+          </a:prstGeom>
+          <a:noFill/>
+        </p:spPr>
+        <p:txBody>
+          <a:bodyPr wrap="none" rtlCol="0">
+            <a:spAutoFit/>
+          </a:bodyPr>
+          <a:lstStyle/>
+          <a:p>
+            <a:r>
+              <a:rPr lang="de-DE" sz="1000" dirty="0">
+                <a:solidFill>
+                  <a:schemeClr val="bg1">
+                    <a:lumMod val="50000"/>
+                  </a:schemeClr>
+                </a:solidFill>
+              </a:rPr>
+              <a:t>NAVIGATION HAUT/BAS/GAUCHE/DROITE</a:t>
+            </a:r>
+          </a:p>
+          <a:p>
+            <a:r>
+              <a:rPr lang="de-DE" sz="1000" dirty="0">
+                <a:solidFill>
+                  <a:schemeClr val="bg1">
+                    <a:lumMod val="50000"/>
+                  </a:schemeClr>
+                </a:solidFill>
+              </a:rPr>
+              <a:t>VIDÉO PLEIN ÉCRAN: PETIT RECUL/AVANCE</a:t>
+            </a:r>
+          </a:p>
+          <a:p>
+            <a:r>
+              <a:rPr lang="de-DE" sz="1000" dirty="0">
+                <a:solidFill>
+                  <a:schemeClr val="bg1">
+                    <a:lumMod val="50000"/>
+                  </a:schemeClr>
+                </a:solidFill>
+              </a:rPr>
+              <a:t>MUSIQUE PLEIN ÉCRAN: PRÉCÉDENTE/SUIVANTE</a:t>
+            </a:r>
+            <a:endParaRPr lang="de-DE" sz="900" dirty="0">
+              <a:solidFill>
+                <a:schemeClr val="bg1">
+                  <a:lumMod val="50000"/>
+                </a:schemeClr>
+              </a:solidFill>
+            </a:endParaRPr>
+          </a:p>
+        </p:txBody>
+      </p:sp>
+      <p:sp>
+        <p:nvSpPr>
+          <p:cNvPr id="27" name="Textfeld 26">
+            <a:extLst>
+              <a:ext uri="{FF2B5EF4-FFF2-40B4-BE49-F238E27FC236}">
+                <a16:creationId xmlns:a16="http://schemas.microsoft.com/office/drawing/2014/main" id="{B5C4D795-5EE9-1C4C-8993-333E1A5521D3}"/>
+              </a:ext>
+            </a:extLst>
+          </p:cNvPr>
+          <p:cNvSpPr txBox="1"/>
+          <p:nvPr/>
+        </p:nvSpPr>
+        <p:spPr>
+          <a:xfrm>
+            <a:off x="5141938" y="2771802"/>
+            <a:ext cx="1608133" cy="246221"/>
+          </a:xfrm>
+          <a:prstGeom prst="rect">
+            <a:avLst/>
+          </a:prstGeom>
+          <a:noFill/>
+        </p:spPr>
+        <p:txBody>
+          <a:bodyPr wrap="none" rtlCol="0">
+            <a:spAutoFit/>
+          </a:bodyPr>
+          <a:lstStyle/>
+          <a:p>
+            <a:r>
+              <a:rPr lang="de-DE" sz="1000" dirty="0">
+                <a:solidFill>
+                  <a:schemeClr val="bg1">
+                    <a:lumMod val="50000"/>
+                  </a:schemeClr>
+                </a:solidFill>
+              </a:rPr>
+              <a:t>CONFIRMER LA SÉLECTION</a:t>
+            </a:r>
+          </a:p>
+        </p:txBody>
+      </p:sp>
+      <p:sp>
+        <p:nvSpPr>
+          <p:cNvPr id="28" name="Textfeld 27">
+            <a:extLst>
+              <a:ext uri="{FF2B5EF4-FFF2-40B4-BE49-F238E27FC236}">
+                <a16:creationId xmlns:a16="http://schemas.microsoft.com/office/drawing/2014/main" id="{178B4F6A-28E7-FA4F-ACCC-1554ACB911FD}"/>
+              </a:ext>
+            </a:extLst>
+          </p:cNvPr>
+          <p:cNvSpPr txBox="1"/>
+          <p:nvPr/>
+        </p:nvSpPr>
+        <p:spPr>
+          <a:xfrm>
+            <a:off x="5141246" y="3287176"/>
+            <a:ext cx="829073" cy="246221"/>
+          </a:xfrm>
+          <a:prstGeom prst="rect">
+            <a:avLst/>
+          </a:prstGeom>
+          <a:noFill/>
+        </p:spPr>
+        <p:txBody>
+          <a:bodyPr wrap="none" rtlCol="0">
+            <a:spAutoFit/>
+          </a:bodyPr>
+          <a:lstStyle>
+            <a:defPPr>
+              <a:defRPr lang="de-DE"/>
+            </a:defPPr>
+            <a:lvl1pPr>
+              <a:defRPr sz="1000">
+                <a:solidFill>
+                  <a:schemeClr val="bg1">
+                    <a:lumMod val="50000"/>
+                  </a:schemeClr>
+                </a:solidFill>
+              </a:defRPr>
+            </a:lvl1pPr>
+          </a:lstStyle>
+          <a:p>
+            <a:r>
+              <a:rPr lang="de-DE" dirty="0"/>
+              <a:t>RETOURNER</a:t>
+            </a:r>
+          </a:p>
+        </p:txBody>
+      </p:sp>
+      <p:sp>
+        <p:nvSpPr>
+          <p:cNvPr id="29" name="Textfeld 28">
+            <a:extLst>
+              <a:ext uri="{FF2B5EF4-FFF2-40B4-BE49-F238E27FC236}">
+                <a16:creationId xmlns:a16="http://schemas.microsoft.com/office/drawing/2014/main" id="{3245B12B-EAC1-594B-BF18-C31FE284788F}"/>
+              </a:ext>
+            </a:extLst>
+          </p:cNvPr>
+          <p:cNvSpPr txBox="1"/>
+          <p:nvPr/>
+        </p:nvSpPr>
+        <p:spPr>
+          <a:xfrm>
+            <a:off x="5141938" y="3790280"/>
+            <a:ext cx="1782860" cy="400110"/>
+          </a:xfrm>
+          <a:prstGeom prst="rect">
+            <a:avLst/>
+          </a:prstGeom>
+          <a:noFill/>
+        </p:spPr>
+        <p:txBody>
+          <a:bodyPr wrap="none" rtlCol="0">
+            <a:spAutoFit/>
+          </a:bodyPr>
+          <a:lstStyle>
+            <a:defPPr>
+              <a:defRPr lang="de-DE"/>
+            </a:defPPr>
+            <a:lvl1pPr>
+              <a:defRPr sz="1000">
+                <a:solidFill>
+                  <a:schemeClr val="bg1">
+                    <a:lumMod val="50000"/>
+                  </a:schemeClr>
+                </a:solidFill>
+              </a:defRPr>
+            </a:lvl1pPr>
+          </a:lstStyle>
+          <a:p>
+            <a:r>
+              <a:rPr lang="de-DE" dirty="0"/>
+              <a:t>CONTRÔLES DU JOUEUR (OSD)</a:t>
+            </a:r>
+          </a:p>
+          <a:p>
+            <a:r>
+              <a:rPr lang="de-DE" dirty="0"/>
+              <a:t>MENU CONTEXTUEL</a:t>
+            </a:r>
+          </a:p>
+        </p:txBody>
+      </p:sp>
+      <p:sp>
+        <p:nvSpPr>
+          <p:cNvPr id="30" name="Textfeld 29">
+            <a:extLst>
+              <a:ext uri="{FF2B5EF4-FFF2-40B4-BE49-F238E27FC236}">
+                <a16:creationId xmlns:a16="http://schemas.microsoft.com/office/drawing/2014/main" id="{124DBCBC-9CB8-D149-9F5D-BAEE0DD6DECD}"/>
+              </a:ext>
+            </a:extLst>
+          </p:cNvPr>
+          <p:cNvSpPr txBox="1"/>
+          <p:nvPr/>
+        </p:nvSpPr>
+        <p:spPr>
+          <a:xfrm>
+            <a:off x="5141938" y="4408323"/>
+            <a:ext cx="2106667" cy="246221"/>
+          </a:xfrm>
+          <a:prstGeom prst="rect">
+            <a:avLst/>
+          </a:prstGeom>
+          <a:noFill/>
+        </p:spPr>
+        <p:txBody>
+          <a:bodyPr wrap="none" rtlCol="0">
+            <a:spAutoFit/>
+          </a:bodyPr>
+          <a:lstStyle/>
+          <a:p>
+            <a:r>
+              <a:rPr lang="de-DE" sz="1000" dirty="0">
+                <a:solidFill>
+                  <a:schemeClr val="bg1">
+                    <a:lumMod val="50000"/>
+                  </a:schemeClr>
+                </a:solidFill>
+              </a:rPr>
+              <a:t>AUGMENTER/DIMINUER LE VOLUME</a:t>
+            </a:r>
+          </a:p>
+        </p:txBody>
+      </p:sp>
+      <p:sp>
+        <p:nvSpPr>
+          <p:cNvPr id="32" name="Textfeld 31">
+            <a:extLst>
+              <a:ext uri="{FF2B5EF4-FFF2-40B4-BE49-F238E27FC236}">
+                <a16:creationId xmlns:a16="http://schemas.microsoft.com/office/drawing/2014/main" id="{DD15E173-06DF-6742-A992-3E66A88592AE}"/>
+              </a:ext>
+            </a:extLst>
+          </p:cNvPr>
+          <p:cNvSpPr txBox="1"/>
+          <p:nvPr/>
+        </p:nvSpPr>
+        <p:spPr>
+          <a:xfrm>
+            <a:off x="5042551" y="5007618"/>
+            <a:ext cx="2305439" cy="200055"/>
+          </a:xfrm>
+          <a:prstGeom prst="rect">
+            <a:avLst/>
+          </a:prstGeom>
+          <a:noFill/>
+        </p:spPr>
+        <p:txBody>
+          <a:bodyPr wrap="none" rtlCol="0">
+            <a:spAutoFit/>
+          </a:bodyPr>
+          <a:lstStyle/>
+          <a:p>
+            <a:r>
+              <a:rPr lang="de-DE" sz="700" dirty="0">
+                <a:solidFill>
+                  <a:schemeClr val="bg1">
+                    <a:lumMod val="50000"/>
+                  </a:schemeClr>
+                </a:solidFill>
+              </a:rPr>
+              <a:t>ICÔNES DE GESTE DE HTTP://SOMERANDOMDUDE.COM</a:t>
+            </a:r>
+          </a:p>
+        </p:txBody>
+      </p:sp>
+      <p:sp>
+        <p:nvSpPr>
+          <p:cNvPr id="15" name="Textfeld 14">
+            <a:extLst>
+              <a:ext uri="{FF2B5EF4-FFF2-40B4-BE49-F238E27FC236}">
+                <a16:creationId xmlns:a16="http://schemas.microsoft.com/office/drawing/2014/main" id="{81989EBB-5D76-BF42-9E65-22F0582FEF9F}"/>
+              </a:ext>
+            </a:extLst>
+          </p:cNvPr>
+          <p:cNvSpPr txBox="1"/>
+          <p:nvPr/>
+        </p:nvSpPr>
+        <p:spPr>
+          <a:xfrm>
+            <a:off x="7769420" y="1199345"/>
+            <a:ext cx="415498" cy="369332"/>
+          </a:xfrm>
+          <a:prstGeom prst="rect">
+            <a:avLst/>
+          </a:prstGeom>
+          <a:noFill/>
+        </p:spPr>
+        <p:txBody>
+          <a:bodyPr wrap="none" rtlCol="0">
+            <a:spAutoFit/>
+          </a:bodyPr>
+          <a:lstStyle/>
+          <a:p>
+            <a:r>
+              <a:rPr lang="de-DE" dirty="0">
+                <a:solidFill>
+                  <a:schemeClr val="bg1"/>
+                </a:solidFill>
+              </a:rPr>
+              <a:t>FR</a:t>
+            </a:r>
+          </a:p>
+        </p:txBody>
+      </p:sp>
     </p:spTree>
     <p:extLst>
       <p:ext uri="{BB962C8B-B14F-4D97-AF65-F5344CB8AC3E}">
-        <p14:creationId xmlns:p14="http://schemas.microsoft.com/office/powerpoint/2010/main" val="1938986570"/>
+        <p14:creationId xmlns:p14="http://schemas.microsoft.com/office/powerpoint/2010/main" val="2294011694"/>
       </p:ext>
     </p:extLst>
   </p:cSld>
@@ -7677,7 +11709,7 @@
                   </a:schemeClr>
                 </a:solidFill>
               </a:rPr>
-              <a:t>FULLSCREEN MUSIC: PEVIOUS/NEXT SONG</a:t>
+              <a:t>FULLSCREEN MUSIC: PREVIOUS/NEXT SONG</a:t>
             </a:r>
           </a:p>
         </p:txBody>
@@ -7853,7 +11885,7 @@
                   </a:schemeClr>
                 </a:solidFill>
               </a:rPr>
-              <a:t>INCREASE / DECREASE VOLUME</a:t>
+              <a:t>INCREASE/DECREASE VOLUME</a:t>
             </a:r>
           </a:p>
         </p:txBody>
@@ -8254,7 +12286,7 @@
                   </a:schemeClr>
                 </a:solidFill>
               </a:rPr>
-              <a:t>VIDEO-VOLLBILD: KURZ ZURÜCK/VORWÄRTS</a:t>
+              <a:t>VIDEO-VOLLBILD: ETWAS ZURÜCK/VORWÄRTS</a:t>
             </a:r>
           </a:p>
           <a:p>
@@ -8462,7 +12494,7 @@
         <p:spPr>
           <a:xfrm>
             <a:off x="7769420" y="1199345"/>
-            <a:ext cx="372218" cy="369332"/>
+            <a:ext cx="567784" cy="369332"/>
           </a:xfrm>
           <a:prstGeom prst="rect">
             <a:avLst/>
@@ -8481,7 +12513,7 @@
                   <a:schemeClr val="bg1"/>
                 </a:solidFill>
               </a:rPr>
-              <a:t>-1</a:t>
+              <a:t>GER</a:t>
             </a:r>
           </a:p>
         </p:txBody>
@@ -8894,7 +12926,7 @@
                   </a:schemeClr>
                 </a:solidFill>
               </a:rPr>
-              <a:t>FULLSCREEN MUSIC: PEVIOUS/NEXT SONG</a:t>
+              <a:t>FULLSCREEN MUSIC: PREVIOUS/NEXT SONG</a:t>
             </a:r>
           </a:p>
         </p:txBody>
@@ -9070,7 +13102,7 @@
                   </a:schemeClr>
                 </a:solidFill>
               </a:rPr>
-              <a:t>INCREASE / DECREASE VOLUME</a:t>
+              <a:t>INCREASE/DECREASE VOLUME</a:t>
             </a:r>
           </a:p>
         </p:txBody>
@@ -9131,7 +13163,7 @@
         <p:spPr>
           <a:xfrm>
             <a:off x="7769420" y="1199345"/>
-            <a:ext cx="372218" cy="369332"/>
+            <a:ext cx="445956" cy="369332"/>
           </a:xfrm>
           <a:prstGeom prst="rect">
             <a:avLst/>
@@ -9150,7 +13182,7 @@
                   <a:schemeClr val="bg1"/>
                 </a:solidFill>
               </a:rPr>
-              <a:t>-2</a:t>
+              <a:t>EN</a:t>
             </a:r>
           </a:p>
         </p:txBody>
@@ -9555,28 +13587,35 @@
         <p:spPr>
           <a:xfrm>
             <a:off x="5141938" y="2771802"/>
-            <a:ext cx="2040943" cy="246221"/>
-          </a:xfrm>
-          <a:prstGeom prst="rect">
-            <a:avLst/>
-          </a:prstGeom>
-          <a:noFill/>
-        </p:spPr>
-        <p:txBody>
-          <a:bodyPr wrap="none" rtlCol="0">
-            <a:spAutoFit/>
-          </a:bodyPr>
-          <a:lstStyle/>
-          <a:p>
-            <a:r>
-              <a:rPr lang="de-DE" sz="1000" dirty="0">
-                <a:solidFill>
-                  <a:schemeClr val="bg1">
-                    <a:lumMod val="50000"/>
-                  </a:schemeClr>
-                </a:solidFill>
-              </a:rPr>
-              <a:t>SELECCIONAR ITEM ACTUAL EN GUI</a:t>
+            <a:ext cx="1346844" cy="215444"/>
+          </a:xfrm>
+          <a:prstGeom prst="rect">
+            <a:avLst/>
+          </a:prstGeom>
+          <a:noFill/>
+        </p:spPr>
+        <p:txBody>
+          <a:bodyPr wrap="none" rtlCol="0">
+            <a:spAutoFit/>
+          </a:bodyPr>
+          <a:lstStyle>
+            <a:defPPr>
+              <a:defRPr lang="de-DE"/>
+            </a:defPPr>
+            <a:lvl1pPr>
+              <a:defRPr sz="1000">
+                <a:solidFill>
+                  <a:schemeClr val="bg1">
+                    <a:lumMod val="50000"/>
+                  </a:schemeClr>
+                </a:solidFill>
+              </a:defRPr>
+            </a:lvl1pPr>
+          </a:lstStyle>
+          <a:p>
+            <a:r>
+              <a:rPr lang="de-DE" dirty="0"/>
+              <a:t>SELECCIONAR ITEM ACTUAL</a:t>
             </a:r>
           </a:p>
         </p:txBody>
@@ -9711,7 +13750,7 @@
                   </a:schemeClr>
                 </a:solidFill>
               </a:rPr>
-              <a:t>AUMENTAR / DISMINUIR VOLUMEN</a:t>
+              <a:t>AUMENTAR/DISMINUIR VOLUMEN</a:t>
             </a:r>
           </a:p>
         </p:txBody>
@@ -9772,7 +13811,7 @@
         <p:spPr>
           <a:xfrm>
             <a:off x="7769420" y="1199345"/>
-            <a:ext cx="372218" cy="369332"/>
+            <a:ext cx="400431" cy="369332"/>
           </a:xfrm>
           <a:prstGeom prst="rect">
             <a:avLst/>
@@ -9791,7 +13830,7 @@
                   <a:schemeClr val="bg1"/>
                 </a:solidFill>
               </a:rPr>
-              <a:t>-3</a:t>
+              <a:t>ES</a:t>
             </a:r>
           </a:p>
         </p:txBody>
@@ -10151,7 +14190,7 @@
                   </a:schemeClr>
                 </a:solidFill>
               </a:rPr>
-              <a:t>AUMENTA / DIMINUISCE IL VOLUME</a:t>
+              <a:t>AUMENTA/DIMINUISCE IL VOLUME</a:t>
             </a:r>
           </a:p>
         </p:txBody>
@@ -10212,7 +14251,7 @@
         <p:spPr>
           <a:xfrm>
             <a:off x="7769420" y="1199345"/>
-            <a:ext cx="372218" cy="369332"/>
+            <a:ext cx="354584" cy="369332"/>
           </a:xfrm>
           <a:prstGeom prst="rect">
             <a:avLst/>
@@ -10231,7 +14270,7 @@
                   <a:schemeClr val="bg1"/>
                 </a:solidFill>
               </a:rPr>
-              <a:t>-4</a:t>
+              <a:t>IT</a:t>
             </a:r>
           </a:p>
         </p:txBody>
@@ -10801,7 +14840,7 @@
                   </a:schemeClr>
                 </a:solidFill>
               </a:rPr>
-              <a:t>ZWIĘKSZ / ZMNIEJSZ GŁOŚNOŚĆ</a:t>
+              <a:t>ZWIĘKSZ/ZMNIEJSZ GŁOŚNOŚĆ</a:t>
             </a:r>
           </a:p>
         </p:txBody>
@@ -10862,7 +14901,7 @@
         <p:spPr>
           <a:xfrm>
             <a:off x="7769420" y="1199345"/>
-            <a:ext cx="372218" cy="369332"/>
+            <a:ext cx="401072" cy="369332"/>
           </a:xfrm>
           <a:prstGeom prst="rect">
             <a:avLst/>
@@ -10881,7 +14920,7 @@
                   <a:schemeClr val="bg1"/>
                 </a:solidFill>
               </a:rPr>
-              <a:t>-5</a:t>
+              <a:t>PL</a:t>
             </a:r>
           </a:p>
         </p:txBody>
@@ -11450,7 +15489,7 @@
                   </a:schemeClr>
                 </a:solidFill>
               </a:rPr>
-              <a:t>AUMENTA / DIMINUI VOLUME</a:t>
+              <a:t>AUMENTA/DIMINUI VOLUME</a:t>
             </a:r>
           </a:p>
         </p:txBody>
@@ -11511,7 +15550,7 @@
         <p:spPr>
           <a:xfrm>
             <a:off x="7769420" y="1199345"/>
-            <a:ext cx="372218" cy="369332"/>
+            <a:ext cx="414472" cy="369332"/>
           </a:xfrm>
           <a:prstGeom prst="rect">
             <a:avLst/>
@@ -11530,7 +15569,7 @@
                   <a:schemeClr val="bg1"/>
                 </a:solidFill>
               </a:rPr>
-              <a:t>-6</a:t>
+              <a:t>PT</a:t>
             </a:r>
           </a:p>
         </p:txBody>
